--- a/documentation/presentazione/presentazione.pptx
+++ b/documentation/presentazione/presentazione.pptx
@@ -120,6 +120,11 @@
       </a:defRPr>
     </a:lvl9pPr>
   </p:defaultTextStyle>
+  <p:extLst>
+    <p:ext uri="{EFAFB233-063F-42B5-8137-9DF3F51BA10A}">
+      <p15:sldGuideLst xmlns:p15="http://schemas.microsoft.com/office/powerpoint/2012/main"/>
+    </p:ext>
+  </p:extLst>
 </p:presentation>
 </file>
 
@@ -281,7 +286,7 @@
                 </a:solidFill>
               </a:rPr>
               <a:pPr defTabSz="829178"/>
-              <a:t>2/22/2020</a:t>
+              <a:t>2/24/2020</a:t>
             </a:fld>
             <a:endParaRPr lang="en-US" sz="1632">
               <a:solidFill>
@@ -441,7 +446,7 @@
                 </a:solidFill>
               </a:rPr>
               <a:pPr defTabSz="829178"/>
-              <a:t>2/22/2020</a:t>
+              <a:t>2/24/2020</a:t>
             </a:fld>
             <a:endParaRPr lang="en-US" sz="1632">
               <a:solidFill>
@@ -671,7 +676,7 @@
                 </a:solidFill>
               </a:rPr>
               <a:pPr defTabSz="829178"/>
-              <a:t>2/22/2020</a:t>
+              <a:t>2/24/2020</a:t>
             </a:fld>
             <a:endParaRPr lang="en-US" sz="1632">
               <a:solidFill>
@@ -892,7 +897,7 @@
                 </a:solidFill>
               </a:rPr>
               <a:pPr defTabSz="829178"/>
-              <a:t>2/22/2020</a:t>
+              <a:t>2/24/2020</a:t>
             </a:fld>
             <a:endParaRPr lang="en-US" sz="1632">
               <a:solidFill>
@@ -1152,7 +1157,7 @@
                 </a:solidFill>
               </a:rPr>
               <a:pPr defTabSz="829178"/>
-              <a:t>2/22/2020</a:t>
+              <a:t>2/24/2020</a:t>
             </a:fld>
             <a:endParaRPr lang="en-US" sz="1632">
               <a:solidFill>
@@ -1346,7 +1351,7 @@
                 </a:solidFill>
               </a:rPr>
               <a:pPr defTabSz="829178"/>
-              <a:t>2/22/2020</a:t>
+              <a:t>2/24/2020</a:t>
             </a:fld>
             <a:endParaRPr lang="en-US" sz="1632">
               <a:solidFill>
@@ -1506,7 +1511,7 @@
                 </a:solidFill>
               </a:rPr>
               <a:pPr defTabSz="829178"/>
-              <a:t>2/22/2020</a:t>
+              <a:t>2/24/2020</a:t>
             </a:fld>
             <a:endParaRPr lang="en-US" sz="1632">
               <a:solidFill>
@@ -1730,7 +1735,7 @@
                 </a:solidFill>
               </a:rPr>
               <a:pPr defTabSz="829178"/>
-              <a:t>2/22/2020</a:t>
+              <a:t>2/24/2020</a:t>
             </a:fld>
             <a:endParaRPr lang="en-US" sz="1632">
               <a:solidFill>
@@ -1993,7 +1998,7 @@
                 </a:solidFill>
               </a:rPr>
               <a:pPr defTabSz="829178"/>
-              <a:t>2/22/2020</a:t>
+              <a:t>2/24/2020</a:t>
             </a:fld>
             <a:endParaRPr lang="en-US" sz="1632">
               <a:solidFill>
@@ -2190,7 +2195,7 @@
                 </a:solidFill>
               </a:rPr>
               <a:pPr defTabSz="829178"/>
-              <a:t>2/22/2020</a:t>
+              <a:t>2/24/2020</a:t>
             </a:fld>
             <a:endParaRPr lang="en-US" sz="1632">
               <a:solidFill>
@@ -2350,7 +2355,7 @@
                 </a:solidFill>
               </a:rPr>
               <a:pPr defTabSz="829178"/>
-              <a:t>2/22/2020</a:t>
+              <a:t>2/24/2020</a:t>
             </a:fld>
             <a:endParaRPr lang="en-US" sz="1632">
               <a:solidFill>
@@ -2580,7 +2585,7 @@
                 </a:solidFill>
               </a:rPr>
               <a:pPr defTabSz="829178"/>
-              <a:t>2/22/2020</a:t>
+              <a:t>2/24/2020</a:t>
             </a:fld>
             <a:endParaRPr lang="en-US" sz="1632">
               <a:solidFill>
@@ -2801,7 +2806,7 @@
                 </a:solidFill>
               </a:rPr>
               <a:pPr defTabSz="829178"/>
-              <a:t>2/22/2020</a:t>
+              <a:t>2/24/2020</a:t>
             </a:fld>
             <a:endParaRPr lang="en-US" sz="1632">
               <a:solidFill>
@@ -3061,7 +3066,7 @@
                 </a:solidFill>
               </a:rPr>
               <a:pPr defTabSz="829178"/>
-              <a:t>2/22/2020</a:t>
+              <a:t>2/24/2020</a:t>
             </a:fld>
             <a:endParaRPr lang="en-US" sz="1632">
               <a:solidFill>
@@ -3255,7 +3260,7 @@
                 </a:solidFill>
               </a:rPr>
               <a:pPr defTabSz="829178"/>
-              <a:t>2/22/2020</a:t>
+              <a:t>2/24/2020</a:t>
             </a:fld>
             <a:endParaRPr lang="en-US" sz="1632">
               <a:solidFill>
@@ -3712,7 +3717,7 @@
                 </a:solidFill>
               </a:rPr>
               <a:pPr defTabSz="829178"/>
-              <a:t>2/22/2020</a:t>
+              <a:t>2/24/2020</a:t>
             </a:fld>
             <a:endParaRPr lang="en-US" sz="1632">
               <a:solidFill>
@@ -4364,7 +4369,7 @@
                 </a:solidFill>
               </a:rPr>
               <a:pPr defTabSz="829178"/>
-              <a:t>2/22/2020</a:t>
+              <a:t>2/24/2020</a:t>
             </a:fld>
             <a:endParaRPr lang="en-US" sz="1632">
               <a:solidFill>
@@ -5016,7 +5021,7 @@
                 </a:solidFill>
               </a:rPr>
               <a:pPr defTabSz="829178"/>
-              <a:t>2/22/2020</a:t>
+              <a:t>2/24/2020</a:t>
             </a:fld>
             <a:endParaRPr lang="en-US" sz="1632">
               <a:solidFill>
@@ -5486,7 +5491,6 @@
               <a:rPr spc="-181" dirty="0"/>
               <a:t>project</a:t>
             </a:r>
-            <a:endParaRPr spc="-181" dirty="0"/>
           </a:p>
         </p:txBody>
       </p:sp>
@@ -5788,7 +5792,7 @@
         <p:spPr>
           <a:xfrm>
             <a:off x="1237129" y="2294965"/>
-            <a:ext cx="793807" cy="369332"/>
+            <a:ext cx="934871" cy="369332"/>
           </a:xfrm>
           <a:prstGeom prst="rect">
             <a:avLst/>
@@ -5833,8 +5837,22 @@
                 <a:ea typeface="+mn-ea"/>
                 <a:cs typeface="Arial" panose="020B0604020202020204" pitchFamily="34" charset="0"/>
               </a:rPr>
-              <a:t>NB</a:t>
-            </a:r>
+              <a:t>3NN</a:t>
+            </a:r>
+            <a:endParaRPr kumimoji="0" lang="en-US" sz="1800" b="0" i="0" u="none" strike="noStrike" kern="1200" cap="none" spc="0" normalizeH="0" baseline="0" noProof="0" dirty="0" smtClean="0">
+              <a:ln>
+                <a:noFill/>
+              </a:ln>
+              <a:solidFill>
+                <a:prstClr val="black"/>
+              </a:solidFill>
+              <a:effectLst/>
+              <a:uLnTx/>
+              <a:uFillTx/>
+              <a:latin typeface="Arial" panose="020B0604020202020204" pitchFamily="34" charset="0"/>
+              <a:ea typeface="+mn-ea"/>
+              <a:cs typeface="Arial" panose="020B0604020202020204" pitchFamily="34" charset="0"/>
+            </a:endParaRPr>
           </a:p>
         </p:txBody>
       </p:sp>
@@ -5847,7 +5865,7 @@
         <p:spPr>
           <a:xfrm>
             <a:off x="1326776" y="4392705"/>
-            <a:ext cx="2024913" cy="369332"/>
+            <a:ext cx="793807" cy="369332"/>
           </a:xfrm>
           <a:prstGeom prst="rect">
             <a:avLst/>
@@ -5892,14 +5910,28 @@
                 <a:ea typeface="+mn-ea"/>
                 <a:cs typeface="Arial" panose="020B0604020202020204" pitchFamily="34" charset="0"/>
               </a:rPr>
-              <a:t>NB Multinomial</a:t>
-            </a:r>
+              <a:t>NB</a:t>
+            </a:r>
+            <a:endParaRPr kumimoji="0" lang="en-US" sz="1800" b="0" i="0" u="none" strike="noStrike" kern="1200" cap="none" spc="0" normalizeH="0" baseline="0" noProof="0" dirty="0" smtClean="0">
+              <a:ln>
+                <a:noFill/>
+              </a:ln>
+              <a:solidFill>
+                <a:prstClr val="black"/>
+              </a:solidFill>
+              <a:effectLst/>
+              <a:uLnTx/>
+              <a:uFillTx/>
+              <a:latin typeface="Arial" panose="020B0604020202020204" pitchFamily="34" charset="0"/>
+              <a:ea typeface="+mn-ea"/>
+              <a:cs typeface="Arial" panose="020B0604020202020204" pitchFamily="34" charset="0"/>
+            </a:endParaRPr>
           </a:p>
         </p:txBody>
       </p:sp>
       <p:pic>
         <p:nvPicPr>
-          <p:cNvPr id="6" name="Immagine 5"/>
+          <p:cNvPr id="3" name="Immagine 2"/>
           <p:cNvPicPr>
             <a:picLocks noChangeAspect="1"/>
           </p:cNvPicPr>
@@ -5919,8 +5951,8 @@
         </p:blipFill>
         <p:spPr>
           <a:xfrm>
-            <a:off x="3482602" y="2230964"/>
-            <a:ext cx="4616450" cy="1549400"/>
+            <a:off x="3482602" y="2189070"/>
+            <a:ext cx="4581525" cy="400050"/>
           </a:xfrm>
           <a:prstGeom prst="rect">
             <a:avLst/>
@@ -5929,7 +5961,7 @@
       </p:pic>
       <p:pic>
         <p:nvPicPr>
-          <p:cNvPr id="8" name="Immagine 7"/>
+          <p:cNvPr id="4" name="Immagine 3"/>
           <p:cNvPicPr>
             <a:picLocks noChangeAspect="1"/>
           </p:cNvPicPr>
@@ -5949,8 +5981,68 @@
         </p:blipFill>
         <p:spPr>
           <a:xfrm>
-            <a:off x="3482602" y="4038137"/>
-            <a:ext cx="4724400" cy="1454150"/>
+            <a:off x="3482602" y="2589120"/>
+            <a:ext cx="7524750" cy="1143000"/>
+          </a:xfrm>
+          <a:prstGeom prst="rect">
+            <a:avLst/>
+          </a:prstGeom>
+        </p:spPr>
+      </p:pic>
+      <p:pic>
+        <p:nvPicPr>
+          <p:cNvPr id="9" name="Immagine 8"/>
+          <p:cNvPicPr>
+            <a:picLocks noChangeAspect="1"/>
+          </p:cNvPicPr>
+          <p:nvPr/>
+        </p:nvPicPr>
+        <p:blipFill>
+          <a:blip r:embed="rId4">
+            <a:extLst>
+              <a:ext uri="{28A0092B-C50C-407E-A947-70E740481C1C}">
+                <a14:useLocalDpi xmlns:a14="http://schemas.microsoft.com/office/drawing/2010/main" val="0"/>
+              </a:ext>
+            </a:extLst>
+          </a:blip>
+          <a:stretch>
+            <a:fillRect/>
+          </a:stretch>
+        </p:blipFill>
+        <p:spPr>
+          <a:xfrm>
+            <a:off x="3482602" y="3887880"/>
+            <a:ext cx="4695825" cy="504825"/>
+          </a:xfrm>
+          <a:prstGeom prst="rect">
+            <a:avLst/>
+          </a:prstGeom>
+        </p:spPr>
+      </p:pic>
+      <p:pic>
+        <p:nvPicPr>
+          <p:cNvPr id="10" name="Immagine 9"/>
+          <p:cNvPicPr>
+            <a:picLocks noChangeAspect="1"/>
+          </p:cNvPicPr>
+          <p:nvPr/>
+        </p:nvPicPr>
+        <p:blipFill>
+          <a:blip r:embed="rId5">
+            <a:extLst>
+              <a:ext uri="{28A0092B-C50C-407E-A947-70E740481C1C}">
+                <a14:useLocalDpi xmlns:a14="http://schemas.microsoft.com/office/drawing/2010/main" val="0"/>
+              </a:ext>
+            </a:extLst>
+          </a:blip>
+          <a:stretch>
+            <a:fillRect/>
+          </a:stretch>
+        </p:blipFill>
+        <p:spPr>
+          <a:xfrm>
+            <a:off x="3482602" y="4454337"/>
+            <a:ext cx="7677150" cy="952500"/>
           </a:xfrm>
           <a:prstGeom prst="rect">
             <a:avLst/>
@@ -6164,7 +6256,7 @@
           <p:nvPr>
             <p:extLst>
               <p:ext uri="{D42A27DB-BD31-4B8C-83A1-F6EECF244321}">
-                <p14:modId xmlns:p14="http://schemas.microsoft.com/office/powerpoint/2010/main" val="1966390398"/>
+                <p14:modId xmlns:p14="http://schemas.microsoft.com/office/powerpoint/2010/main" val="392802943"/>
               </p:ext>
             </p:extLst>
           </p:nvPr>
@@ -6252,7 +6344,7 @@
                     <a:p>
                       <a:r>
                         <a:rPr lang="en-US" dirty="0" smtClean="0"/>
-                        <a:t>96.22%</a:t>
+                        <a:t>90.62%</a:t>
                       </a:r>
                       <a:endParaRPr lang="en-US" dirty="0"/>
                     </a:p>
@@ -6287,7 +6379,7 @@
                     <a:p>
                       <a:r>
                         <a:rPr lang="en-US" dirty="0" smtClean="0"/>
-                        <a:t>88.98%</a:t>
+                        <a:t>88.16%</a:t>
                       </a:r>
                       <a:endParaRPr lang="en-US" dirty="0"/>
                     </a:p>
@@ -6322,7 +6414,7 @@
                     <a:p>
                       <a:r>
                         <a:rPr lang="en-US" dirty="0" smtClean="0"/>
-                        <a:t>88.16%</a:t>
+                        <a:t>89.97%</a:t>
                       </a:r>
                       <a:endParaRPr lang="en-US" dirty="0"/>
                     </a:p>
@@ -6343,7 +6435,7 @@
                     <a:p>
                       <a:r>
                         <a:rPr lang="en-US" dirty="0" smtClean="0"/>
-                        <a:t>3NN</a:t>
+                        <a:t>2NN</a:t>
                       </a:r>
                       <a:endParaRPr lang="en-US" dirty="0"/>
                     </a:p>
@@ -6357,7 +6449,11 @@
                     <a:p>
                       <a:r>
                         <a:rPr lang="en-US" dirty="0" smtClean="0"/>
-                        <a:t>83.06%</a:t>
+                        <a:t>88.16</a:t>
+                      </a:r>
+                      <a:r>
+                        <a:rPr lang="en-US" dirty="0" smtClean="0"/>
+                        <a:t>%</a:t>
                       </a:r>
                       <a:endParaRPr lang="en-US" dirty="0"/>
                     </a:p>
@@ -6378,8 +6474,9 @@
                     <a:p>
                       <a:r>
                         <a:rPr lang="en-US" dirty="0" smtClean="0"/>
-                        <a:t>NB</a:t>
+                        <a:t>3NN</a:t>
                       </a:r>
+                      <a:endParaRPr lang="en-US" dirty="0" smtClean="0"/>
                     </a:p>
                   </a:txBody>
                   <a:tcPr/>
@@ -6391,7 +6488,7 @@
                     <a:p>
                       <a:r>
                         <a:rPr lang="en-US" dirty="0" smtClean="0"/>
-                        <a:t>87.33%</a:t>
+                        <a:t>85.70%</a:t>
                       </a:r>
                       <a:endParaRPr lang="en-US" dirty="0"/>
                     </a:p>
@@ -6412,8 +6509,9 @@
                     <a:p>
                       <a:r>
                         <a:rPr lang="en-US" dirty="0" smtClean="0"/>
-                        <a:t>NB Multinomial</a:t>
+                        <a:t>NB</a:t>
                       </a:r>
+                      <a:endParaRPr lang="en-US" dirty="0" smtClean="0"/>
                     </a:p>
                   </a:txBody>
                   <a:tcPr/>
@@ -6424,8 +6522,8 @@
                     <a:lstStyle/>
                     <a:p>
                       <a:r>
-                        <a:rPr lang="en-US" dirty="0" smtClean="0"/>
-                        <a:t>90.13%</a:t>
+                        <a:rPr lang="en-US" smtClean="0"/>
+                        <a:t>84.05%</a:t>
                       </a:r>
                       <a:endParaRPr lang="en-US" dirty="0"/>
                     </a:p>
@@ -6525,7 +6623,7 @@
         </p:nvSpPr>
         <p:spPr>
           <a:xfrm>
-            <a:off x="1102657" y="2330823"/>
+            <a:off x="1174375" y="2245098"/>
             <a:ext cx="9956636" cy="646331"/>
           </a:xfrm>
           <a:prstGeom prst="rect">
@@ -6604,7 +6702,7 @@
       </p:sp>
       <p:pic>
         <p:nvPicPr>
-          <p:cNvPr id="5" name="Immagine 4"/>
+          <p:cNvPr id="3" name="Immagine 2"/>
           <p:cNvPicPr>
             <a:picLocks noChangeAspect="1"/>
           </p:cNvPicPr>
@@ -6624,8 +6722,8 @@
         </p:blipFill>
         <p:spPr>
           <a:xfrm>
-            <a:off x="1174375" y="3532916"/>
-            <a:ext cx="3045182" cy="1410539"/>
+            <a:off x="1350147" y="3415553"/>
+            <a:ext cx="2477223" cy="993121"/>
           </a:xfrm>
           <a:prstGeom prst="rect">
             <a:avLst/>
@@ -6634,7 +6732,7 @@
       </p:pic>
       <p:pic>
         <p:nvPicPr>
-          <p:cNvPr id="6" name="Immagine 5"/>
+          <p:cNvPr id="7" name="Immagine 6"/>
           <p:cNvPicPr>
             <a:picLocks noChangeAspect="1"/>
           </p:cNvPicPr>
@@ -6654,8 +6752,38 @@
         </p:blipFill>
         <p:spPr>
           <a:xfrm>
-            <a:off x="4219557" y="3651177"/>
-            <a:ext cx="7335651" cy="923886"/>
+            <a:off x="4221536" y="3163336"/>
+            <a:ext cx="4448175" cy="342900"/>
+          </a:xfrm>
+          <a:prstGeom prst="rect">
+            <a:avLst/>
+          </a:prstGeom>
+        </p:spPr>
+      </p:pic>
+      <p:pic>
+        <p:nvPicPr>
+          <p:cNvPr id="8" name="Immagine 7"/>
+          <p:cNvPicPr>
+            <a:picLocks noChangeAspect="1"/>
+          </p:cNvPicPr>
+          <p:nvPr/>
+        </p:nvPicPr>
+        <p:blipFill>
+          <a:blip r:embed="rId4">
+            <a:extLst>
+              <a:ext uri="{28A0092B-C50C-407E-A947-70E740481C1C}">
+                <a14:useLocalDpi xmlns:a14="http://schemas.microsoft.com/office/drawing/2010/main" val="0"/>
+              </a:ext>
+            </a:extLst>
+          </a:blip>
+          <a:stretch>
+            <a:fillRect/>
+          </a:stretch>
+        </p:blipFill>
+        <p:spPr>
+          <a:xfrm>
+            <a:off x="4221536" y="3683369"/>
+            <a:ext cx="7248525" cy="1047750"/>
           </a:xfrm>
           <a:prstGeom prst="rect">
             <a:avLst/>
@@ -7918,10 +8046,6 @@
               </a:rPr>
               <a:t>and 2016-06-01.</a:t>
             </a:r>
-            <a:endParaRPr lang="en-US" dirty="0">
-              <a:latin typeface="Arial" panose="020B0604020202020204" pitchFamily="34" charset="0"/>
-              <a:cs typeface="Arial" panose="020B0604020202020204" pitchFamily="34" charset="0"/>
-            </a:endParaRPr>
           </a:p>
         </p:txBody>
       </p:sp>
@@ -9037,9 +9161,49 @@
           </a:p>
         </p:txBody>
       </p:sp>
+      <p:sp>
+        <p:nvSpPr>
+          <p:cNvPr id="7" name="CasellaDiTesto 6"/>
+          <p:cNvSpPr txBox="1"/>
+          <p:nvPr/>
+        </p:nvSpPr>
+        <p:spPr>
+          <a:xfrm>
+            <a:off x="1335741" y="4392706"/>
+            <a:ext cx="845103" cy="369332"/>
+          </a:xfrm>
+          <a:prstGeom prst="rect">
+            <a:avLst/>
+          </a:prstGeom>
+          <a:noFill/>
+        </p:spPr>
+        <p:txBody>
+          <a:bodyPr wrap="none" rtlCol="0">
+            <a:spAutoFit/>
+          </a:bodyPr>
+          <a:lstStyle/>
+          <a:p>
+            <a:pPr marL="285750" indent="-285750">
+              <a:buFont typeface="Arial" panose="020B0604020202020204" pitchFamily="34" charset="0"/>
+              <a:buChar char="•"/>
+            </a:pPr>
+            <a:r>
+              <a:rPr lang="en-US" dirty="0" smtClean="0">
+                <a:latin typeface="Arial" panose="020B0604020202020204" pitchFamily="34" charset="0"/>
+                <a:cs typeface="Arial" panose="020B0604020202020204" pitchFamily="34" charset="0"/>
+              </a:rPr>
+              <a:t>J48</a:t>
+            </a:r>
+            <a:endParaRPr lang="en-US" dirty="0">
+              <a:latin typeface="Arial" panose="020B0604020202020204" pitchFamily="34" charset="0"/>
+              <a:cs typeface="Arial" panose="020B0604020202020204" pitchFamily="34" charset="0"/>
+            </a:endParaRPr>
+          </a:p>
+        </p:txBody>
+      </p:sp>
       <p:pic>
         <p:nvPicPr>
-          <p:cNvPr id="6" name="Immagine 5"/>
+          <p:cNvPr id="3" name="Immagine 2"/>
           <p:cNvPicPr>
             <a:picLocks noChangeAspect="1"/>
           </p:cNvPicPr>
@@ -9059,57 +9223,17 @@
         </p:blipFill>
         <p:spPr>
           <a:xfrm>
-            <a:off x="3584202" y="2151530"/>
-            <a:ext cx="4629150" cy="1428750"/>
+            <a:off x="2912223" y="2174831"/>
+            <a:ext cx="4448175" cy="342900"/>
           </a:xfrm>
           <a:prstGeom prst="rect">
             <a:avLst/>
           </a:prstGeom>
         </p:spPr>
       </p:pic>
-      <p:sp>
-        <p:nvSpPr>
-          <p:cNvPr id="7" name="CasellaDiTesto 6"/>
-          <p:cNvSpPr txBox="1"/>
-          <p:nvPr/>
-        </p:nvSpPr>
-        <p:spPr>
-          <a:xfrm>
-            <a:off x="1335741" y="4392706"/>
-            <a:ext cx="845103" cy="369332"/>
-          </a:xfrm>
-          <a:prstGeom prst="rect">
-            <a:avLst/>
-          </a:prstGeom>
-          <a:noFill/>
-        </p:spPr>
-        <p:txBody>
-          <a:bodyPr wrap="none" rtlCol="0">
-            <a:spAutoFit/>
-          </a:bodyPr>
-          <a:lstStyle/>
-          <a:p>
-            <a:pPr marL="285750" indent="-285750">
-              <a:buFont typeface="Arial" panose="020B0604020202020204" pitchFamily="34" charset="0"/>
-              <a:buChar char="•"/>
-            </a:pPr>
-            <a:r>
-              <a:rPr lang="en-US" dirty="0" smtClean="0">
-                <a:latin typeface="Arial" panose="020B0604020202020204" pitchFamily="34" charset="0"/>
-                <a:cs typeface="Arial" panose="020B0604020202020204" pitchFamily="34" charset="0"/>
-              </a:rPr>
-              <a:t>J48</a:t>
-            </a:r>
-            <a:endParaRPr lang="en-US" dirty="0">
-              <a:latin typeface="Arial" panose="020B0604020202020204" pitchFamily="34" charset="0"/>
-              <a:cs typeface="Arial" panose="020B0604020202020204" pitchFamily="34" charset="0"/>
-            </a:endParaRPr>
-          </a:p>
-        </p:txBody>
-      </p:sp>
       <p:pic>
         <p:nvPicPr>
-          <p:cNvPr id="8" name="Immagine 7"/>
+          <p:cNvPr id="4" name="Immagine 3"/>
           <p:cNvPicPr>
             <a:picLocks noChangeAspect="1"/>
           </p:cNvPicPr>
@@ -9129,8 +9253,68 @@
         </p:blipFill>
         <p:spPr>
           <a:xfrm>
-            <a:off x="3539752" y="4034963"/>
-            <a:ext cx="4673600" cy="1454150"/>
+            <a:off x="2912223" y="2577803"/>
+            <a:ext cx="7248525" cy="1047750"/>
+          </a:xfrm>
+          <a:prstGeom prst="rect">
+            <a:avLst/>
+          </a:prstGeom>
+        </p:spPr>
+      </p:pic>
+      <p:pic>
+        <p:nvPicPr>
+          <p:cNvPr id="9" name="Immagine 8"/>
+          <p:cNvPicPr>
+            <a:picLocks noChangeAspect="1"/>
+          </p:cNvPicPr>
+          <p:nvPr/>
+        </p:nvPicPr>
+        <p:blipFill>
+          <a:blip r:embed="rId4">
+            <a:extLst>
+              <a:ext uri="{28A0092B-C50C-407E-A947-70E740481C1C}">
+                <a14:useLocalDpi xmlns:a14="http://schemas.microsoft.com/office/drawing/2010/main" val="0"/>
+              </a:ext>
+            </a:extLst>
+          </a:blip>
+          <a:stretch>
+            <a:fillRect/>
+          </a:stretch>
+        </p:blipFill>
+        <p:spPr>
+          <a:xfrm>
+            <a:off x="2912223" y="3910293"/>
+            <a:ext cx="5286375" cy="428625"/>
+          </a:xfrm>
+          <a:prstGeom prst="rect">
+            <a:avLst/>
+          </a:prstGeom>
+        </p:spPr>
+      </p:pic>
+      <p:pic>
+        <p:nvPicPr>
+          <p:cNvPr id="10" name="Immagine 9"/>
+          <p:cNvPicPr>
+            <a:picLocks noChangeAspect="1"/>
+          </p:cNvPicPr>
+          <p:nvPr/>
+        </p:nvPicPr>
+        <p:blipFill>
+          <a:blip r:embed="rId5">
+            <a:extLst>
+              <a:ext uri="{28A0092B-C50C-407E-A947-70E740481C1C}">
+                <a14:useLocalDpi xmlns:a14="http://schemas.microsoft.com/office/drawing/2010/main" val="0"/>
+              </a:ext>
+            </a:extLst>
+          </a:blip>
+          <a:stretch>
+            <a:fillRect/>
+          </a:stretch>
+        </p:blipFill>
+        <p:spPr>
+          <a:xfrm>
+            <a:off x="2912223" y="4300483"/>
+            <a:ext cx="8410575" cy="1247775"/>
           </a:xfrm>
           <a:prstGeom prst="rect">
             <a:avLst/>
@@ -9311,6 +9495,16 @@
               <a:defRPr/>
             </a:pPr>
             <a:r>
+              <a:rPr lang="en-US" dirty="0">
+                <a:solidFill>
+                  <a:prstClr val="black"/>
+                </a:solidFill>
+                <a:latin typeface="Arial" panose="020B0604020202020204" pitchFamily="34" charset="0"/>
+                <a:cs typeface="Arial" panose="020B0604020202020204" pitchFamily="34" charset="0"/>
+              </a:rPr>
+              <a:t>2</a:t>
+            </a:r>
+            <a:r>
               <a:rPr kumimoji="0" lang="en-US" sz="1800" b="0" i="0" u="none" strike="noStrike" kern="1200" cap="none" spc="0" normalizeH="0" baseline="0" noProof="0" dirty="0" smtClean="0">
                 <a:ln>
                   <a:noFill/>
@@ -9325,14 +9519,28 @@
                 <a:ea typeface="+mn-ea"/>
                 <a:cs typeface="Arial" panose="020B0604020202020204" pitchFamily="34" charset="0"/>
               </a:rPr>
-              <a:t>3NN</a:t>
-            </a:r>
+              <a:t>NN</a:t>
+            </a:r>
+            <a:endParaRPr kumimoji="0" lang="en-US" sz="1800" b="0" i="0" u="none" strike="noStrike" kern="1200" cap="none" spc="0" normalizeH="0" baseline="0" noProof="0" dirty="0" smtClean="0">
+              <a:ln>
+                <a:noFill/>
+              </a:ln>
+              <a:solidFill>
+                <a:prstClr val="black"/>
+              </a:solidFill>
+              <a:effectLst/>
+              <a:uLnTx/>
+              <a:uFillTx/>
+              <a:latin typeface="Arial" panose="020B0604020202020204" pitchFamily="34" charset="0"/>
+              <a:ea typeface="+mn-ea"/>
+              <a:cs typeface="Arial" panose="020B0604020202020204" pitchFamily="34" charset="0"/>
+            </a:endParaRPr>
           </a:p>
         </p:txBody>
       </p:sp>
       <p:pic>
         <p:nvPicPr>
-          <p:cNvPr id="3" name="Immagine 2"/>
+          <p:cNvPr id="6" name="Immagine 5"/>
           <p:cNvPicPr>
             <a:picLocks noChangeAspect="1"/>
           </p:cNvPicPr>
@@ -9352,8 +9560,8 @@
         </p:blipFill>
         <p:spPr>
           <a:xfrm>
-            <a:off x="3539752" y="2145553"/>
-            <a:ext cx="4629150" cy="1473200"/>
+            <a:off x="3468220" y="2189630"/>
+            <a:ext cx="4914900" cy="381000"/>
           </a:xfrm>
           <a:prstGeom prst="rect">
             <a:avLst/>
@@ -9362,7 +9570,7 @@
       </p:pic>
       <p:pic>
         <p:nvPicPr>
-          <p:cNvPr id="4" name="Immagine 3"/>
+          <p:cNvPr id="8" name="Immagine 7"/>
           <p:cNvPicPr>
             <a:picLocks noChangeAspect="1"/>
           </p:cNvPicPr>
@@ -9382,8 +9590,68 @@
         </p:blipFill>
         <p:spPr>
           <a:xfrm>
-            <a:off x="3539752" y="4038138"/>
-            <a:ext cx="4559300" cy="1447800"/>
+            <a:off x="3468220" y="2570630"/>
+            <a:ext cx="7905750" cy="1095375"/>
+          </a:xfrm>
+          <a:prstGeom prst="rect">
+            <a:avLst/>
+          </a:prstGeom>
+        </p:spPr>
+      </p:pic>
+      <p:pic>
+        <p:nvPicPr>
+          <p:cNvPr id="9" name="Immagine 8"/>
+          <p:cNvPicPr>
+            <a:picLocks noChangeAspect="1"/>
+          </p:cNvPicPr>
+          <p:nvPr/>
+        </p:nvPicPr>
+        <p:blipFill>
+          <a:blip r:embed="rId4">
+            <a:extLst>
+              <a:ext uri="{28A0092B-C50C-407E-A947-70E740481C1C}">
+                <a14:useLocalDpi xmlns:a14="http://schemas.microsoft.com/office/drawing/2010/main" val="0"/>
+              </a:ext>
+            </a:extLst>
+          </a:blip>
+          <a:stretch>
+            <a:fillRect/>
+          </a:stretch>
+        </p:blipFill>
+        <p:spPr>
+          <a:xfrm>
+            <a:off x="3468220" y="4030756"/>
+            <a:ext cx="4419600" cy="361950"/>
+          </a:xfrm>
+          <a:prstGeom prst="rect">
+            <a:avLst/>
+          </a:prstGeom>
+        </p:spPr>
+      </p:pic>
+      <p:pic>
+        <p:nvPicPr>
+          <p:cNvPr id="10" name="Immagine 9"/>
+          <p:cNvPicPr>
+            <a:picLocks noChangeAspect="1"/>
+          </p:cNvPicPr>
+          <p:nvPr/>
+        </p:nvPicPr>
+        <p:blipFill>
+          <a:blip r:embed="rId5">
+            <a:extLst>
+              <a:ext uri="{28A0092B-C50C-407E-A947-70E740481C1C}">
+                <a14:useLocalDpi xmlns:a14="http://schemas.microsoft.com/office/drawing/2010/main" val="0"/>
+              </a:ext>
+            </a:extLst>
+          </a:blip>
+          <a:stretch>
+            <a:fillRect/>
+          </a:stretch>
+        </p:blipFill>
+        <p:spPr>
+          <a:xfrm>
+            <a:off x="3468220" y="4392706"/>
+            <a:ext cx="7277100" cy="1038225"/>
           </a:xfrm>
           <a:prstGeom prst="rect">
             <a:avLst/>

--- a/documentation/presentazione/presentazione.pptx
+++ b/documentation/presentazione/presentazione.pptx
@@ -13,15 +13,17 @@
     <p:sldId id="261" r:id="rId7"/>
     <p:sldId id="263" r:id="rId8"/>
     <p:sldId id="262" r:id="rId9"/>
-    <p:sldId id="264" r:id="rId10"/>
-    <p:sldId id="265" r:id="rId11"/>
-    <p:sldId id="266" r:id="rId12"/>
-    <p:sldId id="267" r:id="rId13"/>
-    <p:sldId id="268" r:id="rId14"/>
-    <p:sldId id="272" r:id="rId15"/>
+    <p:sldId id="273" r:id="rId10"/>
+    <p:sldId id="264" r:id="rId11"/>
+    <p:sldId id="265" r:id="rId12"/>
+    <p:sldId id="266" r:id="rId13"/>
+    <p:sldId id="267" r:id="rId14"/>
+    <p:sldId id="268" r:id="rId15"/>
     <p:sldId id="269" r:id="rId16"/>
-    <p:sldId id="270" r:id="rId17"/>
-    <p:sldId id="271" r:id="rId18"/>
+    <p:sldId id="272" r:id="rId17"/>
+    <p:sldId id="270" r:id="rId18"/>
+    <p:sldId id="271" r:id="rId19"/>
+    <p:sldId id="274" r:id="rId20"/>
   </p:sldIdLst>
   <p:sldSz cx="12192000" cy="6858000"/>
   <p:notesSz cx="6858000" cy="9144000"/>
@@ -3420,7 +3422,7 @@
               <a:tabLst/>
               <a:defRPr/>
             </a:pPr>
-            <a:endParaRPr kumimoji="0" sz="1632" b="0" i="0" u="none" strike="noStrike" kern="1200" cap="none" spc="0" normalizeH="0" baseline="0" noProof="0" smtClean="0">
+            <a:endParaRPr kumimoji="0" sz="1632" b="0" i="0" u="none" strike="noStrike" kern="1200" cap="none" spc="0" normalizeH="0" baseline="0" noProof="0">
               <a:ln>
                 <a:noFill/>
               </a:ln>
@@ -3500,7 +3502,7 @@
               <a:tabLst/>
               <a:defRPr/>
             </a:pPr>
-            <a:endParaRPr kumimoji="0" sz="1632" b="0" i="0" u="none" strike="noStrike" kern="1200" cap="none" spc="0" normalizeH="0" baseline="0" noProof="0" smtClean="0">
+            <a:endParaRPr kumimoji="0" sz="1632" b="0" i="0" u="none" strike="noStrike" kern="1200" cap="none" spc="0" normalizeH="0" baseline="0" noProof="0">
               <a:ln>
                 <a:noFill/>
               </a:ln>
@@ -3572,7 +3574,7 @@
               <a:tabLst/>
               <a:defRPr/>
             </a:pPr>
-            <a:endParaRPr kumimoji="0" sz="1632" b="0" i="0" u="none" strike="noStrike" kern="1200" cap="none" spc="0" normalizeH="0" baseline="0" noProof="0" smtClean="0">
+            <a:endParaRPr kumimoji="0" sz="1632" b="0" i="0" u="none" strike="noStrike" kern="1200" cap="none" spc="0" normalizeH="0" baseline="0" noProof="0">
               <a:ln>
                 <a:noFill/>
               </a:ln>
@@ -4033,7 +4035,7 @@
               <a:tabLst/>
               <a:defRPr/>
             </a:pPr>
-            <a:endParaRPr kumimoji="0" sz="1632" b="0" i="0" u="none" strike="noStrike" kern="1200" cap="none" spc="0" normalizeH="0" baseline="0" noProof="0" smtClean="0">
+            <a:endParaRPr kumimoji="0" sz="1632" b="0" i="0" u="none" strike="noStrike" kern="1200" cap="none" spc="0" normalizeH="0" baseline="0" noProof="0">
               <a:ln>
                 <a:noFill/>
               </a:ln>
@@ -4113,7 +4115,7 @@
               <a:tabLst/>
               <a:defRPr/>
             </a:pPr>
-            <a:endParaRPr kumimoji="0" sz="1632" b="0" i="0" u="none" strike="noStrike" kern="1200" cap="none" spc="0" normalizeH="0" baseline="0" noProof="0" smtClean="0">
+            <a:endParaRPr kumimoji="0" sz="1632" b="0" i="0" u="none" strike="noStrike" kern="1200" cap="none" spc="0" normalizeH="0" baseline="0" noProof="0">
               <a:ln>
                 <a:noFill/>
               </a:ln>
@@ -4185,7 +4187,7 @@
               <a:tabLst/>
               <a:defRPr/>
             </a:pPr>
-            <a:endParaRPr kumimoji="0" sz="1632" b="0" i="0" u="none" strike="noStrike" kern="1200" cap="none" spc="0" normalizeH="0" baseline="0" noProof="0" smtClean="0">
+            <a:endParaRPr kumimoji="0" sz="1632" b="0" i="0" u="none" strike="noStrike" kern="1200" cap="none" spc="0" normalizeH="0" baseline="0" noProof="0">
               <a:ln>
                 <a:noFill/>
               </a:ln>
@@ -4685,7 +4687,7 @@
               <a:tabLst/>
               <a:defRPr/>
             </a:pPr>
-            <a:endParaRPr kumimoji="0" sz="1632" b="0" i="0" u="none" strike="noStrike" kern="1200" cap="none" spc="0" normalizeH="0" baseline="0" noProof="0" smtClean="0">
+            <a:endParaRPr kumimoji="0" sz="1632" b="0" i="0" u="none" strike="noStrike" kern="1200" cap="none" spc="0" normalizeH="0" baseline="0" noProof="0">
               <a:ln>
                 <a:noFill/>
               </a:ln>
@@ -4765,7 +4767,7 @@
               <a:tabLst/>
               <a:defRPr/>
             </a:pPr>
-            <a:endParaRPr kumimoji="0" sz="1632" b="0" i="0" u="none" strike="noStrike" kern="1200" cap="none" spc="0" normalizeH="0" baseline="0" noProof="0" smtClean="0">
+            <a:endParaRPr kumimoji="0" sz="1632" b="0" i="0" u="none" strike="noStrike" kern="1200" cap="none" spc="0" normalizeH="0" baseline="0" noProof="0">
               <a:ln>
                 <a:noFill/>
               </a:ln>
@@ -4837,7 +4839,7 @@
               <a:tabLst/>
               <a:defRPr/>
             </a:pPr>
-            <a:endParaRPr kumimoji="0" sz="1632" b="0" i="0" u="none" strike="noStrike" kern="1200" cap="none" spc="0" normalizeH="0" baseline="0" noProof="0" smtClean="0">
+            <a:endParaRPr kumimoji="0" sz="1632" b="0" i="0" u="none" strike="noStrike" kern="1200" cap="none" spc="0" normalizeH="0" baseline="0" noProof="0">
               <a:ln>
                 <a:noFill/>
               </a:ln>
@@ -5581,17 +5583,7 @@
                 <a:latin typeface="Arial"/>
                 <a:cs typeface="Arial"/>
               </a:rPr>
-              <a:t>ANALIZE </a:t>
-            </a:r>
-            <a:r>
-              <a:rPr lang="en-US" sz="1904" spc="-63" dirty="0" smtClean="0">
-                <a:solidFill>
-                  <a:srgbClr val="626F51"/>
-                </a:solidFill>
-                <a:latin typeface="Arial"/>
-                <a:cs typeface="Arial"/>
-              </a:rPr>
-              <a:t>REAL-TIME TWEETS ABOUT EARTHQUAKES  </a:t>
+              <a:t>ANALIZE REAL-TIME TWEETS ABOUT EARTHQUAKES  </a:t>
             </a:r>
             <a:endParaRPr sz="1904" dirty="0">
               <a:solidFill>
@@ -5618,7 +5610,7 @@
           <a:p>
             <a:pPr marL="21305" algn="ctr" defTabSz="829178"/>
             <a:r>
-              <a:rPr lang="en-US" sz="1904" spc="-77" dirty="0" smtClean="0">
+              <a:rPr lang="en-US" sz="1904" spc="-77" dirty="0">
                 <a:solidFill>
                   <a:prstClr val="black"/>
                 </a:solidFill>
@@ -5628,7 +5620,7 @@
               <a:t>Giacomo </a:t>
             </a:r>
             <a:r>
-              <a:rPr lang="en-US" sz="1904" spc="-77" dirty="0" err="1" smtClean="0">
+              <a:rPr lang="en-US" sz="1904" spc="-77" dirty="0" err="1">
                 <a:solidFill>
                   <a:prstClr val="black"/>
                 </a:solidFill>
@@ -5637,7 +5629,7 @@
               </a:rPr>
               <a:t>Mantovani</a:t>
             </a:r>
-            <a:endParaRPr lang="en-US" sz="1904" spc="-77" dirty="0" smtClean="0">
+            <a:endParaRPr lang="en-US" sz="1904" spc="-77" dirty="0">
               <a:solidFill>
                 <a:prstClr val="black"/>
               </a:solidFill>
@@ -5648,7 +5640,7 @@
           <a:p>
             <a:pPr marL="21305" algn="ctr" defTabSz="829178"/>
             <a:r>
-              <a:rPr lang="en-US" sz="1904" spc="-77" dirty="0" smtClean="0">
+              <a:rPr lang="en-US" sz="1904" spc="-77" dirty="0">
                 <a:solidFill>
                   <a:prstClr val="black"/>
                 </a:solidFill>
@@ -5672,7 +5664,7 @@
               </a:lnSpc>
             </a:pPr>
             <a:r>
-              <a:rPr lang="en-US" sz="1904" spc="-77" dirty="0" smtClean="0">
+              <a:rPr lang="en-US" sz="1904" spc="-77" dirty="0">
                 <a:solidFill>
                   <a:prstClr val="black"/>
                 </a:solidFill>
@@ -5689,7 +5681,7 @@
               </a:lnSpc>
             </a:pPr>
             <a:r>
-              <a:rPr sz="1904" spc="-59" dirty="0" smtClean="0">
+              <a:rPr sz="1904" spc="-59" dirty="0">
                 <a:solidFill>
                   <a:prstClr val="black"/>
                 </a:solidFill>
@@ -5718,13 +5710,6 @@
   <p:clrMapOvr>
     <a:masterClrMapping/>
   </p:clrMapOvr>
-  <p:timing>
-    <p:tnLst>
-      <p:par>
-        <p:cTn id="1" dur="indefinite" restart="never" nodeType="tmRoot"/>
-      </p:par>
-    </p:tnLst>
-  </p:timing>
 </p:sld>
 </file>
 
@@ -5776,8 +5761,8 @@
               </a:spcBef>
             </a:pPr>
             <a:r>
-              <a:rPr lang="en-US" sz="3809" dirty="0" smtClean="0"/>
-              <a:t>Classification model (IV)</a:t>
+              <a:rPr lang="en-US" sz="3809" dirty="0"/>
+              <a:t>Classification model (II)</a:t>
             </a:r>
             <a:endParaRPr sz="3809" dirty="0"/>
           </a:p>
@@ -5823,7 +5808,7 @@
               <a:defRPr/>
             </a:pPr>
             <a:r>
-              <a:rPr kumimoji="0" lang="en-US" sz="1800" b="0" i="0" u="none" strike="noStrike" kern="1200" cap="none" spc="0" normalizeH="0" baseline="0" noProof="0" dirty="0" smtClean="0">
+              <a:rPr kumimoji="0" lang="en-US" sz="1800" b="0" i="0" u="none" strike="noStrike" kern="1200" cap="none" spc="0" normalizeH="0" baseline="0" noProof="0" dirty="0">
                 <a:ln>
                   <a:noFill/>
                 </a:ln>
@@ -5837,22 +5822,8 @@
                 <a:ea typeface="+mn-ea"/>
                 <a:cs typeface="Arial" panose="020B0604020202020204" pitchFamily="34" charset="0"/>
               </a:rPr>
-              <a:t>3NN</a:t>
-            </a:r>
-            <a:endParaRPr kumimoji="0" lang="en-US" sz="1800" b="0" i="0" u="none" strike="noStrike" kern="1200" cap="none" spc="0" normalizeH="0" baseline="0" noProof="0" dirty="0" smtClean="0">
-              <a:ln>
-                <a:noFill/>
-              </a:ln>
-              <a:solidFill>
-                <a:prstClr val="black"/>
-              </a:solidFill>
-              <a:effectLst/>
-              <a:uLnTx/>
-              <a:uFillTx/>
-              <a:latin typeface="Arial" panose="020B0604020202020204" pitchFamily="34" charset="0"/>
-              <a:ea typeface="+mn-ea"/>
-              <a:cs typeface="Arial" panose="020B0604020202020204" pitchFamily="34" charset="0"/>
-            </a:endParaRPr>
+              <a:t>1NN</a:t>
+            </a:r>
           </a:p>
         </p:txBody>
       </p:sp>
@@ -5864,8 +5835,8 @@
         </p:nvSpPr>
         <p:spPr>
           <a:xfrm>
-            <a:off x="1326776" y="4392705"/>
-            <a:ext cx="793807" cy="369332"/>
+            <a:off x="1335741" y="4392706"/>
+            <a:ext cx="934871" cy="369332"/>
           </a:xfrm>
           <a:prstGeom prst="rect">
             <a:avLst/>
@@ -5896,7 +5867,17 @@
               <a:defRPr/>
             </a:pPr>
             <a:r>
-              <a:rPr kumimoji="0" lang="en-US" sz="1800" b="0" i="0" u="none" strike="noStrike" kern="1200" cap="none" spc="0" normalizeH="0" baseline="0" noProof="0" dirty="0" smtClean="0">
+              <a:rPr lang="en-US" dirty="0">
+                <a:solidFill>
+                  <a:prstClr val="black"/>
+                </a:solidFill>
+                <a:latin typeface="Arial" panose="020B0604020202020204" pitchFamily="34" charset="0"/>
+                <a:cs typeface="Arial" panose="020B0604020202020204" pitchFamily="34" charset="0"/>
+              </a:rPr>
+              <a:t>2</a:t>
+            </a:r>
+            <a:r>
+              <a:rPr kumimoji="0" lang="en-US" sz="1800" b="0" i="0" u="none" strike="noStrike" kern="1200" cap="none" spc="0" normalizeH="0" baseline="0" noProof="0" dirty="0">
                 <a:ln>
                   <a:noFill/>
                 </a:ln>
@@ -5910,22 +5891,314 @@
                 <a:ea typeface="+mn-ea"/>
                 <a:cs typeface="Arial" panose="020B0604020202020204" pitchFamily="34" charset="0"/>
               </a:rPr>
+              <a:t>NN</a:t>
+            </a:r>
+          </a:p>
+        </p:txBody>
+      </p:sp>
+      <p:pic>
+        <p:nvPicPr>
+          <p:cNvPr id="6" name="Immagine 5"/>
+          <p:cNvPicPr>
+            <a:picLocks noChangeAspect="1"/>
+          </p:cNvPicPr>
+          <p:nvPr/>
+        </p:nvPicPr>
+        <p:blipFill>
+          <a:blip r:embed="rId2">
+            <a:extLst>
+              <a:ext uri="{28A0092B-C50C-407E-A947-70E740481C1C}">
+                <a14:useLocalDpi xmlns:a14="http://schemas.microsoft.com/office/drawing/2010/main" val="0"/>
+              </a:ext>
+            </a:extLst>
+          </a:blip>
+          <a:stretch>
+            <a:fillRect/>
+          </a:stretch>
+        </p:blipFill>
+        <p:spPr>
+          <a:xfrm>
+            <a:off x="3468220" y="2189630"/>
+            <a:ext cx="4914900" cy="381000"/>
+          </a:xfrm>
+          <a:prstGeom prst="rect">
+            <a:avLst/>
+          </a:prstGeom>
+        </p:spPr>
+      </p:pic>
+      <p:pic>
+        <p:nvPicPr>
+          <p:cNvPr id="8" name="Immagine 7"/>
+          <p:cNvPicPr>
+            <a:picLocks noChangeAspect="1"/>
+          </p:cNvPicPr>
+          <p:nvPr/>
+        </p:nvPicPr>
+        <p:blipFill>
+          <a:blip r:embed="rId3">
+            <a:extLst>
+              <a:ext uri="{28A0092B-C50C-407E-A947-70E740481C1C}">
+                <a14:useLocalDpi xmlns:a14="http://schemas.microsoft.com/office/drawing/2010/main" val="0"/>
+              </a:ext>
+            </a:extLst>
+          </a:blip>
+          <a:stretch>
+            <a:fillRect/>
+          </a:stretch>
+        </p:blipFill>
+        <p:spPr>
+          <a:xfrm>
+            <a:off x="3468220" y="2570630"/>
+            <a:ext cx="7905750" cy="1095375"/>
+          </a:xfrm>
+          <a:prstGeom prst="rect">
+            <a:avLst/>
+          </a:prstGeom>
+        </p:spPr>
+      </p:pic>
+      <p:pic>
+        <p:nvPicPr>
+          <p:cNvPr id="9" name="Immagine 8"/>
+          <p:cNvPicPr>
+            <a:picLocks noChangeAspect="1"/>
+          </p:cNvPicPr>
+          <p:nvPr/>
+        </p:nvPicPr>
+        <p:blipFill>
+          <a:blip r:embed="rId4">
+            <a:extLst>
+              <a:ext uri="{28A0092B-C50C-407E-A947-70E740481C1C}">
+                <a14:useLocalDpi xmlns:a14="http://schemas.microsoft.com/office/drawing/2010/main" val="0"/>
+              </a:ext>
+            </a:extLst>
+          </a:blip>
+          <a:stretch>
+            <a:fillRect/>
+          </a:stretch>
+        </p:blipFill>
+        <p:spPr>
+          <a:xfrm>
+            <a:off x="3468220" y="4030756"/>
+            <a:ext cx="4419600" cy="361950"/>
+          </a:xfrm>
+          <a:prstGeom prst="rect">
+            <a:avLst/>
+          </a:prstGeom>
+        </p:spPr>
+      </p:pic>
+      <p:pic>
+        <p:nvPicPr>
+          <p:cNvPr id="10" name="Immagine 9"/>
+          <p:cNvPicPr>
+            <a:picLocks noChangeAspect="1"/>
+          </p:cNvPicPr>
+          <p:nvPr/>
+        </p:nvPicPr>
+        <p:blipFill>
+          <a:blip r:embed="rId5">
+            <a:extLst>
+              <a:ext uri="{28A0092B-C50C-407E-A947-70E740481C1C}">
+                <a14:useLocalDpi xmlns:a14="http://schemas.microsoft.com/office/drawing/2010/main" val="0"/>
+              </a:ext>
+            </a:extLst>
+          </a:blip>
+          <a:stretch>
+            <a:fillRect/>
+          </a:stretch>
+        </p:blipFill>
+        <p:spPr>
+          <a:xfrm>
+            <a:off x="3468220" y="4392706"/>
+            <a:ext cx="7277100" cy="1038225"/>
+          </a:xfrm>
+          <a:prstGeom prst="rect">
+            <a:avLst/>
+          </a:prstGeom>
+        </p:spPr>
+      </p:pic>
+    </p:spTree>
+    <p:extLst>
+      <p:ext uri="{BB962C8B-B14F-4D97-AF65-F5344CB8AC3E}">
+        <p14:creationId xmlns:p14="http://schemas.microsoft.com/office/powerpoint/2010/main" val="3256675223"/>
+      </p:ext>
+    </p:extLst>
+  </p:cSld>
+  <p:clrMapOvr>
+    <a:masterClrMapping/>
+  </p:clrMapOvr>
+</p:sld>
+</file>
+
+<file path=ppt/slides/slide11.xml><?xml version="1.0" encoding="utf-8"?>
+<p:sld xmlns:a="http://schemas.openxmlformats.org/drawingml/2006/main" xmlns:r="http://schemas.openxmlformats.org/officeDocument/2006/relationships" xmlns:p="http://schemas.openxmlformats.org/presentationml/2006/main">
+  <p:cSld>
+    <p:spTree>
+      <p:nvGrpSpPr>
+        <p:cNvPr id="1" name=""/>
+        <p:cNvGrpSpPr/>
+        <p:nvPr/>
+      </p:nvGrpSpPr>
+      <p:grpSpPr>
+        <a:xfrm>
+          <a:off x="0" y="0"/>
+          <a:ext cx="0" cy="0"/>
+          <a:chOff x="0" y="0"/>
+          <a:chExt cx="0" cy="0"/>
+        </a:xfrm>
+      </p:grpSpPr>
+      <p:sp>
+        <p:nvSpPr>
+          <p:cNvPr id="2" name="object 2"/>
+          <p:cNvSpPr txBox="1">
+            <a:spLocks noGrp="1"/>
+          </p:cNvSpPr>
+          <p:nvPr>
+            <p:ph type="title"/>
+          </p:nvPr>
+        </p:nvSpPr>
+        <p:spPr>
+          <a:xfrm>
+            <a:off x="1174375" y="1375376"/>
+            <a:ext cx="5486401" cy="597815"/>
+          </a:xfrm>
+          <a:prstGeom prst="rect">
+            <a:avLst/>
+          </a:prstGeom>
+        </p:spPr>
+        <p:txBody>
+          <a:bodyPr vert="horz" wrap="square" lIns="0" tIns="11516" rIns="0" bIns="0" rtlCol="0">
+            <a:spAutoFit/>
+          </a:bodyPr>
+          <a:lstStyle/>
+          <a:p>
+            <a:pPr marL="11516">
+              <a:spcBef>
+                <a:spcPts val="91"/>
+              </a:spcBef>
+            </a:pPr>
+            <a:r>
+              <a:rPr lang="en-US" sz="3809" dirty="0"/>
+              <a:t>Classification model (III)</a:t>
+            </a:r>
+            <a:endParaRPr sz="3809" dirty="0"/>
+          </a:p>
+        </p:txBody>
+      </p:sp>
+      <p:sp>
+        <p:nvSpPr>
+          <p:cNvPr id="5" name="CasellaDiTesto 4"/>
+          <p:cNvSpPr txBox="1"/>
+          <p:nvPr/>
+        </p:nvSpPr>
+        <p:spPr>
+          <a:xfrm>
+            <a:off x="1237129" y="2294965"/>
+            <a:ext cx="934871" cy="369332"/>
+          </a:xfrm>
+          <a:prstGeom prst="rect">
+            <a:avLst/>
+          </a:prstGeom>
+          <a:noFill/>
+        </p:spPr>
+        <p:txBody>
+          <a:bodyPr wrap="none" rtlCol="0">
+            <a:spAutoFit/>
+          </a:bodyPr>
+          <a:lstStyle/>
+          <a:p>
+            <a:pPr marL="285750" marR="0" lvl="0" indent="-285750" algn="l" defTabSz="914400" rtl="0" eaLnBrk="1" fontAlgn="auto" latinLnBrk="0" hangingPunct="1">
+              <a:lnSpc>
+                <a:spcPct val="100000"/>
+              </a:lnSpc>
+              <a:spcBef>
+                <a:spcPts val="0"/>
+              </a:spcBef>
+              <a:spcAft>
+                <a:spcPts val="0"/>
+              </a:spcAft>
+              <a:buClrTx/>
+              <a:buSzTx/>
+              <a:buFont typeface="Arial" panose="020B0604020202020204" pitchFamily="34" charset="0"/>
+              <a:buChar char="•"/>
+              <a:tabLst/>
+              <a:defRPr/>
+            </a:pPr>
+            <a:r>
+              <a:rPr kumimoji="0" lang="en-US" sz="1800" b="0" i="0" u="none" strike="noStrike" kern="1200" cap="none" spc="0" normalizeH="0" baseline="0" noProof="0" dirty="0">
+                <a:ln>
+                  <a:noFill/>
+                </a:ln>
+                <a:solidFill>
+                  <a:prstClr val="black"/>
+                </a:solidFill>
+                <a:effectLst/>
+                <a:uLnTx/>
+                <a:uFillTx/>
+                <a:latin typeface="Arial" panose="020B0604020202020204" pitchFamily="34" charset="0"/>
+                <a:ea typeface="+mn-ea"/>
+                <a:cs typeface="Arial" panose="020B0604020202020204" pitchFamily="34" charset="0"/>
+              </a:rPr>
+              <a:t>3NN</a:t>
+            </a:r>
+          </a:p>
+        </p:txBody>
+      </p:sp>
+      <p:sp>
+        <p:nvSpPr>
+          <p:cNvPr id="7" name="CasellaDiTesto 6"/>
+          <p:cNvSpPr txBox="1"/>
+          <p:nvPr/>
+        </p:nvSpPr>
+        <p:spPr>
+          <a:xfrm>
+            <a:off x="1326776" y="4392705"/>
+            <a:ext cx="793807" cy="369332"/>
+          </a:xfrm>
+          <a:prstGeom prst="rect">
+            <a:avLst/>
+          </a:prstGeom>
+          <a:noFill/>
+        </p:spPr>
+        <p:txBody>
+          <a:bodyPr wrap="none" rtlCol="0">
+            <a:spAutoFit/>
+          </a:bodyPr>
+          <a:lstStyle/>
+          <a:p>
+            <a:pPr marL="285750" marR="0" lvl="0" indent="-285750" algn="l" defTabSz="914400" rtl="0" eaLnBrk="1" fontAlgn="auto" latinLnBrk="0" hangingPunct="1">
+              <a:lnSpc>
+                <a:spcPct val="100000"/>
+              </a:lnSpc>
+              <a:spcBef>
+                <a:spcPts val="0"/>
+              </a:spcBef>
+              <a:spcAft>
+                <a:spcPts val="0"/>
+              </a:spcAft>
+              <a:buClrTx/>
+              <a:buSzTx/>
+              <a:buFont typeface="Arial" panose="020B0604020202020204" pitchFamily="34" charset="0"/>
+              <a:buChar char="•"/>
+              <a:tabLst/>
+              <a:defRPr/>
+            </a:pPr>
+            <a:r>
+              <a:rPr kumimoji="0" lang="en-US" sz="1800" b="0" i="0" u="none" strike="noStrike" kern="1200" cap="none" spc="0" normalizeH="0" baseline="0" noProof="0" dirty="0">
+                <a:ln>
+                  <a:noFill/>
+                </a:ln>
+                <a:solidFill>
+                  <a:prstClr val="black"/>
+                </a:solidFill>
+                <a:effectLst/>
+                <a:uLnTx/>
+                <a:uFillTx/>
+                <a:latin typeface="Arial" panose="020B0604020202020204" pitchFamily="34" charset="0"/>
+                <a:ea typeface="+mn-ea"/>
+                <a:cs typeface="Arial" panose="020B0604020202020204" pitchFamily="34" charset="0"/>
+              </a:rPr>
               <a:t>NB</a:t>
             </a:r>
-            <a:endParaRPr kumimoji="0" lang="en-US" sz="1800" b="0" i="0" u="none" strike="noStrike" kern="1200" cap="none" spc="0" normalizeH="0" baseline="0" noProof="0" dirty="0" smtClean="0">
-              <a:ln>
-                <a:noFill/>
-              </a:ln>
-              <a:solidFill>
-                <a:prstClr val="black"/>
-              </a:solidFill>
-              <a:effectLst/>
-              <a:uLnTx/>
-              <a:uFillTx/>
-              <a:latin typeface="Arial" panose="020B0604020202020204" pitchFamily="34" charset="0"/>
-              <a:ea typeface="+mn-ea"/>
-              <a:cs typeface="Arial" panose="020B0604020202020204" pitchFamily="34" charset="0"/>
-            </a:endParaRPr>
           </a:p>
         </p:txBody>
       </p:sp>
@@ -6059,17 +6332,10 @@
   <p:clrMapOvr>
     <a:masterClrMapping/>
   </p:clrMapOvr>
-  <p:timing>
-    <p:tnLst>
-      <p:par>
-        <p:cTn id="1" dur="indefinite" restart="never" nodeType="tmRoot"/>
-      </p:par>
-    </p:tnLst>
-  </p:timing>
 </p:sld>
 </file>
 
-<file path=ppt/slides/slide11.xml><?xml version="1.0" encoding="utf-8"?>
+<file path=ppt/slides/slide12.xml><?xml version="1.0" encoding="utf-8"?>
 <p:sld xmlns:a="http://schemas.openxmlformats.org/drawingml/2006/main" xmlns:r="http://schemas.openxmlformats.org/officeDocument/2006/relationships" xmlns:p="http://schemas.openxmlformats.org/presentationml/2006/main">
   <p:cSld>
     <p:spTree>
@@ -6117,8 +6383,8 @@
               </a:spcBef>
             </a:pPr>
             <a:r>
-              <a:rPr lang="en-US" sz="3809" dirty="0" smtClean="0"/>
-              <a:t>Classification model (V)</a:t>
+              <a:rPr lang="en-US" sz="3809" dirty="0"/>
+              <a:t>Classification model (IV)</a:t>
             </a:r>
             <a:endParaRPr sz="3809" dirty="0"/>
           </a:p>
@@ -6164,7 +6430,7 @@
               <a:defRPr/>
             </a:pPr>
             <a:r>
-              <a:rPr kumimoji="0" lang="en-US" sz="1800" b="0" i="0" u="none" strike="noStrike" kern="1200" cap="none" spc="0" normalizeH="0" baseline="0" noProof="0" dirty="0" smtClean="0">
+              <a:rPr kumimoji="0" lang="en-US" sz="1800" b="0" i="0" u="none" strike="noStrike" kern="1200" cap="none" spc="0" normalizeH="0" baseline="0" noProof="0" dirty="0">
                 <a:ln>
                   <a:noFill/>
                 </a:ln>
@@ -6181,7 +6447,7 @@
               <a:t>To</a:t>
             </a:r>
             <a:r>
-              <a:rPr kumimoji="0" lang="en-US" sz="1800" b="0" i="0" u="none" strike="noStrike" kern="1200" cap="none" spc="0" normalizeH="0" noProof="0" dirty="0" smtClean="0">
+              <a:rPr kumimoji="0" lang="en-US" sz="1800" b="0" i="0" u="none" strike="noStrike" kern="1200" cap="none" spc="0" normalizeH="0" noProof="0" dirty="0">
                 <a:ln>
                   <a:noFill/>
                 </a:ln>
@@ -6198,7 +6464,7 @@
               <a:t> evaluate each classification model, we used an n-fold cross-validation (with n = 10).</a:t>
             </a:r>
             <a:br>
-              <a:rPr kumimoji="0" lang="en-US" sz="1800" b="0" i="0" u="none" strike="noStrike" kern="1200" cap="none" spc="0" normalizeH="0" noProof="0" dirty="0" smtClean="0">
+              <a:rPr kumimoji="0" lang="en-US" sz="1800" b="0" i="0" u="none" strike="noStrike" kern="1200" cap="none" spc="0" normalizeH="0" noProof="0" dirty="0">
                 <a:ln>
                   <a:noFill/>
                 </a:ln>
@@ -6214,7 +6480,7 @@
               </a:rPr>
             </a:br>
             <a:r>
-              <a:rPr kumimoji="0" lang="en-US" sz="1800" b="0" i="0" u="none" strike="noStrike" kern="1200" cap="none" spc="0" normalizeH="0" noProof="0" dirty="0" smtClean="0">
+              <a:rPr kumimoji="0" lang="en-US" sz="1800" b="0" i="0" u="none" strike="noStrike" kern="1200" cap="none" spc="0" normalizeH="0" noProof="0" dirty="0">
                 <a:ln>
                   <a:noFill/>
                 </a:ln>
@@ -6230,7 +6496,7 @@
               </a:rPr>
               <a:t>The results obtained about accuracy for each classifier are summarized here:</a:t>
             </a:r>
-            <a:endParaRPr kumimoji="0" lang="en-US" sz="1800" b="0" i="0" u="none" strike="noStrike" kern="1200" cap="none" spc="0" normalizeH="0" baseline="0" noProof="0" dirty="0" smtClean="0">
+            <a:endParaRPr kumimoji="0" lang="en-US" sz="1800" b="0" i="0" u="none" strike="noStrike" kern="1200" cap="none" spc="0" normalizeH="0" baseline="0" noProof="0" dirty="0">
               <a:ln>
                 <a:noFill/>
               </a:ln>
@@ -6294,10 +6560,9 @@
                     <a:lstStyle/>
                     <a:p>
                       <a:r>
-                        <a:rPr lang="en-US" dirty="0" smtClean="0"/>
+                        <a:rPr lang="en-US" dirty="0"/>
                         <a:t>Classifier</a:t>
                       </a:r>
-                      <a:endParaRPr lang="en-US" dirty="0"/>
                     </a:p>
                   </a:txBody>
                   <a:tcPr/>
@@ -6308,10 +6573,9 @@
                     <a:lstStyle/>
                     <a:p>
                       <a:r>
-                        <a:rPr lang="en-US" dirty="0" smtClean="0"/>
+                        <a:rPr lang="en-US" dirty="0"/>
                         <a:t>Accuracy (%)</a:t>
                       </a:r>
-                      <a:endParaRPr lang="en-US" dirty="0"/>
                     </a:p>
                   </a:txBody>
                   <a:tcPr/>
@@ -6329,10 +6593,9 @@
                     <a:lstStyle/>
                     <a:p>
                       <a:r>
-                        <a:rPr lang="en-US" dirty="0" smtClean="0"/>
+                        <a:rPr lang="en-US" dirty="0"/>
                         <a:t>SMO</a:t>
                       </a:r>
-                      <a:endParaRPr lang="en-US" dirty="0"/>
                     </a:p>
                   </a:txBody>
                   <a:tcPr/>
@@ -6343,10 +6606,9 @@
                     <a:lstStyle/>
                     <a:p>
                       <a:r>
-                        <a:rPr lang="en-US" dirty="0" smtClean="0"/>
+                        <a:rPr lang="en-US" dirty="0"/>
                         <a:t>90.62%</a:t>
                       </a:r>
-                      <a:endParaRPr lang="en-US" dirty="0"/>
                     </a:p>
                   </a:txBody>
                   <a:tcPr/>
@@ -6364,10 +6626,9 @@
                     <a:lstStyle/>
                     <a:p>
                       <a:r>
-                        <a:rPr lang="en-US" dirty="0" smtClean="0"/>
+                        <a:rPr lang="en-US" dirty="0"/>
                         <a:t>J48</a:t>
                       </a:r>
-                      <a:endParaRPr lang="en-US" dirty="0"/>
                     </a:p>
                   </a:txBody>
                   <a:tcPr/>
@@ -6378,10 +6639,9 @@
                     <a:lstStyle/>
                     <a:p>
                       <a:r>
-                        <a:rPr lang="en-US" dirty="0" smtClean="0"/>
+                        <a:rPr lang="en-US" dirty="0"/>
                         <a:t>88.16%</a:t>
                       </a:r>
-                      <a:endParaRPr lang="en-US" dirty="0"/>
                     </a:p>
                   </a:txBody>
                   <a:tcPr/>
@@ -6399,10 +6659,9 @@
                     <a:lstStyle/>
                     <a:p>
                       <a:r>
-                        <a:rPr lang="en-US" dirty="0" smtClean="0"/>
+                        <a:rPr lang="en-US" dirty="0"/>
                         <a:t>1NN</a:t>
                       </a:r>
-                      <a:endParaRPr lang="en-US" dirty="0"/>
                     </a:p>
                   </a:txBody>
                   <a:tcPr/>
@@ -6413,10 +6672,9 @@
                     <a:lstStyle/>
                     <a:p>
                       <a:r>
-                        <a:rPr lang="en-US" dirty="0" smtClean="0"/>
+                        <a:rPr lang="en-US" dirty="0"/>
                         <a:t>89.97%</a:t>
                       </a:r>
-                      <a:endParaRPr lang="en-US" dirty="0"/>
                     </a:p>
                   </a:txBody>
                   <a:tcPr/>
@@ -6434,10 +6692,9 @@
                     <a:lstStyle/>
                     <a:p>
                       <a:r>
-                        <a:rPr lang="en-US" dirty="0" smtClean="0"/>
+                        <a:rPr lang="en-US" dirty="0"/>
                         <a:t>2NN</a:t>
                       </a:r>
-                      <a:endParaRPr lang="en-US" dirty="0"/>
                     </a:p>
                   </a:txBody>
                   <a:tcPr/>
@@ -6448,14 +6705,9 @@
                     <a:lstStyle/>
                     <a:p>
                       <a:r>
-                        <a:rPr lang="en-US" dirty="0" smtClean="0"/>
-                        <a:t>88.16</a:t>
+                        <a:rPr lang="en-US" dirty="0"/>
+                        <a:t>88.16%</a:t>
                       </a:r>
-                      <a:r>
-                        <a:rPr lang="en-US" dirty="0" smtClean="0"/>
-                        <a:t>%</a:t>
-                      </a:r>
-                      <a:endParaRPr lang="en-US" dirty="0"/>
                     </a:p>
                   </a:txBody>
                   <a:tcPr/>
@@ -6473,10 +6725,9 @@
                     <a:lstStyle/>
                     <a:p>
                       <a:r>
-                        <a:rPr lang="en-US" dirty="0" smtClean="0"/>
+                        <a:rPr lang="en-US" dirty="0"/>
                         <a:t>3NN</a:t>
                       </a:r>
-                      <a:endParaRPr lang="en-US" dirty="0" smtClean="0"/>
                     </a:p>
                   </a:txBody>
                   <a:tcPr/>
@@ -6487,10 +6738,9 @@
                     <a:lstStyle/>
                     <a:p>
                       <a:r>
-                        <a:rPr lang="en-US" dirty="0" smtClean="0"/>
+                        <a:rPr lang="en-US" dirty="0"/>
                         <a:t>85.70%</a:t>
                       </a:r>
-                      <a:endParaRPr lang="en-US" dirty="0"/>
                     </a:p>
                   </a:txBody>
                   <a:tcPr/>
@@ -6508,10 +6758,9 @@
                     <a:lstStyle/>
                     <a:p>
                       <a:r>
-                        <a:rPr lang="en-US" dirty="0" smtClean="0"/>
+                        <a:rPr lang="en-US" dirty="0"/>
                         <a:t>NB</a:t>
                       </a:r>
-                      <a:endParaRPr lang="en-US" dirty="0" smtClean="0"/>
                     </a:p>
                   </a:txBody>
                   <a:tcPr/>
@@ -6522,10 +6771,9 @@
                     <a:lstStyle/>
                     <a:p>
                       <a:r>
-                        <a:rPr lang="en-US" smtClean="0"/>
+                        <a:rPr lang="en-US" dirty="0"/>
                         <a:t>84.05%</a:t>
                       </a:r>
-                      <a:endParaRPr lang="en-US" dirty="0"/>
                     </a:p>
                   </a:txBody>
                   <a:tcPr/>
@@ -6550,263 +6798,6 @@
   <p:clrMapOvr>
     <a:masterClrMapping/>
   </p:clrMapOvr>
-  <p:timing>
-    <p:tnLst>
-      <p:par>
-        <p:cTn id="1" dur="indefinite" restart="never" nodeType="tmRoot"/>
-      </p:par>
-    </p:tnLst>
-  </p:timing>
-</p:sld>
-</file>
-
-<file path=ppt/slides/slide12.xml><?xml version="1.0" encoding="utf-8"?>
-<p:sld xmlns:a="http://schemas.openxmlformats.org/drawingml/2006/main" xmlns:r="http://schemas.openxmlformats.org/officeDocument/2006/relationships" xmlns:p="http://schemas.openxmlformats.org/presentationml/2006/main">
-  <p:cSld>
-    <p:spTree>
-      <p:nvGrpSpPr>
-        <p:cNvPr id="1" name=""/>
-        <p:cNvGrpSpPr/>
-        <p:nvPr/>
-      </p:nvGrpSpPr>
-      <p:grpSpPr>
-        <a:xfrm>
-          <a:off x="0" y="0"/>
-          <a:ext cx="0" cy="0"/>
-          <a:chOff x="0" y="0"/>
-          <a:chExt cx="0" cy="0"/>
-        </a:xfrm>
-      </p:grpSpPr>
-      <p:sp>
-        <p:nvSpPr>
-          <p:cNvPr id="2" name="object 2"/>
-          <p:cNvSpPr txBox="1">
-            <a:spLocks noGrp="1"/>
-          </p:cNvSpPr>
-          <p:nvPr>
-            <p:ph type="title"/>
-          </p:nvPr>
-        </p:nvSpPr>
-        <p:spPr>
-          <a:xfrm>
-            <a:off x="1174375" y="1375376"/>
-            <a:ext cx="8561296" cy="597815"/>
-          </a:xfrm>
-          <a:prstGeom prst="rect">
-            <a:avLst/>
-          </a:prstGeom>
-        </p:spPr>
-        <p:txBody>
-          <a:bodyPr vert="horz" wrap="square" lIns="0" tIns="11516" rIns="0" bIns="0" rtlCol="0">
-            <a:spAutoFit/>
-          </a:bodyPr>
-          <a:lstStyle/>
-          <a:p>
-            <a:pPr marL="11516">
-              <a:spcBef>
-                <a:spcPts val="91"/>
-              </a:spcBef>
-            </a:pPr>
-            <a:r>
-              <a:rPr lang="en-US" sz="3809" dirty="0" smtClean="0"/>
-              <a:t>SMO Classifier</a:t>
-            </a:r>
-            <a:endParaRPr sz="3809" dirty="0"/>
-          </a:p>
-        </p:txBody>
-      </p:sp>
-      <p:sp>
-        <p:nvSpPr>
-          <p:cNvPr id="4" name="CasellaDiTesto 3"/>
-          <p:cNvSpPr txBox="1"/>
-          <p:nvPr/>
-        </p:nvSpPr>
-        <p:spPr>
-          <a:xfrm>
-            <a:off x="1174375" y="2245098"/>
-            <a:ext cx="9956636" cy="646331"/>
-          </a:xfrm>
-          <a:prstGeom prst="rect">
-            <a:avLst/>
-          </a:prstGeom>
-          <a:noFill/>
-        </p:spPr>
-        <p:txBody>
-          <a:bodyPr wrap="none" rtlCol="0">
-            <a:spAutoFit/>
-          </a:bodyPr>
-          <a:lstStyle/>
-          <a:p>
-            <a:pPr marL="0" marR="0" lvl="0" indent="0" algn="l" defTabSz="914400" rtl="0" eaLnBrk="1" fontAlgn="auto" latinLnBrk="0" hangingPunct="1">
-              <a:lnSpc>
-                <a:spcPct val="100000"/>
-              </a:lnSpc>
-              <a:spcBef>
-                <a:spcPts val="0"/>
-              </a:spcBef>
-              <a:spcAft>
-                <a:spcPts val="0"/>
-              </a:spcAft>
-              <a:buClrTx/>
-              <a:buSzTx/>
-              <a:buFontTx/>
-              <a:buNone/>
-              <a:tabLst/>
-              <a:defRPr/>
-            </a:pPr>
-            <a:r>
-              <a:rPr lang="en-US" dirty="0" smtClean="0">
-                <a:solidFill>
-                  <a:prstClr val="black"/>
-                </a:solidFill>
-                <a:latin typeface="Arial" panose="020B0604020202020204" pitchFamily="34" charset="0"/>
-                <a:cs typeface="Arial" panose="020B0604020202020204" pitchFamily="34" charset="0"/>
-              </a:rPr>
-              <a:t>To have a better view about the classifier we studied their confusion matrix and other measures.</a:t>
-            </a:r>
-            <a:br>
-              <a:rPr lang="en-US" dirty="0" smtClean="0">
-                <a:solidFill>
-                  <a:prstClr val="black"/>
-                </a:solidFill>
-                <a:latin typeface="Arial" panose="020B0604020202020204" pitchFamily="34" charset="0"/>
-                <a:cs typeface="Arial" panose="020B0604020202020204" pitchFamily="34" charset="0"/>
-              </a:rPr>
-            </a:br>
-            <a:r>
-              <a:rPr lang="en-US" dirty="0" smtClean="0">
-                <a:solidFill>
-                  <a:prstClr val="black"/>
-                </a:solidFill>
-                <a:latin typeface="Arial" panose="020B0604020202020204" pitchFamily="34" charset="0"/>
-                <a:cs typeface="Arial" panose="020B0604020202020204" pitchFamily="34" charset="0"/>
-              </a:rPr>
-              <a:t>Here, we showed those results for the SMO classifier.</a:t>
-            </a:r>
-            <a:endParaRPr kumimoji="0" lang="en-US" sz="1800" b="0" i="0" u="none" strike="noStrike" kern="1200" cap="none" spc="0" normalizeH="0" baseline="0" noProof="0" dirty="0" smtClean="0">
-              <a:ln>
-                <a:noFill/>
-              </a:ln>
-              <a:solidFill>
-                <a:prstClr val="black"/>
-              </a:solidFill>
-              <a:effectLst/>
-              <a:uLnTx/>
-              <a:uFillTx/>
-              <a:latin typeface="Arial" panose="020B0604020202020204" pitchFamily="34" charset="0"/>
-              <a:ea typeface="+mn-ea"/>
-              <a:cs typeface="Arial" panose="020B0604020202020204" pitchFamily="34" charset="0"/>
-            </a:endParaRPr>
-          </a:p>
-        </p:txBody>
-      </p:sp>
-      <p:pic>
-        <p:nvPicPr>
-          <p:cNvPr id="3" name="Immagine 2"/>
-          <p:cNvPicPr>
-            <a:picLocks noChangeAspect="1"/>
-          </p:cNvPicPr>
-          <p:nvPr/>
-        </p:nvPicPr>
-        <p:blipFill>
-          <a:blip r:embed="rId2">
-            <a:extLst>
-              <a:ext uri="{28A0092B-C50C-407E-A947-70E740481C1C}">
-                <a14:useLocalDpi xmlns:a14="http://schemas.microsoft.com/office/drawing/2010/main" val="0"/>
-              </a:ext>
-            </a:extLst>
-          </a:blip>
-          <a:stretch>
-            <a:fillRect/>
-          </a:stretch>
-        </p:blipFill>
-        <p:spPr>
-          <a:xfrm>
-            <a:off x="1350147" y="3415553"/>
-            <a:ext cx="2477223" cy="993121"/>
-          </a:xfrm>
-          <a:prstGeom prst="rect">
-            <a:avLst/>
-          </a:prstGeom>
-        </p:spPr>
-      </p:pic>
-      <p:pic>
-        <p:nvPicPr>
-          <p:cNvPr id="7" name="Immagine 6"/>
-          <p:cNvPicPr>
-            <a:picLocks noChangeAspect="1"/>
-          </p:cNvPicPr>
-          <p:nvPr/>
-        </p:nvPicPr>
-        <p:blipFill>
-          <a:blip r:embed="rId3">
-            <a:extLst>
-              <a:ext uri="{28A0092B-C50C-407E-A947-70E740481C1C}">
-                <a14:useLocalDpi xmlns:a14="http://schemas.microsoft.com/office/drawing/2010/main" val="0"/>
-              </a:ext>
-            </a:extLst>
-          </a:blip>
-          <a:stretch>
-            <a:fillRect/>
-          </a:stretch>
-        </p:blipFill>
-        <p:spPr>
-          <a:xfrm>
-            <a:off x="4221536" y="3163336"/>
-            <a:ext cx="4448175" cy="342900"/>
-          </a:xfrm>
-          <a:prstGeom prst="rect">
-            <a:avLst/>
-          </a:prstGeom>
-        </p:spPr>
-      </p:pic>
-      <p:pic>
-        <p:nvPicPr>
-          <p:cNvPr id="8" name="Immagine 7"/>
-          <p:cNvPicPr>
-            <a:picLocks noChangeAspect="1"/>
-          </p:cNvPicPr>
-          <p:nvPr/>
-        </p:nvPicPr>
-        <p:blipFill>
-          <a:blip r:embed="rId4">
-            <a:extLst>
-              <a:ext uri="{28A0092B-C50C-407E-A947-70E740481C1C}">
-                <a14:useLocalDpi xmlns:a14="http://schemas.microsoft.com/office/drawing/2010/main" val="0"/>
-              </a:ext>
-            </a:extLst>
-          </a:blip>
-          <a:stretch>
-            <a:fillRect/>
-          </a:stretch>
-        </p:blipFill>
-        <p:spPr>
-          <a:xfrm>
-            <a:off x="4221536" y="3683369"/>
-            <a:ext cx="7248525" cy="1047750"/>
-          </a:xfrm>
-          <a:prstGeom prst="rect">
-            <a:avLst/>
-          </a:prstGeom>
-        </p:spPr>
-      </p:pic>
-    </p:spTree>
-    <p:extLst>
-      <p:ext uri="{BB962C8B-B14F-4D97-AF65-F5344CB8AC3E}">
-        <p14:creationId xmlns:p14="http://schemas.microsoft.com/office/powerpoint/2010/main" val="1493825627"/>
-      </p:ext>
-    </p:extLst>
-  </p:cSld>
-  <p:clrMapOvr>
-    <a:masterClrMapping/>
-  </p:clrMapOvr>
-  <p:timing>
-    <p:tnLst>
-      <p:par>
-        <p:cTn id="1" dur="indefinite" restart="never" nodeType="tmRoot"/>
-      </p:par>
-    </p:tnLst>
-  </p:timing>
 </p:sld>
 </file>
 
@@ -6858,7 +6849,7 @@
               </a:spcBef>
             </a:pPr>
             <a:r>
-              <a:rPr lang="en-US" sz="3809" dirty="0" smtClean="0"/>
+              <a:rPr lang="en-US" sz="3809" dirty="0"/>
               <a:t>Note about classifier</a:t>
             </a:r>
             <a:endParaRPr sz="3809" dirty="0"/>
@@ -6874,7 +6865,7 @@
         <p:spPr>
           <a:xfrm>
             <a:off x="1102657" y="2330823"/>
-            <a:ext cx="10196061" cy="646331"/>
+            <a:ext cx="9465092" cy="646331"/>
           </a:xfrm>
           <a:prstGeom prst="rect">
             <a:avLst/>
@@ -6905,7 +6896,7 @@
               <a:defRPr/>
             </a:pPr>
             <a:r>
-              <a:rPr kumimoji="0" lang="en-US" sz="1800" b="0" i="0" u="none" strike="noStrike" kern="1200" cap="none" spc="0" normalizeH="0" baseline="0" noProof="0" dirty="0" smtClean="0">
+              <a:rPr kumimoji="0" lang="en-US" sz="1800" b="0" i="0" u="none" strike="noStrike" kern="1200" cap="none" spc="0" normalizeH="0" baseline="0" noProof="0" dirty="0">
                 <a:ln>
                   <a:noFill/>
                 </a:ln>
@@ -6922,7 +6913,7 @@
               <a:t>We</a:t>
             </a:r>
             <a:r>
-              <a:rPr kumimoji="0" lang="en-US" sz="1800" b="0" i="0" u="none" strike="noStrike" kern="1200" cap="none" spc="0" normalizeH="0" noProof="0" dirty="0" smtClean="0">
+              <a:rPr kumimoji="0" lang="en-US" sz="1800" b="0" i="0" u="none" strike="noStrike" kern="1200" cap="none" spc="0" normalizeH="0" noProof="0" dirty="0">
                 <a:ln>
                   <a:noFill/>
                 </a:ln>
@@ -6936,10 +6927,29 @@
                 <a:ea typeface="+mn-ea"/>
                 <a:cs typeface="Arial" panose="020B0604020202020204" pitchFamily="34" charset="0"/>
               </a:rPr>
-              <a:t> performed a cost sensitive classification schema, because we wanted to give an higher weight</a:t>
-            </a:r>
-            <a:br>
-              <a:rPr kumimoji="0" lang="en-US" sz="1800" b="0" i="0" u="none" strike="noStrike" kern="1200" cap="none" spc="0" normalizeH="0" noProof="0" dirty="0" smtClean="0">
+              <a:t> performed a cost sensitive classification schema, because we wanted to give an higher</a:t>
+            </a:r>
+          </a:p>
+          <a:p>
+            <a:pPr marL="0" marR="0" lvl="0" indent="0" algn="l" defTabSz="914400" rtl="0" eaLnBrk="1" fontAlgn="auto" latinLnBrk="0" hangingPunct="1">
+              <a:lnSpc>
+                <a:spcPct val="100000"/>
+              </a:lnSpc>
+              <a:spcBef>
+                <a:spcPts val="0"/>
+              </a:spcBef>
+              <a:spcAft>
+                <a:spcPts val="0"/>
+              </a:spcAft>
+              <a:buClrTx/>
+              <a:buSzTx/>
+              <a:buFontTx/>
+              <a:buNone/>
+              <a:tabLst/>
+              <a:defRPr/>
+            </a:pPr>
+            <a:r>
+              <a:rPr kumimoji="0" lang="en-US" sz="1800" b="0" i="0" u="none" strike="noStrike" kern="1200" cap="none" spc="0" normalizeH="0" noProof="0" dirty="0">
                 <a:ln>
                   <a:noFill/>
                 </a:ln>
@@ -6953,25 +6963,9 @@
                 <a:ea typeface="+mn-ea"/>
                 <a:cs typeface="Arial" panose="020B0604020202020204" pitchFamily="34" charset="0"/>
               </a:rPr>
-            </a:br>
-            <a:r>
-              <a:rPr kumimoji="0" lang="en-US" sz="1800" b="0" i="0" u="none" strike="noStrike" kern="1200" cap="none" spc="0" normalizeH="0" noProof="0" dirty="0" smtClean="0">
-                <a:ln>
-                  <a:noFill/>
-                </a:ln>
-                <a:solidFill>
-                  <a:prstClr val="black"/>
-                </a:solidFill>
-                <a:effectLst/>
-                <a:uLnTx/>
-                <a:uFillTx/>
-                <a:latin typeface="Arial" panose="020B0604020202020204" pitchFamily="34" charset="0"/>
-                <a:ea typeface="+mn-ea"/>
-                <a:cs typeface="Arial" panose="020B0604020202020204" pitchFamily="34" charset="0"/>
-              </a:rPr>
-              <a:t>to the “earthquake” class than to “non-earthquake” class.</a:t>
-            </a:r>
-            <a:endParaRPr kumimoji="0" lang="en-US" sz="1800" b="0" i="0" u="none" strike="noStrike" kern="1200" cap="none" spc="0" normalizeH="0" baseline="0" noProof="0" dirty="0" smtClean="0">
+              <a:t>misclassification error cost for the “earthquake” class rather than “non-earthquake” class.</a:t>
+            </a:r>
+            <a:endParaRPr kumimoji="0" lang="en-US" sz="1800" b="0" i="0" u="none" strike="noStrike" kern="1200" cap="none" spc="0" normalizeH="0" baseline="0" noProof="0" dirty="0">
               <a:ln>
                 <a:noFill/>
               </a:ln>
@@ -7028,13 +7022,6 @@
   <p:clrMapOvr>
     <a:masterClrMapping/>
   </p:clrMapOvr>
-  <p:timing>
-    <p:tnLst>
-      <p:par>
-        <p:cTn id="1" dur="indefinite" restart="never" nodeType="tmRoot"/>
-      </p:par>
-    </p:tnLst>
-  </p:timing>
 </p:sld>
 </file>
 
@@ -7086,8 +7073,8 @@
               </a:spcBef>
             </a:pPr>
             <a:r>
-              <a:rPr lang="en-US" sz="3809" dirty="0" smtClean="0"/>
-              <a:t>Using the classifier on the database</a:t>
+              <a:rPr lang="en-US" sz="3809" dirty="0"/>
+              <a:t>Classifier choice</a:t>
             </a:r>
             <a:endParaRPr sz="3809" dirty="0"/>
           </a:p>
@@ -7095,14 +7082,14 @@
       </p:sp>
       <p:sp>
         <p:nvSpPr>
-          <p:cNvPr id="5" name="CasellaDiTesto 4"/>
+          <p:cNvPr id="4" name="CasellaDiTesto 3"/>
           <p:cNvSpPr txBox="1"/>
           <p:nvPr/>
         </p:nvSpPr>
         <p:spPr>
           <a:xfrm>
-            <a:off x="1174375" y="2286000"/>
-            <a:ext cx="11068158" cy="923330"/>
+            <a:off x="1174375" y="2186486"/>
+            <a:ext cx="10131941" cy="1200329"/>
           </a:xfrm>
           <a:prstGeom prst="rect">
             <a:avLst/>
@@ -7115,52 +7102,235 @@
           </a:bodyPr>
           <a:lstStyle/>
           <a:p>
-            <a:r>
-              <a:rPr lang="en-US" dirty="0" smtClean="0">
+            <a:pPr marL="0" marR="0" lvl="0" indent="0" algn="l" defTabSz="914400" rtl="0" eaLnBrk="1" fontAlgn="auto" latinLnBrk="0" hangingPunct="1">
+              <a:lnSpc>
+                <a:spcPct val="100000"/>
+              </a:lnSpc>
+              <a:spcBef>
+                <a:spcPts val="0"/>
+              </a:spcBef>
+              <a:spcAft>
+                <a:spcPts val="0"/>
+              </a:spcAft>
+              <a:buClrTx/>
+              <a:buSzTx/>
+              <a:buFontTx/>
+              <a:buNone/>
+              <a:tabLst/>
+              <a:defRPr/>
+            </a:pPr>
+            <a:r>
+              <a:rPr lang="en-US" dirty="0">
+                <a:solidFill>
+                  <a:prstClr val="black"/>
+                </a:solidFill>
                 <a:latin typeface="Arial" panose="020B0604020202020204" pitchFamily="34" charset="0"/>
                 <a:cs typeface="Arial" panose="020B0604020202020204" pitchFamily="34" charset="0"/>
               </a:rPr>
-              <a:t>Since the SMO classifier provided us the best results, we used it in the application. To exploit a further test,</a:t>
-            </a:r>
-            <a:br>
-              <a:rPr lang="en-US" dirty="0" smtClean="0">
+              <a:t>We ended up choosing the SMO classifier since it has the higher accuracy and his false negative </a:t>
+            </a:r>
+          </a:p>
+          <a:p>
+            <a:pPr marL="0" marR="0" lvl="0" indent="0" algn="l" defTabSz="914400" rtl="0" eaLnBrk="1" fontAlgn="auto" latinLnBrk="0" hangingPunct="1">
+              <a:lnSpc>
+                <a:spcPct val="100000"/>
+              </a:lnSpc>
+              <a:spcBef>
+                <a:spcPts val="0"/>
+              </a:spcBef>
+              <a:spcAft>
+                <a:spcPts val="0"/>
+              </a:spcAft>
+              <a:buClrTx/>
+              <a:buSzTx/>
+              <a:buFontTx/>
+              <a:buNone/>
+              <a:tabLst/>
+              <a:defRPr/>
+            </a:pPr>
+            <a:r>
+              <a:rPr lang="en-US" dirty="0">
+                <a:solidFill>
+                  <a:prstClr val="black"/>
+                </a:solidFill>
                 <a:latin typeface="Arial" panose="020B0604020202020204" pitchFamily="34" charset="0"/>
                 <a:cs typeface="Arial" panose="020B0604020202020204" pitchFamily="34" charset="0"/>
               </a:rPr>
-            </a:br>
-            <a:r>
-              <a:rPr lang="en-US" dirty="0" smtClean="0">
+              <a:t>rate is fairly low, which is good in our case since we don’t want to classify non-earthquake tweets </a:t>
+            </a:r>
+          </a:p>
+          <a:p>
+            <a:pPr lvl="0">
+              <a:defRPr/>
+            </a:pPr>
+            <a:r>
+              <a:rPr lang="en-US" dirty="0">
+                <a:solidFill>
+                  <a:prstClr val="black"/>
+                </a:solidFill>
                 <a:latin typeface="Arial" panose="020B0604020202020204" pitchFamily="34" charset="0"/>
                 <a:cs typeface="Arial" panose="020B0604020202020204" pitchFamily="34" charset="0"/>
               </a:rPr>
-              <a:t>we applied the model build on the database containing the 2016-2017 tweets, containing the “</a:t>
-            </a:r>
-            <a:r>
-              <a:rPr lang="en-US" dirty="0" err="1" smtClean="0">
+              <a:t>as earthquake, but it is acceptable to have a slightly higher number of false positive (this is the</a:t>
+            </a:r>
+          </a:p>
+          <a:p>
+            <a:pPr lvl="0">
+              <a:defRPr/>
+            </a:pPr>
+            <a:r>
+              <a:rPr lang="en-US" dirty="0">
+                <a:solidFill>
+                  <a:prstClr val="black"/>
+                </a:solidFill>
                 <a:latin typeface="Arial" panose="020B0604020202020204" pitchFamily="34" charset="0"/>
                 <a:cs typeface="Arial" panose="020B0604020202020204" pitchFamily="34" charset="0"/>
               </a:rPr>
-              <a:t>terremoto</a:t>
-            </a:r>
-            <a:r>
-              <a:rPr lang="en-US" dirty="0" smtClean="0">
+              <a:t>reason for applying the cost sensitive classifier to our model).</a:t>
+            </a:r>
+            <a:endParaRPr kumimoji="0" lang="en-US" sz="1800" b="0" i="0" u="none" strike="noStrike" kern="1200" cap="none" spc="0" normalizeH="0" baseline="0" noProof="0" dirty="0">
+              <a:ln>
+                <a:noFill/>
+              </a:ln>
+              <a:solidFill>
+                <a:prstClr val="black"/>
+              </a:solidFill>
+              <a:effectLst/>
+              <a:uLnTx/>
+              <a:uFillTx/>
+              <a:latin typeface="Arial" panose="020B0604020202020204" pitchFamily="34" charset="0"/>
+              <a:ea typeface="+mn-ea"/>
+              <a:cs typeface="Arial" panose="020B0604020202020204" pitchFamily="34" charset="0"/>
+            </a:endParaRPr>
+          </a:p>
+        </p:txBody>
+      </p:sp>
+      <p:pic>
+        <p:nvPicPr>
+          <p:cNvPr id="3" name="Immagine 2"/>
+          <p:cNvPicPr>
+            <a:picLocks noChangeAspect="1"/>
+          </p:cNvPicPr>
+          <p:nvPr/>
+        </p:nvPicPr>
+        <p:blipFill>
+          <a:blip r:embed="rId2">
+            <a:extLst>
+              <a:ext uri="{28A0092B-C50C-407E-A947-70E740481C1C}">
+                <a14:useLocalDpi xmlns:a14="http://schemas.microsoft.com/office/drawing/2010/main" val="0"/>
+              </a:ext>
+            </a:extLst>
+          </a:blip>
+          <a:stretch>
+            <a:fillRect/>
+          </a:stretch>
+        </p:blipFill>
+        <p:spPr>
+          <a:xfrm>
+            <a:off x="4857388" y="3935670"/>
+            <a:ext cx="2477223" cy="993121"/>
+          </a:xfrm>
+          <a:prstGeom prst="rect">
+            <a:avLst/>
+          </a:prstGeom>
+        </p:spPr>
+      </p:pic>
+    </p:spTree>
+    <p:extLst>
+      <p:ext uri="{BB962C8B-B14F-4D97-AF65-F5344CB8AC3E}">
+        <p14:creationId xmlns:p14="http://schemas.microsoft.com/office/powerpoint/2010/main" val="1493825627"/>
+      </p:ext>
+    </p:extLst>
+  </p:cSld>
+  <p:clrMapOvr>
+    <a:masterClrMapping/>
+  </p:clrMapOvr>
+</p:sld>
+</file>
+
+<file path=ppt/slides/slide15.xml><?xml version="1.0" encoding="utf-8"?>
+<p:sld xmlns:a="http://schemas.openxmlformats.org/drawingml/2006/main" xmlns:r="http://schemas.openxmlformats.org/officeDocument/2006/relationships" xmlns:p="http://schemas.openxmlformats.org/presentationml/2006/main">
+  <p:cSld>
+    <p:spTree>
+      <p:nvGrpSpPr>
+        <p:cNvPr id="1" name=""/>
+        <p:cNvGrpSpPr/>
+        <p:nvPr/>
+      </p:nvGrpSpPr>
+      <p:grpSpPr>
+        <a:xfrm>
+          <a:off x="0" y="0"/>
+          <a:ext cx="0" cy="0"/>
+          <a:chOff x="0" y="0"/>
+          <a:chExt cx="0" cy="0"/>
+        </a:xfrm>
+      </p:grpSpPr>
+      <p:sp>
+        <p:nvSpPr>
+          <p:cNvPr id="2" name="object 2"/>
+          <p:cNvSpPr txBox="1">
+            <a:spLocks noGrp="1"/>
+          </p:cNvSpPr>
+          <p:nvPr>
+            <p:ph type="title"/>
+          </p:nvPr>
+        </p:nvSpPr>
+        <p:spPr>
+          <a:xfrm>
+            <a:off x="1174375" y="1375376"/>
+            <a:ext cx="8561296" cy="597815"/>
+          </a:xfrm>
+          <a:prstGeom prst="rect">
+            <a:avLst/>
+          </a:prstGeom>
+        </p:spPr>
+        <p:txBody>
+          <a:bodyPr vert="horz" wrap="square" lIns="0" tIns="11516" rIns="0" bIns="0" rtlCol="0">
+            <a:spAutoFit/>
+          </a:bodyPr>
+          <a:lstStyle/>
+          <a:p>
+            <a:pPr marL="11516">
+              <a:spcBef>
+                <a:spcPts val="91"/>
+              </a:spcBef>
+            </a:pPr>
+            <a:r>
+              <a:rPr lang="en-US" sz="3809" dirty="0"/>
+              <a:t>Using the classifier on the database</a:t>
+            </a:r>
+            <a:endParaRPr sz="3809" dirty="0"/>
+          </a:p>
+        </p:txBody>
+      </p:sp>
+      <p:sp>
+        <p:nvSpPr>
+          <p:cNvPr id="5" name="CasellaDiTesto 4"/>
+          <p:cNvSpPr txBox="1"/>
+          <p:nvPr/>
+        </p:nvSpPr>
+        <p:spPr>
+          <a:xfrm>
+            <a:off x="1174375" y="2286000"/>
+            <a:ext cx="10183301" cy="369332"/>
+          </a:xfrm>
+          <a:prstGeom prst="rect">
+            <a:avLst/>
+          </a:prstGeom>
+          <a:noFill/>
+        </p:spPr>
+        <p:txBody>
+          <a:bodyPr wrap="none" rtlCol="0">
+            <a:spAutoFit/>
+          </a:bodyPr>
+          <a:lstStyle/>
+          <a:p>
+            <a:r>
+              <a:rPr lang="en-US" dirty="0">
                 <a:latin typeface="Arial" panose="020B0604020202020204" pitchFamily="34" charset="0"/>
                 <a:cs typeface="Arial" panose="020B0604020202020204" pitchFamily="34" charset="0"/>
               </a:rPr>
-              <a:t>”</a:t>
-            </a:r>
-            <a:br>
-              <a:rPr lang="en-US" dirty="0" smtClean="0">
-                <a:latin typeface="Arial" panose="020B0604020202020204" pitchFamily="34" charset="0"/>
-                <a:cs typeface="Arial" panose="020B0604020202020204" pitchFamily="34" charset="0"/>
-              </a:rPr>
-            </a:br>
-            <a:r>
-              <a:rPr lang="en-US" dirty="0" smtClean="0">
-                <a:latin typeface="Arial" panose="020B0604020202020204" pitchFamily="34" charset="0"/>
-                <a:cs typeface="Arial" panose="020B0604020202020204" pitchFamily="34" charset="0"/>
-              </a:rPr>
-              <a:t>hashtag.  </a:t>
+              <a:t>To exploit a further test, we applied the model on the database containing the 2016-2017 tweets.  </a:t>
             </a:r>
           </a:p>
         </p:txBody>
@@ -7187,7 +7357,7 @@
         </p:blipFill>
         <p:spPr>
           <a:xfrm>
-            <a:off x="5567083" y="3209330"/>
+            <a:off x="5577728" y="2968141"/>
             <a:ext cx="5723404" cy="2272349"/>
           </a:xfrm>
           <a:prstGeom prst="rect">
@@ -7203,7 +7373,7 @@
         </p:nvSpPr>
         <p:spPr>
           <a:xfrm>
-            <a:off x="1255059" y="3522139"/>
+            <a:off x="1192093" y="3429000"/>
             <a:ext cx="4903907" cy="923330"/>
           </a:xfrm>
           <a:prstGeom prst="rect">
@@ -7218,42 +7388,38 @@
           <a:lstStyle/>
           <a:p>
             <a:r>
-              <a:rPr lang="en-US" dirty="0" smtClean="0">
+              <a:rPr lang="en-US" dirty="0">
                 <a:latin typeface="Arial" panose="020B0604020202020204" pitchFamily="34" charset="0"/>
                 <a:cs typeface="Arial" panose="020B0604020202020204" pitchFamily="34" charset="0"/>
               </a:rPr>
               <a:t>We can see that the classifier has labeled a </a:t>
             </a:r>
             <a:br>
-              <a:rPr lang="en-US" dirty="0" smtClean="0">
+              <a:rPr lang="en-US" dirty="0">
                 <a:latin typeface="Arial" panose="020B0604020202020204" pitchFamily="34" charset="0"/>
                 <a:cs typeface="Arial" panose="020B0604020202020204" pitchFamily="34" charset="0"/>
               </a:rPr>
             </a:br>
             <a:r>
-              <a:rPr lang="en-US" dirty="0" smtClean="0">
+              <a:rPr lang="en-US" dirty="0">
                 <a:latin typeface="Arial" panose="020B0604020202020204" pitchFamily="34" charset="0"/>
                 <a:cs typeface="Arial" panose="020B0604020202020204" pitchFamily="34" charset="0"/>
               </a:rPr>
               <a:t>good amount of tweets as “earthquake” at the </a:t>
             </a:r>
             <a:br>
-              <a:rPr lang="en-US" dirty="0" smtClean="0">
+              <a:rPr lang="en-US" dirty="0">
                 <a:latin typeface="Arial" panose="020B0604020202020204" pitchFamily="34" charset="0"/>
                 <a:cs typeface="Arial" panose="020B0604020202020204" pitchFamily="34" charset="0"/>
               </a:rPr>
             </a:br>
             <a:r>
-              <a:rPr lang="en-US" dirty="0" smtClean="0">
+              <a:rPr lang="en-US" dirty="0">
                 <a:latin typeface="Arial" panose="020B0604020202020204" pitchFamily="34" charset="0"/>
                 <a:cs typeface="Arial" panose="020B0604020202020204" pitchFamily="34" charset="0"/>
               </a:rPr>
               <a:t>peaks seen previously.</a:t>
             </a:r>
-            <a:endParaRPr lang="en-US" dirty="0">
-              <a:latin typeface="Arial" panose="020B0604020202020204" pitchFamily="34" charset="0"/>
-              <a:cs typeface="Arial" panose="020B0604020202020204" pitchFamily="34" charset="0"/>
-            </a:endParaRPr>
           </a:p>
         </p:txBody>
       </p:sp>
@@ -7267,17 +7433,10 @@
   <p:clrMapOvr>
     <a:masterClrMapping/>
   </p:clrMapOvr>
-  <p:timing>
-    <p:tnLst>
-      <p:par>
-        <p:cTn id="1" dur="indefinite" restart="never" nodeType="tmRoot"/>
-      </p:par>
-    </p:tnLst>
-  </p:timing>
 </p:sld>
 </file>
 
-<file path=ppt/slides/slide15.xml><?xml version="1.0" encoding="utf-8"?>
+<file path=ppt/slides/slide16.xml><?xml version="1.0" encoding="utf-8"?>
 <p:sld xmlns:a="http://schemas.openxmlformats.org/drawingml/2006/main" xmlns:r="http://schemas.openxmlformats.org/officeDocument/2006/relationships" xmlns:p="http://schemas.openxmlformats.org/presentationml/2006/main">
   <p:cSld>
     <p:spTree>
@@ -7325,7 +7484,7 @@
               </a:spcBef>
             </a:pPr>
             <a:r>
-              <a:rPr lang="en-US" sz="3809" dirty="0" smtClean="0"/>
+              <a:rPr lang="en-US" sz="3809" dirty="0"/>
               <a:t>Toward the application</a:t>
             </a:r>
             <a:endParaRPr sz="3809" dirty="0"/>
@@ -7341,7 +7500,7 @@
         <p:spPr>
           <a:xfrm>
             <a:off x="1102657" y="2330823"/>
-            <a:ext cx="10213052" cy="1477328"/>
+            <a:ext cx="10405413" cy="2862322"/>
           </a:xfrm>
           <a:prstGeom prst="rect">
             <a:avLst/>
@@ -7372,7 +7531,7 @@
               <a:defRPr/>
             </a:pPr>
             <a:r>
-              <a:rPr kumimoji="0" lang="en-US" sz="1800" b="0" i="0" u="none" strike="noStrike" kern="1200" cap="none" spc="0" normalizeH="0" baseline="0" noProof="0" dirty="0" smtClean="0">
+              <a:rPr kumimoji="0" lang="en-US" sz="1800" b="0" i="0" u="none" strike="noStrike" kern="1200" cap="none" spc="0" normalizeH="0" baseline="0" noProof="0" dirty="0">
                 <a:ln>
                   <a:noFill/>
                 </a:ln>
@@ -7389,7 +7548,7 @@
               <a:t>Once</a:t>
             </a:r>
             <a:r>
-              <a:rPr kumimoji="0" lang="en-US" sz="1800" b="0" i="0" u="none" strike="noStrike" kern="1200" cap="none" spc="0" normalizeH="0" noProof="0" dirty="0" smtClean="0">
+              <a:rPr kumimoji="0" lang="en-US" sz="1800" b="0" i="0" u="none" strike="noStrike" kern="1200" cap="none" spc="0" normalizeH="0" noProof="0" dirty="0">
                 <a:ln>
                   <a:noFill/>
                 </a:ln>
@@ -7406,7 +7565,7 @@
               <a:t> we found the right classifier, we started implementing the application using java language.</a:t>
             </a:r>
             <a:br>
-              <a:rPr kumimoji="0" lang="en-US" sz="1800" b="0" i="0" u="none" strike="noStrike" kern="1200" cap="none" spc="0" normalizeH="0" noProof="0" dirty="0" smtClean="0">
+              <a:rPr kumimoji="0" lang="en-US" sz="1800" b="0" i="0" u="none" strike="noStrike" kern="1200" cap="none" spc="0" normalizeH="0" noProof="0" dirty="0">
                 <a:ln>
                   <a:noFill/>
                 </a:ln>
@@ -7422,17 +7581,17 @@
               </a:rPr>
             </a:br>
             <a:r>
-              <a:rPr lang="en-US" dirty="0" smtClean="0">
+              <a:rPr lang="en-US" dirty="0">
                 <a:solidFill>
                   <a:prstClr val="black"/>
                 </a:solidFill>
                 <a:latin typeface="Arial" panose="020B0604020202020204" pitchFamily="34" charset="0"/>
                 <a:cs typeface="Arial" panose="020B0604020202020204" pitchFamily="34" charset="0"/>
               </a:rPr>
-              <a:t>The application fetches real-time tweets containing the keyword “</a:t>
-            </a:r>
-            <a:r>
-              <a:rPr lang="en-US" dirty="0" err="1" smtClean="0">
+              <a:t>The application fetches the last 10 minutes tweets containing the keyword “</a:t>
+            </a:r>
+            <a:r>
+              <a:rPr lang="en-US" dirty="0" err="1">
                 <a:solidFill>
                   <a:prstClr val="black"/>
                 </a:solidFill>
@@ -7442,124 +7601,290 @@
               <a:t>terremoto</a:t>
             </a:r>
             <a:r>
-              <a:rPr lang="en-US" dirty="0" smtClean="0">
+              <a:rPr lang="en-US" dirty="0">
                 <a:solidFill>
                   <a:prstClr val="black"/>
                 </a:solidFill>
                 <a:latin typeface="Arial" panose="020B0604020202020204" pitchFamily="34" charset="0"/>
                 <a:cs typeface="Arial" panose="020B0604020202020204" pitchFamily="34" charset="0"/>
               </a:rPr>
-              <a:t>”, performs a </a:t>
-            </a:r>
-            <a:r>
-              <a:rPr lang="en-US" dirty="0" err="1" smtClean="0">
+              <a:t>” and performs </a:t>
+            </a:r>
+          </a:p>
+          <a:p>
+            <a:pPr marL="0" marR="0" lvl="0" indent="0" algn="l" defTabSz="914400" rtl="0" eaLnBrk="1" fontAlgn="auto" latinLnBrk="0" hangingPunct="1">
+              <a:lnSpc>
+                <a:spcPct val="100000"/>
+              </a:lnSpc>
+              <a:spcBef>
+                <a:spcPts val="0"/>
+              </a:spcBef>
+              <a:spcAft>
+                <a:spcPts val="0"/>
+              </a:spcAft>
+              <a:buClrTx/>
+              <a:buSzTx/>
+              <a:buFontTx/>
+              <a:buNone/>
+              <a:tabLst/>
+              <a:defRPr/>
+            </a:pPr>
+            <a:r>
+              <a:rPr lang="en-US" dirty="0">
                 <a:solidFill>
                   <a:prstClr val="black"/>
                 </a:solidFill>
                 <a:latin typeface="Arial" panose="020B0604020202020204" pitchFamily="34" charset="0"/>
                 <a:cs typeface="Arial" panose="020B0604020202020204" pitchFamily="34" charset="0"/>
               </a:rPr>
-              <a:t>real_time</a:t>
-            </a:r>
-            <a:r>
-              <a:rPr lang="en-US" dirty="0" smtClean="0">
-                <a:solidFill>
-                  <a:prstClr val="black"/>
-                </a:solidFill>
-                <a:latin typeface="Arial" panose="020B0604020202020204" pitchFamily="34" charset="0"/>
-                <a:cs typeface="Arial" panose="020B0604020202020204" pitchFamily="34" charset="0"/>
-              </a:rPr>
-              <a:t/>
-            </a:r>
-            <a:br>
-              <a:rPr lang="en-US" dirty="0" smtClean="0">
-                <a:solidFill>
-                  <a:prstClr val="black"/>
-                </a:solidFill>
-                <a:latin typeface="Arial" panose="020B0604020202020204" pitchFamily="34" charset="0"/>
-                <a:cs typeface="Arial" panose="020B0604020202020204" pitchFamily="34" charset="0"/>
-              </a:rPr>
-            </a:br>
-            <a:r>
-              <a:rPr lang="en-US" dirty="0" smtClean="0">
-                <a:solidFill>
-                  <a:prstClr val="black"/>
-                </a:solidFill>
-                <a:latin typeface="Arial" panose="020B0604020202020204" pitchFamily="34" charset="0"/>
-                <a:cs typeface="Arial" panose="020B0604020202020204" pitchFamily="34" charset="0"/>
-              </a:rPr>
-              <a:t>classification of each fetched tweet; if a positive tweet is found, the information about the tweet are</a:t>
-            </a:r>
-            <a:br>
-              <a:rPr lang="en-US" dirty="0" smtClean="0">
-                <a:solidFill>
-                  <a:prstClr val="black"/>
-                </a:solidFill>
-                <a:latin typeface="Arial" panose="020B0604020202020204" pitchFamily="34" charset="0"/>
-                <a:cs typeface="Arial" panose="020B0604020202020204" pitchFamily="34" charset="0"/>
-              </a:rPr>
-            </a:br>
-            <a:r>
-              <a:rPr lang="en-US" dirty="0" smtClean="0">
-                <a:solidFill>
-                  <a:prstClr val="black"/>
-                </a:solidFill>
-                <a:latin typeface="Arial" panose="020B0604020202020204" pitchFamily="34" charset="0"/>
-                <a:cs typeface="Arial" panose="020B0604020202020204" pitchFamily="34" charset="0"/>
-              </a:rPr>
-              <a:t>stored in a </a:t>
-            </a:r>
-            <a:r>
-              <a:rPr lang="en-US" dirty="0" err="1" smtClean="0">
-                <a:solidFill>
-                  <a:prstClr val="black"/>
-                </a:solidFill>
-                <a:latin typeface="Arial" panose="020B0604020202020204" pitchFamily="34" charset="0"/>
-                <a:cs typeface="Arial" panose="020B0604020202020204" pitchFamily="34" charset="0"/>
-              </a:rPr>
-              <a:t>mysql</a:t>
-            </a:r>
-            <a:r>
-              <a:rPr lang="en-US" dirty="0" smtClean="0">
-                <a:solidFill>
-                  <a:prstClr val="black"/>
-                </a:solidFill>
-                <a:latin typeface="Arial" panose="020B0604020202020204" pitchFamily="34" charset="0"/>
-                <a:cs typeface="Arial" panose="020B0604020202020204" pitchFamily="34" charset="0"/>
-              </a:rPr>
-              <a:t> database. At the end of the fetch step, the user can visualize the results in a </a:t>
-            </a:r>
-            <a:br>
-              <a:rPr lang="en-US" dirty="0" smtClean="0">
-                <a:solidFill>
-                  <a:prstClr val="black"/>
-                </a:solidFill>
-                <a:latin typeface="Arial" panose="020B0604020202020204" pitchFamily="34" charset="0"/>
-                <a:cs typeface="Arial" panose="020B0604020202020204" pitchFamily="34" charset="0"/>
-              </a:rPr>
-            </a:br>
-            <a:r>
-              <a:rPr lang="en-US" dirty="0" smtClean="0">
-                <a:solidFill>
-                  <a:prstClr val="black"/>
-                </a:solidFill>
-                <a:latin typeface="Arial" panose="020B0604020202020204" pitchFamily="34" charset="0"/>
-                <a:cs typeface="Arial" panose="020B0604020202020204" pitchFamily="34" charset="0"/>
-              </a:rPr>
-              <a:t>dedicated are of the application. </a:t>
-            </a:r>
-            <a:endParaRPr kumimoji="0" lang="en-US" sz="1800" b="0" i="0" u="none" strike="noStrike" kern="1200" cap="none" spc="0" normalizeH="0" baseline="0" noProof="0" dirty="0" smtClean="0">
-              <a:ln>
-                <a:noFill/>
-              </a:ln>
+              <a:t>a real-time classification of each fetched tweet.</a:t>
+            </a:r>
+          </a:p>
+          <a:p>
+            <a:pPr marL="0" marR="0" lvl="0" indent="0" algn="l" defTabSz="914400" rtl="0" eaLnBrk="1" fontAlgn="auto" latinLnBrk="0" hangingPunct="1">
+              <a:lnSpc>
+                <a:spcPct val="100000"/>
+              </a:lnSpc>
+              <a:spcBef>
+                <a:spcPts val="0"/>
+              </a:spcBef>
+              <a:spcAft>
+                <a:spcPts val="0"/>
+              </a:spcAft>
+              <a:buClrTx/>
+              <a:buSzTx/>
+              <a:buFontTx/>
+              <a:buNone/>
+              <a:tabLst/>
+              <a:defRPr/>
+            </a:pPr>
+            <a:endParaRPr lang="en-US" dirty="0">
               <a:solidFill>
                 <a:prstClr val="black"/>
               </a:solidFill>
-              <a:effectLst/>
-              <a:uLnTx/>
-              <a:uFillTx/>
               <a:latin typeface="Arial" panose="020B0604020202020204" pitchFamily="34" charset="0"/>
-              <a:ea typeface="+mn-ea"/>
+              <a:cs typeface="Arial" panose="020B0604020202020204" pitchFamily="34" charset="0"/>
+            </a:endParaRPr>
+          </a:p>
+          <a:p>
+            <a:pPr marL="0" marR="0" lvl="0" indent="0" algn="l" defTabSz="914400" rtl="0" eaLnBrk="1" fontAlgn="auto" latinLnBrk="0" hangingPunct="1">
+              <a:lnSpc>
+                <a:spcPct val="100000"/>
+              </a:lnSpc>
+              <a:spcBef>
+                <a:spcPts val="0"/>
+              </a:spcBef>
+              <a:spcAft>
+                <a:spcPts val="0"/>
+              </a:spcAft>
+              <a:buClrTx/>
+              <a:buSzTx/>
+              <a:buFontTx/>
+              <a:buNone/>
+              <a:tabLst/>
+              <a:defRPr/>
+            </a:pPr>
+            <a:r>
+              <a:rPr lang="en-US" dirty="0">
+                <a:solidFill>
+                  <a:prstClr val="black"/>
+                </a:solidFill>
+                <a:latin typeface="Arial" panose="020B0604020202020204" pitchFamily="34" charset="0"/>
+                <a:cs typeface="Arial" panose="020B0604020202020204" pitchFamily="34" charset="0"/>
+              </a:rPr>
+              <a:t>Two thresholds are set: </a:t>
+            </a:r>
+            <a:r>
+              <a:rPr lang="en-US" dirty="0" err="1">
+                <a:solidFill>
+                  <a:prstClr val="black"/>
+                </a:solidFill>
+                <a:latin typeface="Arial" panose="020B0604020202020204" pitchFamily="34" charset="0"/>
+                <a:cs typeface="Arial" panose="020B0604020202020204" pitchFamily="34" charset="0"/>
+              </a:rPr>
+              <a:t>warningThreshold</a:t>
+            </a:r>
+            <a:r>
+              <a:rPr lang="en-US" dirty="0">
+                <a:solidFill>
+                  <a:prstClr val="black"/>
+                </a:solidFill>
+                <a:latin typeface="Arial" panose="020B0604020202020204" pitchFamily="34" charset="0"/>
+                <a:cs typeface="Arial" panose="020B0604020202020204" pitchFamily="34" charset="0"/>
+              </a:rPr>
+              <a:t> and </a:t>
+            </a:r>
+            <a:r>
+              <a:rPr lang="en-US" dirty="0" err="1">
+                <a:solidFill>
+                  <a:prstClr val="black"/>
+                </a:solidFill>
+                <a:latin typeface="Arial" panose="020B0604020202020204" pitchFamily="34" charset="0"/>
+                <a:cs typeface="Arial" panose="020B0604020202020204" pitchFamily="34" charset="0"/>
+              </a:rPr>
+              <a:t>emergencyThreshold</a:t>
+            </a:r>
+            <a:r>
+              <a:rPr lang="en-US" dirty="0">
+                <a:solidFill>
+                  <a:prstClr val="black"/>
+                </a:solidFill>
+                <a:latin typeface="Arial" panose="020B0604020202020204" pitchFamily="34" charset="0"/>
+                <a:cs typeface="Arial" panose="020B0604020202020204" pitchFamily="34" charset="0"/>
+              </a:rPr>
+              <a:t>.</a:t>
+            </a:r>
+          </a:p>
+          <a:p>
+            <a:pPr marL="0" marR="0" lvl="0" indent="0" algn="l" defTabSz="914400" rtl="0" eaLnBrk="1" fontAlgn="auto" latinLnBrk="0" hangingPunct="1">
+              <a:lnSpc>
+                <a:spcPct val="100000"/>
+              </a:lnSpc>
+              <a:spcBef>
+                <a:spcPts val="0"/>
+              </a:spcBef>
+              <a:spcAft>
+                <a:spcPts val="0"/>
+              </a:spcAft>
+              <a:buClrTx/>
+              <a:buSzTx/>
+              <a:buFontTx/>
+              <a:buNone/>
+              <a:tabLst/>
+              <a:defRPr/>
+            </a:pPr>
+            <a:r>
+              <a:rPr lang="en-US" dirty="0">
+                <a:solidFill>
+                  <a:prstClr val="black"/>
+                </a:solidFill>
+                <a:latin typeface="Arial" panose="020B0604020202020204" pitchFamily="34" charset="0"/>
+                <a:cs typeface="Arial" panose="020B0604020202020204" pitchFamily="34" charset="0"/>
+              </a:rPr>
+              <a:t>If N tweets (of the last 10 minutes) are classified as “earthquake”: </a:t>
+            </a:r>
+          </a:p>
+          <a:p>
+            <a:pPr marL="0" marR="0" lvl="0" indent="0" algn="l" defTabSz="914400" rtl="0" eaLnBrk="1" fontAlgn="auto" latinLnBrk="0" hangingPunct="1">
+              <a:lnSpc>
+                <a:spcPct val="100000"/>
+              </a:lnSpc>
+              <a:spcBef>
+                <a:spcPts val="0"/>
+              </a:spcBef>
+              <a:spcAft>
+                <a:spcPts val="0"/>
+              </a:spcAft>
+              <a:buClrTx/>
+              <a:buSzTx/>
+              <a:buFontTx/>
+              <a:buNone/>
+              <a:tabLst/>
+              <a:defRPr/>
+            </a:pPr>
+            <a:endParaRPr lang="en-US" dirty="0">
+              <a:solidFill>
+                <a:prstClr val="black"/>
+              </a:solidFill>
+              <a:latin typeface="Arial" panose="020B0604020202020204" pitchFamily="34" charset="0"/>
+              <a:cs typeface="Arial" panose="020B0604020202020204" pitchFamily="34" charset="0"/>
+            </a:endParaRPr>
+          </a:p>
+          <a:p>
+            <a:pPr marL="285750" marR="0" lvl="0" indent="-285750" algn="l" defTabSz="914400" rtl="0" eaLnBrk="1" fontAlgn="auto" latinLnBrk="0" hangingPunct="1">
+              <a:lnSpc>
+                <a:spcPct val="100000"/>
+              </a:lnSpc>
+              <a:spcBef>
+                <a:spcPts val="0"/>
+              </a:spcBef>
+              <a:spcAft>
+                <a:spcPts val="0"/>
+              </a:spcAft>
+              <a:buClrTx/>
+              <a:buSzTx/>
+              <a:buFont typeface="Arial" panose="020B0604020202020204" pitchFamily="34" charset="0"/>
+              <a:buChar char="•"/>
+              <a:tabLst/>
+              <a:defRPr/>
+            </a:pPr>
+            <a:r>
+              <a:rPr lang="en-US" dirty="0">
+                <a:solidFill>
+                  <a:prstClr val="black"/>
+                </a:solidFill>
+                <a:latin typeface="Arial" panose="020B0604020202020204" pitchFamily="34" charset="0"/>
+                <a:cs typeface="Arial" panose="020B0604020202020204" pitchFamily="34" charset="0"/>
+              </a:rPr>
+              <a:t>If N &gt; </a:t>
+            </a:r>
+            <a:r>
+              <a:rPr lang="en-US" dirty="0" err="1">
+                <a:solidFill>
+                  <a:prstClr val="black"/>
+                </a:solidFill>
+                <a:latin typeface="Arial" panose="020B0604020202020204" pitchFamily="34" charset="0"/>
+                <a:cs typeface="Arial" panose="020B0604020202020204" pitchFamily="34" charset="0"/>
+              </a:rPr>
+              <a:t>warningThreshold</a:t>
+            </a:r>
+            <a:r>
+              <a:rPr lang="en-US" dirty="0">
+                <a:solidFill>
+                  <a:prstClr val="black"/>
+                </a:solidFill>
+                <a:latin typeface="Arial" panose="020B0604020202020204" pitchFamily="34" charset="0"/>
+                <a:cs typeface="Arial" panose="020B0604020202020204" pitchFamily="34" charset="0"/>
+              </a:rPr>
+              <a:t>: then a warning message is shown. </a:t>
+            </a:r>
+          </a:p>
+          <a:p>
+            <a:pPr marL="285750" lvl="0" indent="-285750">
+              <a:buFont typeface="Arial" panose="020B0604020202020204" pitchFamily="34" charset="0"/>
+              <a:buChar char="•"/>
+              <a:defRPr/>
+            </a:pPr>
+            <a:r>
+              <a:rPr lang="en-US" dirty="0">
+                <a:solidFill>
+                  <a:prstClr val="black"/>
+                </a:solidFill>
+                <a:latin typeface="Arial" panose="020B0604020202020204" pitchFamily="34" charset="0"/>
+                <a:cs typeface="Arial" panose="020B0604020202020204" pitchFamily="34" charset="0"/>
+              </a:rPr>
+              <a:t>If N &gt; </a:t>
+            </a:r>
+            <a:r>
+              <a:rPr lang="en-US" dirty="0" err="1">
+                <a:solidFill>
+                  <a:prstClr val="black"/>
+                </a:solidFill>
+                <a:latin typeface="Arial" panose="020B0604020202020204" pitchFamily="34" charset="0"/>
+                <a:cs typeface="Arial" panose="020B0604020202020204" pitchFamily="34" charset="0"/>
+              </a:rPr>
+              <a:t>emergencyThreshold</a:t>
+            </a:r>
+            <a:r>
+              <a:rPr lang="en-US" dirty="0">
+                <a:solidFill>
+                  <a:prstClr val="black"/>
+                </a:solidFill>
+                <a:latin typeface="Arial" panose="020B0604020202020204" pitchFamily="34" charset="0"/>
+                <a:cs typeface="Arial" panose="020B0604020202020204" pitchFamily="34" charset="0"/>
+              </a:rPr>
+              <a:t>: then an emergency message is shown (earthquake recognized).</a:t>
+            </a:r>
+          </a:p>
+          <a:p>
+            <a:pPr lvl="0">
+              <a:defRPr/>
+            </a:pPr>
+            <a:endParaRPr lang="en-US" dirty="0">
+              <a:solidFill>
+                <a:prstClr val="black"/>
+              </a:solidFill>
+              <a:latin typeface="Arial" panose="020B0604020202020204" pitchFamily="34" charset="0"/>
               <a:cs typeface="Arial" panose="020B0604020202020204" pitchFamily="34" charset="0"/>
             </a:endParaRPr>
           </a:p>
@@ -7575,13 +7900,372 @@
   <p:clrMapOvr>
     <a:masterClrMapping/>
   </p:clrMapOvr>
-  <p:timing>
-    <p:tnLst>
-      <p:par>
-        <p:cTn id="1" dur="indefinite" restart="never" nodeType="tmRoot"/>
-      </p:par>
-    </p:tnLst>
-  </p:timing>
+</p:sld>
+</file>
+
+<file path=ppt/slides/slide17.xml><?xml version="1.0" encoding="utf-8"?>
+<p:sld xmlns:a="http://schemas.openxmlformats.org/drawingml/2006/main" xmlns:r="http://schemas.openxmlformats.org/officeDocument/2006/relationships" xmlns:p="http://schemas.openxmlformats.org/presentationml/2006/main">
+  <p:cSld>
+    <p:spTree>
+      <p:nvGrpSpPr>
+        <p:cNvPr id="1" name=""/>
+        <p:cNvGrpSpPr/>
+        <p:nvPr/>
+      </p:nvGrpSpPr>
+      <p:grpSpPr>
+        <a:xfrm>
+          <a:off x="0" y="0"/>
+          <a:ext cx="0" cy="0"/>
+          <a:chOff x="0" y="0"/>
+          <a:chExt cx="0" cy="0"/>
+        </a:xfrm>
+      </p:grpSpPr>
+      <p:sp>
+        <p:nvSpPr>
+          <p:cNvPr id="4" name="object 2">
+            <a:extLst>
+              <a:ext uri="{FF2B5EF4-FFF2-40B4-BE49-F238E27FC236}">
+                <a16:creationId xmlns:a16="http://schemas.microsoft.com/office/drawing/2014/main" id="{406CDEF5-390D-44B2-9F57-753D96126B46}"/>
+              </a:ext>
+            </a:extLst>
+          </p:cNvPr>
+          <p:cNvSpPr txBox="1">
+            <a:spLocks noGrp="1"/>
+          </p:cNvSpPr>
+          <p:nvPr>
+            <p:ph type="title"/>
+          </p:nvPr>
+        </p:nvSpPr>
+        <p:spPr>
+          <a:xfrm>
+            <a:off x="1174375" y="1375376"/>
+            <a:ext cx="8561296" cy="597815"/>
+          </a:xfrm>
+          <a:prstGeom prst="rect">
+            <a:avLst/>
+          </a:prstGeom>
+        </p:spPr>
+        <p:txBody>
+          <a:bodyPr vert="horz" wrap="square" lIns="0" tIns="11516" rIns="0" bIns="0" rtlCol="0">
+            <a:spAutoFit/>
+          </a:bodyPr>
+          <a:lstStyle/>
+          <a:p>
+            <a:pPr marL="11516">
+              <a:spcBef>
+                <a:spcPts val="91"/>
+              </a:spcBef>
+            </a:pPr>
+            <a:r>
+              <a:rPr lang="en-US" sz="3809" dirty="0"/>
+              <a:t>Threshold values</a:t>
+            </a:r>
+            <a:endParaRPr sz="3809" dirty="0"/>
+          </a:p>
+        </p:txBody>
+      </p:sp>
+      <p:sp>
+        <p:nvSpPr>
+          <p:cNvPr id="5" name="CasellaDiTesto 4">
+            <a:extLst>
+              <a:ext uri="{FF2B5EF4-FFF2-40B4-BE49-F238E27FC236}">
+                <a16:creationId xmlns:a16="http://schemas.microsoft.com/office/drawing/2014/main" id="{6804F70F-8119-4720-919B-DEFB41FA1485}"/>
+              </a:ext>
+            </a:extLst>
+          </p:cNvPr>
+          <p:cNvSpPr txBox="1"/>
+          <p:nvPr/>
+        </p:nvSpPr>
+        <p:spPr>
+          <a:xfrm>
+            <a:off x="1102657" y="2330823"/>
+            <a:ext cx="9712980" cy="2308324"/>
+          </a:xfrm>
+          <a:prstGeom prst="rect">
+            <a:avLst/>
+          </a:prstGeom>
+          <a:noFill/>
+        </p:spPr>
+        <p:txBody>
+          <a:bodyPr wrap="none" rtlCol="0">
+            <a:spAutoFit/>
+          </a:bodyPr>
+          <a:lstStyle/>
+          <a:p>
+            <a:pPr marL="0" marR="0" lvl="0" indent="0" algn="l" defTabSz="914400" rtl="0" eaLnBrk="1" fontAlgn="auto" latinLnBrk="0" hangingPunct="1">
+              <a:lnSpc>
+                <a:spcPct val="100000"/>
+              </a:lnSpc>
+              <a:spcBef>
+                <a:spcPts val="0"/>
+              </a:spcBef>
+              <a:spcAft>
+                <a:spcPts val="0"/>
+              </a:spcAft>
+              <a:buClrTx/>
+              <a:buSzTx/>
+              <a:buFontTx/>
+              <a:buNone/>
+              <a:tabLst/>
+              <a:defRPr/>
+            </a:pPr>
+            <a:r>
+              <a:rPr kumimoji="0" lang="en-US" sz="1800" b="0" i="0" u="none" strike="noStrike" kern="1200" cap="none" spc="0" normalizeH="0" baseline="0" noProof="0" dirty="0">
+                <a:ln>
+                  <a:noFill/>
+                </a:ln>
+                <a:solidFill>
+                  <a:prstClr val="black"/>
+                </a:solidFill>
+                <a:effectLst/>
+                <a:uLnTx/>
+                <a:uFillTx/>
+                <a:latin typeface="Arial" panose="020B0604020202020204" pitchFamily="34" charset="0"/>
+                <a:ea typeface="+mn-ea"/>
+                <a:cs typeface="Arial" panose="020B0604020202020204" pitchFamily="34" charset="0"/>
+              </a:rPr>
+              <a:t>To choose the threshold values we counted how many tweets are labeled as positive (in a </a:t>
+            </a:r>
+            <a:r>
+              <a:rPr lang="en-US" dirty="0">
+                <a:solidFill>
+                  <a:prstClr val="black"/>
+                </a:solidFill>
+                <a:latin typeface="Arial" panose="020B0604020202020204" pitchFamily="34" charset="0"/>
+                <a:cs typeface="Arial" panose="020B0604020202020204" pitchFamily="34" charset="0"/>
+              </a:rPr>
+              <a:t>10 </a:t>
+            </a:r>
+          </a:p>
+          <a:p>
+            <a:pPr lvl="0">
+              <a:defRPr/>
+            </a:pPr>
+            <a:r>
+              <a:rPr lang="en-US" dirty="0">
+                <a:solidFill>
+                  <a:prstClr val="black"/>
+                </a:solidFill>
+                <a:latin typeface="Arial" panose="020B0604020202020204" pitchFamily="34" charset="0"/>
+                <a:cs typeface="Arial" panose="020B0604020202020204" pitchFamily="34" charset="0"/>
+              </a:rPr>
+              <a:t>minute span) in three different cases and compared those values:</a:t>
+            </a:r>
+          </a:p>
+          <a:p>
+            <a:pPr marL="285750" marR="0" lvl="0" indent="-285750" algn="l" defTabSz="914400" rtl="0" eaLnBrk="1" fontAlgn="auto" latinLnBrk="0" hangingPunct="1">
+              <a:lnSpc>
+                <a:spcPct val="100000"/>
+              </a:lnSpc>
+              <a:spcBef>
+                <a:spcPts val="0"/>
+              </a:spcBef>
+              <a:spcAft>
+                <a:spcPts val="0"/>
+              </a:spcAft>
+              <a:buClrTx/>
+              <a:buSzTx/>
+              <a:buFont typeface="Arial" panose="020B0604020202020204" pitchFamily="34" charset="0"/>
+              <a:buChar char="•"/>
+              <a:tabLst/>
+              <a:defRPr/>
+            </a:pPr>
+            <a:r>
+              <a:rPr lang="en-US" dirty="0">
+                <a:solidFill>
+                  <a:prstClr val="black"/>
+                </a:solidFill>
+                <a:latin typeface="Arial" panose="020B0604020202020204" pitchFamily="34" charset="0"/>
+                <a:cs typeface="Arial" panose="020B0604020202020204" pitchFamily="34" charset="0"/>
+              </a:rPr>
+              <a:t>tweets relative to a catastrophic earthquake.</a:t>
+            </a:r>
+          </a:p>
+          <a:p>
+            <a:pPr marL="285750" marR="0" lvl="0" indent="-285750" algn="l" defTabSz="914400" rtl="0" eaLnBrk="1" fontAlgn="auto" latinLnBrk="0" hangingPunct="1">
+              <a:lnSpc>
+                <a:spcPct val="100000"/>
+              </a:lnSpc>
+              <a:spcBef>
+                <a:spcPts val="0"/>
+              </a:spcBef>
+              <a:spcAft>
+                <a:spcPts val="0"/>
+              </a:spcAft>
+              <a:buClrTx/>
+              <a:buSzTx/>
+              <a:buFont typeface="Arial" panose="020B0604020202020204" pitchFamily="34" charset="0"/>
+              <a:buChar char="•"/>
+              <a:tabLst/>
+              <a:defRPr/>
+            </a:pPr>
+            <a:r>
+              <a:rPr lang="en-US" dirty="0">
+                <a:solidFill>
+                  <a:prstClr val="black"/>
+                </a:solidFill>
+                <a:latin typeface="Arial" panose="020B0604020202020204" pitchFamily="34" charset="0"/>
+                <a:cs typeface="Arial" panose="020B0604020202020204" pitchFamily="34" charset="0"/>
+              </a:rPr>
+              <a:t>tweets relative to a non-catastrophic earthquake.</a:t>
+            </a:r>
+          </a:p>
+          <a:p>
+            <a:pPr marL="285750" marR="0" lvl="0" indent="-285750" algn="l" defTabSz="914400" rtl="0" eaLnBrk="1" fontAlgn="auto" latinLnBrk="0" hangingPunct="1">
+              <a:lnSpc>
+                <a:spcPct val="100000"/>
+              </a:lnSpc>
+              <a:spcBef>
+                <a:spcPts val="0"/>
+              </a:spcBef>
+              <a:spcAft>
+                <a:spcPts val="0"/>
+              </a:spcAft>
+              <a:buClrTx/>
+              <a:buSzTx/>
+              <a:buFont typeface="Arial" panose="020B0604020202020204" pitchFamily="34" charset="0"/>
+              <a:buChar char="•"/>
+              <a:tabLst/>
+              <a:defRPr/>
+            </a:pPr>
+            <a:r>
+              <a:rPr lang="en-US" dirty="0">
+                <a:solidFill>
+                  <a:prstClr val="black"/>
+                </a:solidFill>
+                <a:latin typeface="Arial" panose="020B0604020202020204" pitchFamily="34" charset="0"/>
+                <a:cs typeface="Arial" panose="020B0604020202020204" pitchFamily="34" charset="0"/>
+              </a:rPr>
+              <a:t>tweets relative to a date without earthquake.</a:t>
+            </a:r>
+          </a:p>
+          <a:p>
+            <a:pPr marR="0" lvl="0" algn="l" defTabSz="914400" rtl="0" eaLnBrk="1" fontAlgn="auto" latinLnBrk="0" hangingPunct="1">
+              <a:lnSpc>
+                <a:spcPct val="100000"/>
+              </a:lnSpc>
+              <a:spcBef>
+                <a:spcPts val="0"/>
+              </a:spcBef>
+              <a:spcAft>
+                <a:spcPts val="0"/>
+              </a:spcAft>
+              <a:buClrTx/>
+              <a:buSzTx/>
+              <a:tabLst/>
+              <a:defRPr/>
+            </a:pPr>
+            <a:endParaRPr lang="en-US" dirty="0">
+              <a:solidFill>
+                <a:prstClr val="black"/>
+              </a:solidFill>
+              <a:latin typeface="Arial" panose="020B0604020202020204" pitchFamily="34" charset="0"/>
+              <a:cs typeface="Arial" panose="020B0604020202020204" pitchFamily="34" charset="0"/>
+            </a:endParaRPr>
+          </a:p>
+          <a:p>
+            <a:pPr marR="0" lvl="0" algn="l" defTabSz="914400" rtl="0" eaLnBrk="1" fontAlgn="auto" latinLnBrk="0" hangingPunct="1">
+              <a:lnSpc>
+                <a:spcPct val="100000"/>
+              </a:lnSpc>
+              <a:spcBef>
+                <a:spcPts val="0"/>
+              </a:spcBef>
+              <a:spcAft>
+                <a:spcPts val="0"/>
+              </a:spcAft>
+              <a:buClrTx/>
+              <a:buSzTx/>
+              <a:tabLst/>
+              <a:defRPr/>
+            </a:pPr>
+            <a:r>
+              <a:rPr lang="en-US" dirty="0">
+                <a:solidFill>
+                  <a:prstClr val="black"/>
+                </a:solidFill>
+                <a:latin typeface="Arial" panose="020B0604020202020204" pitchFamily="34" charset="0"/>
+                <a:cs typeface="Arial" panose="020B0604020202020204" pitchFamily="34" charset="0"/>
+              </a:rPr>
+              <a:t>Considering those thresholds, if an earthquake has been recognized, its </a:t>
+            </a:r>
+            <a:r>
+              <a:rPr lang="en-US" dirty="0" err="1">
+                <a:solidFill>
+                  <a:prstClr val="black"/>
+                </a:solidFill>
+                <a:latin typeface="Arial" panose="020B0604020202020204" pitchFamily="34" charset="0"/>
+                <a:cs typeface="Arial" panose="020B0604020202020204" pitchFamily="34" charset="0"/>
+              </a:rPr>
+              <a:t>informations</a:t>
+            </a:r>
+            <a:endParaRPr lang="en-US" dirty="0">
+              <a:solidFill>
+                <a:prstClr val="black"/>
+              </a:solidFill>
+              <a:latin typeface="Arial" panose="020B0604020202020204" pitchFamily="34" charset="0"/>
+              <a:cs typeface="Arial" panose="020B0604020202020204" pitchFamily="34" charset="0"/>
+            </a:endParaRPr>
+          </a:p>
+          <a:p>
+            <a:pPr marR="0" lvl="0" algn="l" defTabSz="914400" rtl="0" eaLnBrk="1" fontAlgn="auto" latinLnBrk="0" hangingPunct="1">
+              <a:lnSpc>
+                <a:spcPct val="100000"/>
+              </a:lnSpc>
+              <a:spcBef>
+                <a:spcPts val="0"/>
+              </a:spcBef>
+              <a:spcAft>
+                <a:spcPts val="0"/>
+              </a:spcAft>
+              <a:buClrTx/>
+              <a:buSzTx/>
+              <a:tabLst/>
+              <a:defRPr/>
+            </a:pPr>
+            <a:r>
+              <a:rPr lang="en-US" dirty="0">
+                <a:solidFill>
+                  <a:prstClr val="black"/>
+                </a:solidFill>
+                <a:latin typeface="Arial" panose="020B0604020202020204" pitchFamily="34" charset="0"/>
+                <a:cs typeface="Arial" panose="020B0604020202020204" pitchFamily="34" charset="0"/>
+              </a:rPr>
+              <a:t>are stored into a </a:t>
+            </a:r>
+            <a:r>
+              <a:rPr lang="en-US" dirty="0" err="1">
+                <a:solidFill>
+                  <a:prstClr val="black"/>
+                </a:solidFill>
+                <a:latin typeface="Arial" panose="020B0604020202020204" pitchFamily="34" charset="0"/>
+                <a:cs typeface="Arial" panose="020B0604020202020204" pitchFamily="34" charset="0"/>
+              </a:rPr>
+              <a:t>sql</a:t>
+            </a:r>
+            <a:r>
+              <a:rPr lang="en-US" dirty="0">
+                <a:solidFill>
+                  <a:prstClr val="black"/>
+                </a:solidFill>
+                <a:latin typeface="Arial" panose="020B0604020202020204" pitchFamily="34" charset="0"/>
+                <a:cs typeface="Arial" panose="020B0604020202020204" pitchFamily="34" charset="0"/>
+              </a:rPr>
+              <a:t> database and showed on the application.</a:t>
+            </a:r>
+          </a:p>
+        </p:txBody>
+      </p:sp>
+    </p:spTree>
+    <p:extLst>
+      <p:ext uri="{BB962C8B-B14F-4D97-AF65-F5344CB8AC3E}">
+        <p14:creationId xmlns:p14="http://schemas.microsoft.com/office/powerpoint/2010/main" val="630529393"/>
+      </p:ext>
+    </p:extLst>
+  </p:cSld>
+  <p:clrMapOvr>
+    <a:masterClrMapping/>
+  </p:clrMapOvr>
 </p:sld>
 </file>
 
@@ -7633,7 +8317,7 @@
               </a:spcBef>
             </a:pPr>
             <a:r>
-              <a:rPr lang="en-US" sz="3809" dirty="0" smtClean="0"/>
+              <a:rPr lang="en-US" sz="3809" dirty="0"/>
               <a:t>Motivation</a:t>
             </a:r>
             <a:endParaRPr sz="3809" dirty="0"/>
@@ -7670,7 +8354,7 @@
               </a:spcBef>
             </a:pPr>
             <a:r>
-              <a:rPr lang="en-US" dirty="0" smtClean="0">
+              <a:rPr lang="en-US" dirty="0">
                 <a:solidFill>
                   <a:prstClr val="black"/>
                 </a:solidFill>
@@ -7707,14 +8391,14 @@
               </a:spcBef>
             </a:pPr>
             <a:r>
-              <a:rPr lang="en-US" dirty="0" smtClean="0">
+              <a:rPr lang="en-US" dirty="0">
                 <a:solidFill>
                   <a:prstClr val="black"/>
                 </a:solidFill>
                 <a:latin typeface="Arial"/>
                 <a:cs typeface="Arial"/>
               </a:rPr>
-              <a:t>We developed an application for real-time monitoring of earthquake event detection. To do that, we analyzed tweets related to that topic using text analysis techniques; at the end we created a model able to classify tweets.</a:t>
+              <a:t>We developed an application for real-time monitoring of serious earthquake event detection. To do that, we analyzed tweets related to that topic using text analysis techniques; at the end we created a model able to classify tweets.</a:t>
             </a:r>
             <a:endParaRPr dirty="0">
               <a:solidFill>
@@ -7736,13 +8420,6 @@
   <p:clrMapOvr>
     <a:masterClrMapping/>
   </p:clrMapOvr>
-  <p:timing>
-    <p:tnLst>
-      <p:par>
-        <p:cTn id="1" dur="indefinite" restart="never" nodeType="tmRoot"/>
-      </p:par>
-    </p:tnLst>
-  </p:timing>
 </p:sld>
 </file>
 
@@ -7794,7 +8471,7 @@
               </a:spcBef>
             </a:pPr>
             <a:r>
-              <a:rPr lang="en-US" sz="3809" dirty="0" smtClean="0"/>
+              <a:rPr lang="en-US" sz="3809" dirty="0"/>
               <a:t>Dataset (I)</a:t>
             </a:r>
             <a:endParaRPr sz="3809" dirty="0"/>
@@ -7827,103 +8504,40 @@
                 <a:latin typeface="Arial" panose="020B0604020202020204" pitchFamily="34" charset="0"/>
                 <a:cs typeface="Arial" panose="020B0604020202020204" pitchFamily="34" charset="0"/>
               </a:rPr>
-              <a:t>In order to build our classifier raw tweets have been scraped using a twitter scraping tool </a:t>
-            </a:r>
-            <a:r>
-              <a:rPr lang="en-US" dirty="0" smtClean="0">
+              <a:t>In order to build our classifier, raw tweets have been scraped using a twitter scraping tool called </a:t>
+            </a:r>
+            <a:r>
+              <a:rPr lang="en-US" dirty="0" err="1">
                 <a:latin typeface="Arial" panose="020B0604020202020204" pitchFamily="34" charset="0"/>
                 <a:cs typeface="Arial" panose="020B0604020202020204" pitchFamily="34" charset="0"/>
               </a:rPr>
-              <a:t>called </a:t>
-            </a:r>
-            <a:r>
-              <a:rPr lang="en-US" dirty="0" err="1" smtClean="0">
-                <a:latin typeface="Arial" panose="020B0604020202020204" pitchFamily="34" charset="0"/>
-                <a:cs typeface="Arial" panose="020B0604020202020204" pitchFamily="34" charset="0"/>
-              </a:rPr>
               <a:t>Twint</a:t>
-            </a:r>
-            <a:r>
-              <a:rPr lang="en-US" dirty="0" smtClean="0">
-                <a:latin typeface="Arial" panose="020B0604020202020204" pitchFamily="34" charset="0"/>
-                <a:cs typeface="Arial" panose="020B0604020202020204" pitchFamily="34" charset="0"/>
-              </a:rPr>
-              <a:t> </a:t>
             </a:r>
             <a:r>
               <a:rPr lang="en-US" dirty="0">
                 <a:latin typeface="Arial" panose="020B0604020202020204" pitchFamily="34" charset="0"/>
                 <a:cs typeface="Arial" panose="020B0604020202020204" pitchFamily="34" charset="0"/>
               </a:rPr>
-              <a:t>written in Python. </a:t>
-            </a:r>
-            <a:r>
-              <a:rPr lang="en-US" dirty="0" smtClean="0">
+              <a:t> written in Python. Given location, tags to search for and a timestamp (or a date interval), returns the </a:t>
+            </a:r>
+            <a:r>
+              <a:rPr lang="en-US" dirty="0" err="1">
                 <a:latin typeface="Arial" panose="020B0604020202020204" pitchFamily="34" charset="0"/>
                 <a:cs typeface="Arial" panose="020B0604020202020204" pitchFamily="34" charset="0"/>
               </a:rPr>
-              <a:t>Given location</a:t>
+              <a:t>informations</a:t>
             </a:r>
             <a:r>
               <a:rPr lang="en-US" dirty="0">
                 <a:latin typeface="Arial" panose="020B0604020202020204" pitchFamily="34" charset="0"/>
                 <a:cs typeface="Arial" panose="020B0604020202020204" pitchFamily="34" charset="0"/>
               </a:rPr>
-              <a:t>, tags to search for and a timestamp (or a date interval</a:t>
-            </a:r>
-            <a:r>
-              <a:rPr lang="en-US" dirty="0" smtClean="0">
-                <a:latin typeface="Arial" panose="020B0604020202020204" pitchFamily="34" charset="0"/>
-                <a:cs typeface="Arial" panose="020B0604020202020204" pitchFamily="34" charset="0"/>
-              </a:rPr>
-              <a:t>),</a:t>
-            </a:r>
-            <a:r>
-              <a:rPr lang="en-US" dirty="0">
-                <a:latin typeface="Arial" panose="020B0604020202020204" pitchFamily="34" charset="0"/>
-                <a:cs typeface="Arial" panose="020B0604020202020204" pitchFamily="34" charset="0"/>
-              </a:rPr>
-              <a:t> </a:t>
-            </a:r>
-            <a:r>
-              <a:rPr lang="en-US" dirty="0" smtClean="0">
-                <a:latin typeface="Arial" panose="020B0604020202020204" pitchFamily="34" charset="0"/>
-                <a:cs typeface="Arial" panose="020B0604020202020204" pitchFamily="34" charset="0"/>
-              </a:rPr>
-              <a:t>returns </a:t>
-            </a:r>
-            <a:r>
-              <a:rPr lang="en-US" dirty="0">
-                <a:latin typeface="Arial" panose="020B0604020202020204" pitchFamily="34" charset="0"/>
-                <a:cs typeface="Arial" panose="020B0604020202020204" pitchFamily="34" charset="0"/>
-              </a:rPr>
-              <a:t>the </a:t>
-            </a:r>
-            <a:r>
-              <a:rPr lang="en-US" dirty="0" err="1">
-                <a:latin typeface="Arial" panose="020B0604020202020204" pitchFamily="34" charset="0"/>
-                <a:cs typeface="Arial" panose="020B0604020202020204" pitchFamily="34" charset="0"/>
-              </a:rPr>
-              <a:t>informations</a:t>
-            </a:r>
-            <a:r>
-              <a:rPr lang="en-US" dirty="0">
-                <a:latin typeface="Arial" panose="020B0604020202020204" pitchFamily="34" charset="0"/>
-                <a:cs typeface="Arial" panose="020B0604020202020204" pitchFamily="34" charset="0"/>
-              </a:rPr>
-              <a:t> about the tweets matching those </a:t>
-            </a:r>
-            <a:r>
-              <a:rPr lang="en-US" dirty="0" smtClean="0">
-                <a:latin typeface="Arial" panose="020B0604020202020204" pitchFamily="34" charset="0"/>
-                <a:cs typeface="Arial" panose="020B0604020202020204" pitchFamily="34" charset="0"/>
-              </a:rPr>
-              <a:t>parameters. </a:t>
-            </a:r>
-          </a:p>
-          <a:p>
-            <a:r>
-              <a:rPr kumimoji="0" lang="en-US" b="0" i="0" u="none" strike="noStrike" kern="1200" cap="none" spc="0" normalizeH="0" baseline="0" noProof="0" dirty="0" smtClean="0">
+              <a:t> about the tweets matching those parameters. </a:t>
+            </a:r>
+          </a:p>
+          <a:p>
+            <a:r>
+              <a:rPr kumimoji="0" lang="en-US" b="0" i="0" u="none" strike="noStrike" kern="1200" cap="none" spc="0" normalizeH="0" baseline="0" noProof="0" dirty="0">
                 <a:ln>
                   <a:noFill/>
                 </a:ln>
@@ -7939,7 +8553,7 @@
               <a:t>To build the training set,</a:t>
             </a:r>
             <a:r>
-              <a:rPr kumimoji="0" lang="en-US" b="0" i="0" u="none" strike="noStrike" kern="1200" cap="none" spc="0" normalizeH="0" noProof="0" dirty="0" smtClean="0">
+              <a:rPr kumimoji="0" lang="en-US" b="0" i="0" u="none" strike="noStrike" kern="1200" cap="none" spc="0" normalizeH="0" noProof="0" dirty="0">
                 <a:ln>
                   <a:noFill/>
                 </a:ln>
@@ -7956,22 +8570,37 @@
             </a:r>
           </a:p>
           <a:p>
+            <a:endParaRPr kumimoji="0" lang="en-US" b="0" i="0" u="none" strike="noStrike" kern="1200" cap="none" spc="0" normalizeH="0" noProof="0" dirty="0">
+              <a:ln>
+                <a:noFill/>
+              </a:ln>
+              <a:solidFill>
+                <a:prstClr val="black"/>
+              </a:solidFill>
+              <a:effectLst/>
+              <a:uLnTx/>
+              <a:uFillTx/>
+              <a:latin typeface="Arial" panose="020B0604020202020204" pitchFamily="34" charset="0"/>
+              <a:cs typeface="Arial" panose="020B0604020202020204" pitchFamily="34" charset="0"/>
+            </a:endParaRPr>
+          </a:p>
+          <a:p>
             <a:pPr marL="285750" indent="-285750">
               <a:buFont typeface="Arial" panose="020B0604020202020204" pitchFamily="34" charset="0"/>
               <a:buChar char="•"/>
             </a:pPr>
             <a:r>
-              <a:rPr lang="en-US" dirty="0" smtClean="0">
+              <a:rPr lang="en-US" dirty="0">
                 <a:solidFill>
                   <a:prstClr val="black"/>
                 </a:solidFill>
                 <a:latin typeface="Arial" panose="020B0604020202020204" pitchFamily="34" charset="0"/>
                 <a:cs typeface="Arial" panose="020B0604020202020204" pitchFamily="34" charset="0"/>
               </a:rPr>
-              <a:t>The first query selects tweets in Italy matching the tag #</a:t>
-            </a:r>
-            <a:r>
-              <a:rPr lang="en-US" dirty="0" err="1" smtClean="0">
+              <a:t>The first query selects tweets in Italy matching the keyword “</a:t>
+            </a:r>
+            <a:r>
+              <a:rPr lang="en-US" dirty="0" err="1">
                 <a:solidFill>
                   <a:prstClr val="black"/>
                 </a:solidFill>
@@ -7980,13 +8609,16 @@
               </a:rPr>
               <a:t>terremoto</a:t>
             </a:r>
-            <a:endParaRPr lang="en-US" dirty="0" smtClean="0">
-              <a:solidFill>
-                <a:prstClr val="black"/>
-              </a:solidFill>
-              <a:latin typeface="Arial" panose="020B0604020202020204" pitchFamily="34" charset="0"/>
-              <a:cs typeface="Arial" panose="020B0604020202020204" pitchFamily="34" charset="0"/>
-            </a:endParaRPr>
+            <a:r>
+              <a:rPr lang="en-US" dirty="0">
+                <a:solidFill>
+                  <a:prstClr val="black"/>
+                </a:solidFill>
+                <a:latin typeface="Arial" panose="020B0604020202020204" pitchFamily="34" charset="0"/>
+                <a:cs typeface="Arial" panose="020B0604020202020204" pitchFamily="34" charset="0"/>
+              </a:rPr>
+              <a:t>”.</a:t>
+            </a:r>
           </a:p>
           <a:p>
             <a:pPr marL="285750" indent="-285750">
@@ -7994,22 +8626,15 @@
               <a:buChar char="•"/>
             </a:pPr>
             <a:r>
-              <a:rPr lang="en-US" dirty="0" smtClean="0">
+              <a:rPr lang="en-US" dirty="0">
                 <a:solidFill>
                   <a:prstClr val="black"/>
                 </a:solidFill>
                 <a:latin typeface="Arial" panose="020B0604020202020204" pitchFamily="34" charset="0"/>
                 <a:cs typeface="Arial" panose="020B0604020202020204" pitchFamily="34" charset="0"/>
               </a:rPr>
-              <a:t>The second query selects the tweets in Italy without tags</a:t>
-            </a:r>
-            <a:endParaRPr lang="en-US" dirty="0">
-              <a:solidFill>
-                <a:prstClr val="black"/>
-              </a:solidFill>
-              <a:latin typeface="Arial" panose="020B0604020202020204" pitchFamily="34" charset="0"/>
-              <a:cs typeface="Arial" panose="020B0604020202020204" pitchFamily="34" charset="0"/>
-            </a:endParaRPr>
+              <a:t>The second query selects the tweets in Italy without tags.</a:t>
+            </a:r>
           </a:p>
           <a:p>
             <a:pPr marL="285750" indent="-285750">
@@ -8030,21 +8655,7 @@
                 <a:latin typeface="Arial" panose="020B0604020202020204" pitchFamily="34" charset="0"/>
                 <a:cs typeface="Arial" panose="020B0604020202020204" pitchFamily="34" charset="0"/>
               </a:rPr>
-              <a:t>Another database was created by collecting (in the same way) tweets between the dates </a:t>
-            </a:r>
-            <a:r>
-              <a:rPr lang="en-US" dirty="0" smtClean="0">
-                <a:latin typeface="Arial" panose="020B0604020202020204" pitchFamily="34" charset="0"/>
-                <a:cs typeface="Arial" panose="020B0604020202020204" pitchFamily="34" charset="0"/>
-              </a:rPr>
-              <a:t>2017-06-30 </a:t>
-            </a:r>
-            <a:r>
-              <a:rPr lang="en-US" dirty="0">
-                <a:latin typeface="Arial" panose="020B0604020202020204" pitchFamily="34" charset="0"/>
-                <a:cs typeface="Arial" panose="020B0604020202020204" pitchFamily="34" charset="0"/>
-              </a:rPr>
-              <a:t>and 2016-06-01.</a:t>
+              <a:t>Another database was created by collecting tweets between the dates 2017-06-30 and 2016-06-01.</a:t>
             </a:r>
           </a:p>
         </p:txBody>
@@ -8059,13 +8670,6 @@
   <p:clrMapOvr>
     <a:masterClrMapping/>
   </p:clrMapOvr>
-  <p:timing>
-    <p:tnLst>
-      <p:par>
-        <p:cTn id="1" dur="indefinite" restart="never" nodeType="tmRoot"/>
-      </p:par>
-    </p:tnLst>
-  </p:timing>
 </p:sld>
 </file>
 
@@ -8117,7 +8721,7 @@
               </a:spcBef>
             </a:pPr>
             <a:r>
-              <a:rPr lang="en-US" sz="3809" dirty="0" smtClean="0"/>
+              <a:rPr lang="en-US" sz="3809" dirty="0"/>
               <a:t>Dataset (II)</a:t>
             </a:r>
             <a:endParaRPr sz="3809" dirty="0"/>
@@ -8147,20 +8751,20 @@
           <a:lstStyle/>
           <a:p>
             <a:r>
-              <a:rPr lang="en-US" dirty="0" smtClean="0">
+              <a:rPr lang="en-US" dirty="0">
                 <a:latin typeface="Arial" panose="020B0604020202020204" pitchFamily="34" charset="0"/>
                 <a:cs typeface="Arial" panose="020B0604020202020204" pitchFamily="34" charset="0"/>
               </a:rPr>
               <a:t>Once the database about tweets of 2016-2017 were created, we realized an histogram to check </a:t>
             </a:r>
             <a:br>
-              <a:rPr lang="en-US" dirty="0" smtClean="0">
+              <a:rPr lang="en-US" dirty="0">
                 <a:latin typeface="Arial" panose="020B0604020202020204" pitchFamily="34" charset="0"/>
                 <a:cs typeface="Arial" panose="020B0604020202020204" pitchFamily="34" charset="0"/>
               </a:rPr>
             </a:br>
             <a:r>
-              <a:rPr lang="en-US" dirty="0" smtClean="0">
+              <a:rPr lang="en-US" dirty="0">
                 <a:latin typeface="Arial" panose="020B0604020202020204" pitchFamily="34" charset="0"/>
                 <a:cs typeface="Arial" panose="020B0604020202020204" pitchFamily="34" charset="0"/>
               </a:rPr>
@@ -8178,7 +8782,7 @@
         <p:spPr>
           <a:xfrm>
             <a:off x="1096724" y="3198661"/>
-            <a:ext cx="4878259" cy="923330"/>
+            <a:ext cx="5006499" cy="923330"/>
           </a:xfrm>
           <a:prstGeom prst="rect">
             <a:avLst/>
@@ -8192,42 +8796,38 @@
           <a:lstStyle/>
           <a:p>
             <a:r>
-              <a:rPr lang="en-US" dirty="0" smtClean="0">
+              <a:rPr lang="en-US" dirty="0">
                 <a:latin typeface="Arial" panose="020B0604020202020204" pitchFamily="34" charset="0"/>
                 <a:cs typeface="Arial" panose="020B0604020202020204" pitchFamily="34" charset="0"/>
               </a:rPr>
               <a:t>As we can see, there 3 major spikes relative</a:t>
             </a:r>
             <a:br>
-              <a:rPr lang="en-US" dirty="0" smtClean="0">
+              <a:rPr lang="en-US" dirty="0">
                 <a:latin typeface="Arial" panose="020B0604020202020204" pitchFamily="34" charset="0"/>
                 <a:cs typeface="Arial" panose="020B0604020202020204" pitchFamily="34" charset="0"/>
               </a:rPr>
             </a:br>
             <a:r>
-              <a:rPr lang="en-US" dirty="0" smtClean="0">
+              <a:rPr lang="en-US" dirty="0">
                 <a:latin typeface="Arial" panose="020B0604020202020204" pitchFamily="34" charset="0"/>
                 <a:cs typeface="Arial" panose="020B0604020202020204" pitchFamily="34" charset="0"/>
               </a:rPr>
-              <a:t>to the 24-08-206, 30-10-2016 and 28-01-2017</a:t>
+              <a:t>to the 24-08-2016, 30-10-2016 and 18-01-2017</a:t>
             </a:r>
             <a:br>
-              <a:rPr lang="en-US" dirty="0" smtClean="0">
+              <a:rPr lang="en-US" dirty="0">
                 <a:latin typeface="Arial" panose="020B0604020202020204" pitchFamily="34" charset="0"/>
                 <a:cs typeface="Arial" panose="020B0604020202020204" pitchFamily="34" charset="0"/>
               </a:rPr>
             </a:br>
             <a:r>
-              <a:rPr lang="en-US" dirty="0" smtClean="0">
+              <a:rPr lang="en-US" dirty="0">
                 <a:latin typeface="Arial" panose="020B0604020202020204" pitchFamily="34" charset="0"/>
                 <a:cs typeface="Arial" panose="020B0604020202020204" pitchFamily="34" charset="0"/>
               </a:rPr>
               <a:t>huge earthquakes.</a:t>
             </a:r>
-            <a:endParaRPr lang="en-US" dirty="0">
-              <a:latin typeface="Arial" panose="020B0604020202020204" pitchFamily="34" charset="0"/>
-              <a:cs typeface="Arial" panose="020B0604020202020204" pitchFamily="34" charset="0"/>
-            </a:endParaRPr>
           </a:p>
         </p:txBody>
       </p:sp>
@@ -8271,13 +8871,6 @@
   <p:clrMapOvr>
     <a:masterClrMapping/>
   </p:clrMapOvr>
-  <p:timing>
-    <p:tnLst>
-      <p:par>
-        <p:cTn id="1" dur="indefinite" restart="never" nodeType="tmRoot"/>
-      </p:par>
-    </p:tnLst>
-  </p:timing>
 </p:sld>
 </file>
 
@@ -8329,7 +8922,7 @@
               </a:spcBef>
             </a:pPr>
             <a:r>
-              <a:rPr lang="en-US" sz="3809" dirty="0" smtClean="0"/>
+              <a:rPr lang="en-US" sz="3809" dirty="0"/>
               <a:t>Training set</a:t>
             </a:r>
             <a:endParaRPr sz="3809" dirty="0"/>
@@ -8345,7 +8938,7 @@
         <p:spPr>
           <a:xfrm>
             <a:off x="1174376" y="2369937"/>
-            <a:ext cx="10130118" cy="844952"/>
+            <a:ext cx="10130118" cy="567953"/>
           </a:xfrm>
           <a:prstGeom prst="rect">
             <a:avLst/>
@@ -8375,33 +8968,34 @@
               <a:defRPr/>
             </a:pPr>
             <a:r>
-              <a:rPr lang="en-US" noProof="0" dirty="0" smtClean="0">
+              <a:rPr lang="en-US" noProof="0" dirty="0">
                 <a:solidFill>
                   <a:prstClr val="black"/>
                 </a:solidFill>
                 <a:latin typeface="Arial" panose="020B0604020202020204" pitchFamily="34" charset="0"/>
                 <a:cs typeface="Arial" panose="020B0604020202020204" pitchFamily="34" charset="0"/>
               </a:rPr>
-              <a:t>All labels (earthquakes, non-earthquakes) on tweets have been added manually. We ended up having a balanced data set of </a:t>
-            </a:r>
-            <a:br>
-              <a:rPr lang="en-US" noProof="0" dirty="0" smtClean="0">
+              <a:t>All labels (earthquakes, non-earthquakes) on tweets have been added manually. We ended up having a balanced data set of 608 tweets (</a:t>
+            </a:r>
+            <a:r>
+              <a:rPr lang="en-US" dirty="0">
                 <a:solidFill>
                   <a:prstClr val="black"/>
                 </a:solidFill>
                 <a:latin typeface="Arial" panose="020B0604020202020204" pitchFamily="34" charset="0"/>
                 <a:cs typeface="Arial" panose="020B0604020202020204" pitchFamily="34" charset="0"/>
               </a:rPr>
-            </a:br>
-            <a:r>
-              <a:rPr lang="en-US" noProof="0" dirty="0" smtClean="0">
+              <a:t>3</a:t>
+            </a:r>
+            <a:r>
+              <a:rPr lang="en-US" noProof="0" dirty="0">
                 <a:solidFill>
                   <a:prstClr val="black"/>
                 </a:solidFill>
                 <a:latin typeface="Arial" panose="020B0604020202020204" pitchFamily="34" charset="0"/>
                 <a:cs typeface="Arial" panose="020B0604020202020204" pitchFamily="34" charset="0"/>
               </a:rPr>
-              <a:t>circa 300 tweets per class, 600 tweets in total.</a:t>
+              <a:t>04 per class).</a:t>
             </a:r>
           </a:p>
         </p:txBody>
@@ -8428,14 +9022,133 @@
         </p:blipFill>
         <p:spPr>
           <a:xfrm>
-            <a:off x="6275970" y="3451413"/>
-            <a:ext cx="5028524" cy="1822840"/>
+            <a:off x="6703809" y="3431774"/>
+            <a:ext cx="4159935" cy="1822840"/>
           </a:xfrm>
           <a:prstGeom prst="rect">
             <a:avLst/>
           </a:prstGeom>
         </p:spPr>
       </p:pic>
+      <p:sp>
+        <p:nvSpPr>
+          <p:cNvPr id="5" name="object 3">
+            <a:extLst>
+              <a:ext uri="{FF2B5EF4-FFF2-40B4-BE49-F238E27FC236}">
+                <a16:creationId xmlns:a16="http://schemas.microsoft.com/office/drawing/2014/main" id="{772EC180-0364-4C8F-9EB5-0D9D1E45E083}"/>
+              </a:ext>
+            </a:extLst>
+          </p:cNvPr>
+          <p:cNvSpPr txBox="1"/>
+          <p:nvPr/>
+        </p:nvSpPr>
+        <p:spPr>
+          <a:xfrm>
+            <a:off x="1174376" y="3334636"/>
+            <a:ext cx="5101594" cy="1675948"/>
+          </a:xfrm>
+          <a:prstGeom prst="rect">
+            <a:avLst/>
+          </a:prstGeom>
+        </p:spPr>
+        <p:txBody>
+          <a:bodyPr vert="horz" wrap="square" lIns="0" tIns="13820" rIns="0" bIns="0" rtlCol="0">
+            <a:spAutoFit/>
+          </a:bodyPr>
+          <a:lstStyle/>
+          <a:p>
+            <a:pPr marL="0" marR="0" lvl="0" indent="0" algn="l" defTabSz="914400" rtl="0" eaLnBrk="1" fontAlgn="auto" latinLnBrk="0" hangingPunct="1">
+              <a:lnSpc>
+                <a:spcPct val="100000"/>
+              </a:lnSpc>
+              <a:spcBef>
+                <a:spcPts val="0"/>
+              </a:spcBef>
+              <a:spcAft>
+                <a:spcPts val="0"/>
+              </a:spcAft>
+              <a:buClrTx/>
+              <a:buSzTx/>
+              <a:buFontTx/>
+              <a:buNone/>
+              <a:tabLst/>
+              <a:defRPr/>
+            </a:pPr>
+            <a:r>
+              <a:rPr lang="en-US" noProof="0" dirty="0">
+                <a:solidFill>
+                  <a:prstClr val="black"/>
+                </a:solidFill>
+                <a:latin typeface="Arial" panose="020B0604020202020204" pitchFamily="34" charset="0"/>
+                <a:cs typeface="Arial" panose="020B0604020202020204" pitchFamily="34" charset="0"/>
+              </a:rPr>
+              <a:t>Earthquake class: tweets relative to a serious earthquake.</a:t>
+            </a:r>
+          </a:p>
+          <a:p>
+            <a:pPr marL="0" marR="0" lvl="0" indent="0" algn="l" defTabSz="914400" rtl="0" eaLnBrk="1" fontAlgn="auto" latinLnBrk="0" hangingPunct="1">
+              <a:lnSpc>
+                <a:spcPct val="100000"/>
+              </a:lnSpc>
+              <a:spcBef>
+                <a:spcPts val="0"/>
+              </a:spcBef>
+              <a:spcAft>
+                <a:spcPts val="0"/>
+              </a:spcAft>
+              <a:buClrTx/>
+              <a:buSzTx/>
+              <a:buFontTx/>
+              <a:buNone/>
+              <a:tabLst/>
+              <a:defRPr/>
+            </a:pPr>
+            <a:endParaRPr lang="en-US" dirty="0">
+              <a:solidFill>
+                <a:prstClr val="black"/>
+              </a:solidFill>
+              <a:latin typeface="Arial" panose="020B0604020202020204" pitchFamily="34" charset="0"/>
+              <a:cs typeface="Arial" panose="020B0604020202020204" pitchFamily="34" charset="0"/>
+            </a:endParaRPr>
+          </a:p>
+          <a:p>
+            <a:pPr marL="0" marR="0" lvl="0" indent="0" algn="l" defTabSz="914400" rtl="0" eaLnBrk="1" fontAlgn="auto" latinLnBrk="0" hangingPunct="1">
+              <a:lnSpc>
+                <a:spcPct val="100000"/>
+              </a:lnSpc>
+              <a:spcBef>
+                <a:spcPts val="0"/>
+              </a:spcBef>
+              <a:spcAft>
+                <a:spcPts val="0"/>
+              </a:spcAft>
+              <a:buClrTx/>
+              <a:buSzTx/>
+              <a:buFontTx/>
+              <a:buNone/>
+              <a:tabLst/>
+              <a:defRPr/>
+            </a:pPr>
+            <a:r>
+              <a:rPr lang="en-US" dirty="0">
+                <a:solidFill>
+                  <a:prstClr val="black"/>
+                </a:solidFill>
+                <a:latin typeface="Arial" panose="020B0604020202020204" pitchFamily="34" charset="0"/>
+                <a:cs typeface="Arial" panose="020B0604020202020204" pitchFamily="34" charset="0"/>
+              </a:rPr>
+              <a:t>Non-earthquake class: tweets NOT relative to serious earthquakes (minor earthquakes are labeled as non-earthquake too) </a:t>
+            </a:r>
+            <a:endParaRPr lang="en-US" noProof="0" dirty="0">
+              <a:solidFill>
+                <a:prstClr val="black"/>
+              </a:solidFill>
+              <a:latin typeface="Arial" panose="020B0604020202020204" pitchFamily="34" charset="0"/>
+              <a:cs typeface="Arial" panose="020B0604020202020204" pitchFamily="34" charset="0"/>
+            </a:endParaRPr>
+          </a:p>
+        </p:txBody>
+      </p:sp>
     </p:spTree>
     <p:extLst>
       <p:ext uri="{BB962C8B-B14F-4D97-AF65-F5344CB8AC3E}">
@@ -8446,13 +9159,6 @@
   <p:clrMapOvr>
     <a:masterClrMapping/>
   </p:clrMapOvr>
-  <p:timing>
-    <p:tnLst>
-      <p:par>
-        <p:cTn id="1" dur="indefinite" restart="never" nodeType="tmRoot"/>
-      </p:par>
-    </p:tnLst>
-  </p:timing>
 </p:sld>
 </file>
 
@@ -8504,7 +9210,7 @@
               </a:spcBef>
             </a:pPr>
             <a:r>
-              <a:rPr lang="en-US" sz="3809" dirty="0" smtClean="0"/>
+              <a:rPr lang="en-US" sz="3809" dirty="0"/>
               <a:t>Pre-processing</a:t>
             </a:r>
             <a:endParaRPr sz="3809" dirty="0"/>
@@ -8519,7 +9225,7 @@
         </p:nvSpPr>
         <p:spPr>
           <a:xfrm>
-            <a:off x="1174375" y="2907819"/>
+            <a:off x="1174375" y="2383683"/>
             <a:ext cx="10130118" cy="1121951"/>
           </a:xfrm>
           <a:prstGeom prst="rect">
@@ -8550,112 +9256,15 @@
               <a:defRPr/>
             </a:pPr>
             <a:r>
-              <a:rPr lang="en-US" dirty="0" smtClean="0">
+              <a:rPr lang="en-US" dirty="0">
                 <a:solidFill>
                   <a:prstClr val="black"/>
                 </a:solidFill>
                 <a:latin typeface="Arial" panose="020B0604020202020204" pitchFamily="34" charset="0"/>
                 <a:cs typeface="Arial" panose="020B0604020202020204" pitchFamily="34" charset="0"/>
               </a:rPr>
-              <a:t>After the tweets have been fetched, all of them have been pre-processed to extract only the raw text and remove all meta-information associated. All useless information have been discarded, like hashtags, mentions, links etc. </a:t>
-            </a:r>
-          </a:p>
-          <a:p>
-            <a:pPr marL="0" marR="0" lvl="0" indent="0" algn="just" defTabSz="914400" rtl="0" eaLnBrk="1" fontAlgn="auto" latinLnBrk="0" hangingPunct="1">
-              <a:lnSpc>
-                <a:spcPct val="100000"/>
-              </a:lnSpc>
-              <a:spcBef>
-                <a:spcPts val="0"/>
-              </a:spcBef>
-              <a:spcAft>
-                <a:spcPts val="0"/>
-              </a:spcAft>
-              <a:buClrTx/>
-              <a:buSzTx/>
-              <a:buFontTx/>
-              <a:buNone/>
-              <a:tabLst/>
-              <a:defRPr/>
-            </a:pPr>
-            <a:r>
-              <a:rPr kumimoji="0" lang="en-US" b="0" i="0" u="none" strike="noStrike" kern="1200" cap="none" spc="0" normalizeH="0" baseline="0" noProof="0" dirty="0" smtClean="0">
-                <a:ln>
-                  <a:noFill/>
-                </a:ln>
-                <a:solidFill>
-                  <a:prstClr val="black"/>
-                </a:solidFill>
-                <a:effectLst/>
-                <a:uLnTx/>
-                <a:uFillTx/>
-                <a:latin typeface="Arial" panose="020B0604020202020204" pitchFamily="34" charset="0"/>
-                <a:cs typeface="Arial" panose="020B0604020202020204" pitchFamily="34" charset="0"/>
-              </a:rPr>
-              <a:t>Finally,</a:t>
-            </a:r>
-            <a:r>
-              <a:rPr kumimoji="0" lang="en-US" b="0" i="0" u="none" strike="noStrike" kern="1200" cap="none" spc="0" normalizeH="0" noProof="0" dirty="0" smtClean="0">
-                <a:ln>
-                  <a:noFill/>
-                </a:ln>
-                <a:solidFill>
-                  <a:prstClr val="black"/>
-                </a:solidFill>
-                <a:effectLst/>
-                <a:uLnTx/>
-                <a:uFillTx/>
-                <a:latin typeface="Arial" panose="020B0604020202020204" pitchFamily="34" charset="0"/>
-                <a:cs typeface="Arial" panose="020B0604020202020204" pitchFamily="34" charset="0"/>
-              </a:rPr>
-              <a:t> all character have been converted </a:t>
-            </a:r>
-            <a:r>
-              <a:rPr lang="en-US" dirty="0" smtClean="0">
-                <a:solidFill>
-                  <a:prstClr val="black"/>
-                </a:solidFill>
-                <a:latin typeface="Arial" panose="020B0604020202020204" pitchFamily="34" charset="0"/>
-                <a:cs typeface="Arial" panose="020B0604020202020204" pitchFamily="34" charset="0"/>
-              </a:rPr>
-              <a:t>to lower case.</a:t>
-            </a:r>
-          </a:p>
-        </p:txBody>
-      </p:sp>
-      <p:sp>
-        <p:nvSpPr>
-          <p:cNvPr id="4" name="CasellaDiTesto 3"/>
-          <p:cNvSpPr txBox="1"/>
-          <p:nvPr/>
-        </p:nvSpPr>
-        <p:spPr>
-          <a:xfrm>
-            <a:off x="1102657" y="2330823"/>
-            <a:ext cx="7323543" cy="369332"/>
-          </a:xfrm>
-          <a:prstGeom prst="rect">
-            <a:avLst/>
-          </a:prstGeom>
-          <a:noFill/>
-        </p:spPr>
-        <p:txBody>
-          <a:bodyPr wrap="none" rtlCol="0">
-            <a:spAutoFit/>
-          </a:bodyPr>
-          <a:lstStyle/>
-          <a:p>
-            <a:r>
-              <a:rPr lang="en-US" dirty="0" smtClean="0">
-                <a:latin typeface="Arial" panose="020B0604020202020204" pitchFamily="34" charset="0"/>
-                <a:cs typeface="Arial" panose="020B0604020202020204" pitchFamily="34" charset="0"/>
-              </a:rPr>
-              <a:t>All the preprocessing steps were performed using Weka API and java.</a:t>
-            </a:r>
-            <a:endParaRPr lang="en-US" dirty="0">
-              <a:latin typeface="Arial" panose="020B0604020202020204" pitchFamily="34" charset="0"/>
-              <a:cs typeface="Arial" panose="020B0604020202020204" pitchFamily="34" charset="0"/>
-            </a:endParaRPr>
+              <a:t>After the tweets have been fetched, all of them have been pre-processed in order to extract only the raw text and remove all meta-information associated. All useless information have been discarded, like user id, retweet flag etc. After that a regular expression filter to the text of the tweet is applied and all the characters have been converted to lower case.</a:t>
+            </a:r>
           </a:p>
         </p:txBody>
       </p:sp>
@@ -8669,13 +9278,6 @@
   <p:clrMapOvr>
     <a:masterClrMapping/>
   </p:clrMapOvr>
-  <p:timing>
-    <p:tnLst>
-      <p:par>
-        <p:cTn id="1" dur="indefinite" restart="never" nodeType="tmRoot"/>
-      </p:par>
-    </p:tnLst>
-  </p:timing>
 </p:sld>
 </file>
 
@@ -8698,7 +9300,13 @@
       </p:grpSpPr>
       <p:sp>
         <p:nvSpPr>
-          <p:cNvPr id="2" name="object 2"/>
+          <p:cNvPr id="4" name="object 2">
+            <a:extLst>
+              <a:ext uri="{FF2B5EF4-FFF2-40B4-BE49-F238E27FC236}">
+                <a16:creationId xmlns:a16="http://schemas.microsoft.com/office/drawing/2014/main" id="{CEA011D6-090C-4264-9CD4-C3C8C5103CF9}"/>
+              </a:ext>
+            </a:extLst>
+          </p:cNvPr>
           <p:cNvSpPr txBox="1">
             <a:spLocks noGrp="1"/>
           </p:cNvSpPr>
@@ -8727,8 +9335,8 @@
               </a:spcBef>
             </a:pPr>
             <a:r>
-              <a:rPr lang="en-US" sz="3809" dirty="0" smtClean="0"/>
-              <a:t>Classification model</a:t>
+              <a:rPr lang="en-US" sz="3809" dirty="0"/>
+              <a:t>Text mining process</a:t>
             </a:r>
             <a:endParaRPr sz="3809" dirty="0"/>
           </a:p>
@@ -8736,22 +9344,27 @@
       </p:sp>
       <p:sp>
         <p:nvSpPr>
-          <p:cNvPr id="4" name="CasellaDiTesto 3"/>
+          <p:cNvPr id="5" name="object 3">
+            <a:extLst>
+              <a:ext uri="{FF2B5EF4-FFF2-40B4-BE49-F238E27FC236}">
+                <a16:creationId xmlns:a16="http://schemas.microsoft.com/office/drawing/2014/main" id="{A37AFA8F-5EB1-4085-8A63-B81ACF066F26}"/>
+              </a:ext>
+            </a:extLst>
+          </p:cNvPr>
           <p:cNvSpPr txBox="1"/>
           <p:nvPr/>
         </p:nvSpPr>
         <p:spPr>
           <a:xfrm>
-            <a:off x="1102657" y="2330823"/>
-            <a:ext cx="10683374" cy="2031325"/>
+            <a:off x="1174375" y="2383683"/>
+            <a:ext cx="10130118" cy="567953"/>
           </a:xfrm>
           <a:prstGeom prst="rect">
             <a:avLst/>
           </a:prstGeom>
-          <a:noFill/>
         </p:spPr>
         <p:txBody>
-          <a:bodyPr wrap="none" rtlCol="0">
+          <a:bodyPr vert="horz" wrap="square" lIns="0" tIns="13820" rIns="0" bIns="0" rtlCol="0">
             <a:spAutoFit/>
           </a:bodyPr>
           <a:lstStyle/>
@@ -8774,295 +9387,237 @@
               <a:defRPr/>
             </a:pPr>
             <a:r>
-              <a:rPr lang="en-US" dirty="0" smtClean="0">
+              <a:rPr lang="en-US" dirty="0">
                 <a:solidFill>
                   <a:prstClr val="black"/>
                 </a:solidFill>
                 <a:latin typeface="Arial" panose="020B0604020202020204" pitchFamily="34" charset="0"/>
                 <a:cs typeface="Arial" panose="020B0604020202020204" pitchFamily="34" charset="0"/>
               </a:rPr>
-              <a:t>Once the raw tweets have been elaborated during the pre-processing steps, we managed to try</a:t>
-            </a:r>
-            <a:br>
-              <a:rPr lang="en-US" dirty="0" smtClean="0">
-                <a:solidFill>
-                  <a:prstClr val="black"/>
-                </a:solidFill>
-                <a:latin typeface="Arial" panose="020B0604020202020204" pitchFamily="34" charset="0"/>
-                <a:cs typeface="Arial" panose="020B0604020202020204" pitchFamily="34" charset="0"/>
-              </a:rPr>
-            </a:br>
-            <a:r>
-              <a:rPr lang="en-US" dirty="0" smtClean="0">
-                <a:solidFill>
-                  <a:prstClr val="black"/>
-                </a:solidFill>
-                <a:latin typeface="Arial" panose="020B0604020202020204" pitchFamily="34" charset="0"/>
-                <a:cs typeface="Arial" panose="020B0604020202020204" pitchFamily="34" charset="0"/>
-              </a:rPr>
-              <a:t>different classification models to find the one that provides the best results</a:t>
-            </a:r>
-            <a:r>
-              <a:rPr kumimoji="0" lang="en-US" sz="1800" b="0" i="0" u="none" strike="noStrike" kern="1200" cap="none" spc="0" normalizeH="0" baseline="0" noProof="0" dirty="0" smtClean="0">
-                <a:ln>
-                  <a:noFill/>
-                </a:ln>
-                <a:solidFill>
-                  <a:prstClr val="black"/>
-                </a:solidFill>
-                <a:effectLst/>
-                <a:uLnTx/>
-                <a:uFillTx/>
-                <a:latin typeface="Arial" panose="020B0604020202020204" pitchFamily="34" charset="0"/>
-                <a:ea typeface="+mn-ea"/>
-                <a:cs typeface="Arial" panose="020B0604020202020204" pitchFamily="34" charset="0"/>
-              </a:rPr>
-              <a:t>.</a:t>
-            </a:r>
-            <a:br>
-              <a:rPr kumimoji="0" lang="en-US" sz="1800" b="0" i="0" u="none" strike="noStrike" kern="1200" cap="none" spc="0" normalizeH="0" baseline="0" noProof="0" dirty="0" smtClean="0">
-                <a:ln>
-                  <a:noFill/>
-                </a:ln>
-                <a:solidFill>
-                  <a:prstClr val="black"/>
-                </a:solidFill>
-                <a:effectLst/>
-                <a:uLnTx/>
-                <a:uFillTx/>
-                <a:latin typeface="Arial" panose="020B0604020202020204" pitchFamily="34" charset="0"/>
-                <a:ea typeface="+mn-ea"/>
-                <a:cs typeface="Arial" panose="020B0604020202020204" pitchFamily="34" charset="0"/>
-              </a:rPr>
-            </a:br>
-            <a:r>
-              <a:rPr kumimoji="0" lang="en-US" sz="1800" b="0" i="0" u="none" strike="noStrike" kern="1200" cap="none" spc="0" normalizeH="0" baseline="0" noProof="0" dirty="0" smtClean="0">
-                <a:ln>
-                  <a:noFill/>
-                </a:ln>
-                <a:solidFill>
-                  <a:prstClr val="black"/>
-                </a:solidFill>
-                <a:effectLst/>
-                <a:uLnTx/>
-                <a:uFillTx/>
-                <a:latin typeface="Arial" panose="020B0604020202020204" pitchFamily="34" charset="0"/>
-                <a:ea typeface="+mn-ea"/>
-                <a:cs typeface="Arial" panose="020B0604020202020204" pitchFamily="34" charset="0"/>
-              </a:rPr>
-              <a:t/>
-            </a:r>
-            <a:br>
-              <a:rPr kumimoji="0" lang="en-US" sz="1800" b="0" i="0" u="none" strike="noStrike" kern="1200" cap="none" spc="0" normalizeH="0" baseline="0" noProof="0" dirty="0" smtClean="0">
-                <a:ln>
-                  <a:noFill/>
-                </a:ln>
-                <a:solidFill>
-                  <a:prstClr val="black"/>
-                </a:solidFill>
-                <a:effectLst/>
-                <a:uLnTx/>
-                <a:uFillTx/>
-                <a:latin typeface="Arial" panose="020B0604020202020204" pitchFamily="34" charset="0"/>
-                <a:ea typeface="+mn-ea"/>
-                <a:cs typeface="Arial" panose="020B0604020202020204" pitchFamily="34" charset="0"/>
-              </a:rPr>
-            </a:br>
-            <a:r>
-              <a:rPr kumimoji="0" lang="en-US" sz="1800" b="0" i="0" u="none" strike="noStrike" kern="1200" cap="none" spc="0" normalizeH="0" baseline="0" noProof="0" dirty="0" smtClean="0">
-                <a:ln>
-                  <a:noFill/>
-                </a:ln>
-                <a:solidFill>
-                  <a:prstClr val="black"/>
-                </a:solidFill>
-                <a:effectLst/>
-                <a:uLnTx/>
-                <a:uFillTx/>
-                <a:latin typeface="Arial" panose="020B0604020202020204" pitchFamily="34" charset="0"/>
-                <a:ea typeface="+mn-ea"/>
-                <a:cs typeface="Arial" panose="020B0604020202020204" pitchFamily="34" charset="0"/>
-              </a:rPr>
-              <a:t>Different classifiers have</a:t>
-            </a:r>
-            <a:r>
-              <a:rPr kumimoji="0" lang="en-US" sz="1800" b="0" i="0" u="none" strike="noStrike" kern="1200" cap="none" spc="0" normalizeH="0" noProof="0" dirty="0" smtClean="0">
-                <a:ln>
-                  <a:noFill/>
-                </a:ln>
-                <a:solidFill>
-                  <a:prstClr val="black"/>
-                </a:solidFill>
-                <a:effectLst/>
-                <a:uLnTx/>
-                <a:uFillTx/>
-                <a:latin typeface="Arial" panose="020B0604020202020204" pitchFamily="34" charset="0"/>
-                <a:ea typeface="+mn-ea"/>
-                <a:cs typeface="Arial" panose="020B0604020202020204" pitchFamily="34" charset="0"/>
-              </a:rPr>
-              <a:t> been applied to our training set, in particular we focused on SMO (Sequential </a:t>
-            </a:r>
-            <a:r>
-              <a:rPr lang="en-US" dirty="0">
-                <a:solidFill>
-                  <a:prstClr val="black"/>
-                </a:solidFill>
-                <a:latin typeface="Arial" panose="020B0604020202020204" pitchFamily="34" charset="0"/>
-                <a:cs typeface="Arial" panose="020B0604020202020204" pitchFamily="34" charset="0"/>
-              </a:rPr>
-              <a:t/>
-            </a:r>
-            <a:br>
-              <a:rPr lang="en-US" dirty="0">
-                <a:solidFill>
-                  <a:prstClr val="black"/>
-                </a:solidFill>
-                <a:latin typeface="Arial" panose="020B0604020202020204" pitchFamily="34" charset="0"/>
-                <a:cs typeface="Arial" panose="020B0604020202020204" pitchFamily="34" charset="0"/>
-              </a:rPr>
-            </a:br>
-            <a:r>
-              <a:rPr lang="en-US" dirty="0" smtClean="0">
-                <a:solidFill>
-                  <a:prstClr val="black"/>
-                </a:solidFill>
-                <a:latin typeface="Arial" panose="020B0604020202020204" pitchFamily="34" charset="0"/>
-                <a:cs typeface="Arial" panose="020B0604020202020204" pitchFamily="34" charset="0"/>
-              </a:rPr>
-              <a:t>Minimal Optimization), J48 (</a:t>
-            </a:r>
-            <a:r>
-              <a:rPr lang="en-US" dirty="0" err="1" smtClean="0">
-                <a:solidFill>
-                  <a:prstClr val="black"/>
-                </a:solidFill>
-                <a:latin typeface="Arial" panose="020B0604020202020204" pitchFamily="34" charset="0"/>
-                <a:cs typeface="Arial" panose="020B0604020202020204" pitchFamily="34" charset="0"/>
-              </a:rPr>
-              <a:t>weka’s</a:t>
-            </a:r>
-            <a:r>
-              <a:rPr lang="en-US" dirty="0" smtClean="0">
-                <a:solidFill>
-                  <a:prstClr val="black"/>
-                </a:solidFill>
-                <a:latin typeface="Arial" panose="020B0604020202020204" pitchFamily="34" charset="0"/>
-                <a:cs typeface="Arial" panose="020B0604020202020204" pitchFamily="34" charset="0"/>
-              </a:rPr>
-              <a:t> implementation of the C4.5 algorithm), </a:t>
-            </a:r>
-            <a:r>
-              <a:rPr lang="en-US" dirty="0" err="1" smtClean="0">
-                <a:solidFill>
-                  <a:prstClr val="black"/>
-                </a:solidFill>
-                <a:latin typeface="Arial" panose="020B0604020202020204" pitchFamily="34" charset="0"/>
-                <a:cs typeface="Arial" panose="020B0604020202020204" pitchFamily="34" charset="0"/>
-              </a:rPr>
-              <a:t>kNN</a:t>
-            </a:r>
-            <a:r>
-              <a:rPr lang="en-US" dirty="0" smtClean="0">
-                <a:solidFill>
-                  <a:prstClr val="black"/>
-                </a:solidFill>
-                <a:latin typeface="Arial" panose="020B0604020202020204" pitchFamily="34" charset="0"/>
-                <a:cs typeface="Arial" panose="020B0604020202020204" pitchFamily="34" charset="0"/>
-              </a:rPr>
-              <a:t> (k-Nearest Neighbors, </a:t>
-            </a:r>
-            <a:br>
-              <a:rPr lang="en-US" dirty="0" smtClean="0">
-                <a:solidFill>
-                  <a:prstClr val="black"/>
-                </a:solidFill>
-                <a:latin typeface="Arial" panose="020B0604020202020204" pitchFamily="34" charset="0"/>
-                <a:cs typeface="Arial" panose="020B0604020202020204" pitchFamily="34" charset="0"/>
-              </a:rPr>
-            </a:br>
-            <a:r>
-              <a:rPr lang="en-US" dirty="0" smtClean="0">
-                <a:solidFill>
-                  <a:prstClr val="black"/>
-                </a:solidFill>
-                <a:latin typeface="Arial" panose="020B0604020202020204" pitchFamily="34" charset="0"/>
-                <a:cs typeface="Arial" panose="020B0604020202020204" pitchFamily="34" charset="0"/>
-              </a:rPr>
-              <a:t>we focused on two </a:t>
-            </a:r>
-            <a:r>
-              <a:rPr lang="en-US" dirty="0" err="1" smtClean="0">
-                <a:solidFill>
-                  <a:prstClr val="black"/>
-                </a:solidFill>
-                <a:latin typeface="Arial" panose="020B0604020202020204" pitchFamily="34" charset="0"/>
-                <a:cs typeface="Arial" panose="020B0604020202020204" pitchFamily="34" charset="0"/>
-              </a:rPr>
-              <a:t>kNN</a:t>
-            </a:r>
-            <a:r>
-              <a:rPr lang="en-US" dirty="0" smtClean="0">
-                <a:solidFill>
-                  <a:prstClr val="black"/>
-                </a:solidFill>
-                <a:latin typeface="Arial" panose="020B0604020202020204" pitchFamily="34" charset="0"/>
-                <a:cs typeface="Arial" panose="020B0604020202020204" pitchFamily="34" charset="0"/>
-              </a:rPr>
-              <a:t> models, with k equal to 1 and 3) an the NB (the naïve Bayesian classifier, </a:t>
-            </a:r>
-            <a:br>
-              <a:rPr lang="en-US" dirty="0" smtClean="0">
-                <a:solidFill>
-                  <a:prstClr val="black"/>
-                </a:solidFill>
-                <a:latin typeface="Arial" panose="020B0604020202020204" pitchFamily="34" charset="0"/>
-                <a:cs typeface="Arial" panose="020B0604020202020204" pitchFamily="34" charset="0"/>
-              </a:rPr>
-            </a:br>
-            <a:r>
-              <a:rPr lang="en-US" dirty="0" smtClean="0">
-                <a:solidFill>
-                  <a:prstClr val="black"/>
-                </a:solidFill>
-                <a:latin typeface="Arial" panose="020B0604020202020204" pitchFamily="34" charset="0"/>
-                <a:cs typeface="Arial" panose="020B0604020202020204" pitchFamily="34" charset="0"/>
-              </a:rPr>
-              <a:t>based on the Bayes’ s theorem).</a:t>
-            </a:r>
-            <a:endParaRPr kumimoji="0" lang="en-US" sz="1800" b="0" i="0" u="none" strike="noStrike" kern="1200" cap="none" spc="0" normalizeH="0" noProof="0" dirty="0" smtClean="0">
-              <a:ln>
-                <a:noFill/>
-              </a:ln>
+              <a:t>Before creating the model we needed to apply a text mining process in order to obtain, from a set of strings, a set of numeric vectors that will be elaborated in the classification step.</a:t>
+            </a:r>
+            <a:endParaRPr lang="en-US" u="sng" dirty="0">
               <a:solidFill>
                 <a:prstClr val="black"/>
               </a:solidFill>
-              <a:effectLst/>
-              <a:uLnTx/>
-              <a:uFillTx/>
               <a:latin typeface="Arial" panose="020B0604020202020204" pitchFamily="34" charset="0"/>
-              <a:ea typeface="+mn-ea"/>
               <a:cs typeface="Arial" panose="020B0604020202020204" pitchFamily="34" charset="0"/>
             </a:endParaRPr>
+          </a:p>
+        </p:txBody>
+      </p:sp>
+      <p:sp>
+        <p:nvSpPr>
+          <p:cNvPr id="6" name="object 3">
+            <a:extLst>
+              <a:ext uri="{FF2B5EF4-FFF2-40B4-BE49-F238E27FC236}">
+                <a16:creationId xmlns:a16="http://schemas.microsoft.com/office/drawing/2014/main" id="{718AF569-2C8F-4D60-8624-21C22CA71887}"/>
+              </a:ext>
+            </a:extLst>
+          </p:cNvPr>
+          <p:cNvSpPr txBox="1"/>
+          <p:nvPr/>
+        </p:nvSpPr>
+        <p:spPr>
+          <a:xfrm>
+            <a:off x="1174375" y="3078151"/>
+            <a:ext cx="10130118" cy="1675948"/>
+          </a:xfrm>
+          <a:prstGeom prst="rect">
+            <a:avLst/>
+          </a:prstGeom>
+        </p:spPr>
+        <p:txBody>
+          <a:bodyPr vert="horz" wrap="square" lIns="0" tIns="13820" rIns="0" bIns="0" rtlCol="0">
+            <a:spAutoFit/>
+          </a:bodyPr>
+          <a:lstStyle/>
+          <a:p>
+            <a:pPr marL="0" marR="0" lvl="0" indent="0" algn="l" defTabSz="914400" rtl="0" eaLnBrk="1" fontAlgn="auto" latinLnBrk="0" hangingPunct="1">
+              <a:lnSpc>
+                <a:spcPct val="100000"/>
+              </a:lnSpc>
+              <a:spcBef>
+                <a:spcPts val="0"/>
+              </a:spcBef>
+              <a:spcAft>
+                <a:spcPts val="0"/>
+              </a:spcAft>
+              <a:buClrTx/>
+              <a:buSzTx/>
+              <a:buFontTx/>
+              <a:buNone/>
+              <a:tabLst/>
+              <a:defRPr/>
+            </a:pPr>
+            <a:r>
+              <a:rPr lang="en-US" dirty="0">
+                <a:solidFill>
+                  <a:prstClr val="black"/>
+                </a:solidFill>
+                <a:latin typeface="Arial" panose="020B0604020202020204" pitchFamily="34" charset="0"/>
+                <a:cs typeface="Arial" panose="020B0604020202020204" pitchFamily="34" charset="0"/>
+              </a:rPr>
+              <a:t>Text mining steps:</a:t>
+            </a:r>
+          </a:p>
+          <a:p>
+            <a:pPr marL="285750" marR="0" lvl="0" indent="-285750" algn="l" defTabSz="914400" rtl="0" eaLnBrk="1" fontAlgn="auto" latinLnBrk="0" hangingPunct="1">
+              <a:lnSpc>
+                <a:spcPct val="100000"/>
+              </a:lnSpc>
+              <a:spcBef>
+                <a:spcPts val="0"/>
+              </a:spcBef>
+              <a:spcAft>
+                <a:spcPts val="0"/>
+              </a:spcAft>
+              <a:buClrTx/>
+              <a:buSzTx/>
+              <a:buFont typeface="Arial" panose="020B0604020202020204" pitchFamily="34" charset="0"/>
+              <a:buChar char="•"/>
+              <a:tabLst/>
+              <a:defRPr/>
+            </a:pPr>
+            <a:r>
+              <a:rPr lang="en-US" dirty="0">
+                <a:solidFill>
+                  <a:prstClr val="black"/>
+                </a:solidFill>
+                <a:latin typeface="Arial" panose="020B0604020202020204" pitchFamily="34" charset="0"/>
+                <a:cs typeface="Arial" panose="020B0604020202020204" pitchFamily="34" charset="0"/>
+              </a:rPr>
+              <a:t>Tokenization</a:t>
+            </a:r>
+          </a:p>
+          <a:p>
+            <a:pPr marL="285750" marR="0" lvl="0" indent="-285750" algn="l" defTabSz="914400" rtl="0" eaLnBrk="1" fontAlgn="auto" latinLnBrk="0" hangingPunct="1">
+              <a:lnSpc>
+                <a:spcPct val="100000"/>
+              </a:lnSpc>
+              <a:spcBef>
+                <a:spcPts val="0"/>
+              </a:spcBef>
+              <a:spcAft>
+                <a:spcPts val="0"/>
+              </a:spcAft>
+              <a:buClrTx/>
+              <a:buSzTx/>
+              <a:buFont typeface="Arial" panose="020B0604020202020204" pitchFamily="34" charset="0"/>
+              <a:buChar char="•"/>
+              <a:tabLst/>
+              <a:defRPr/>
+            </a:pPr>
+            <a:r>
+              <a:rPr lang="en-US" dirty="0">
+                <a:solidFill>
+                  <a:prstClr val="black"/>
+                </a:solidFill>
+                <a:latin typeface="Arial" panose="020B0604020202020204" pitchFamily="34" charset="0"/>
+                <a:cs typeface="Arial" panose="020B0604020202020204" pitchFamily="34" charset="0"/>
+              </a:rPr>
+              <a:t>Stop-word filtering</a:t>
+            </a:r>
+          </a:p>
+          <a:p>
+            <a:pPr marL="285750" marR="0" lvl="0" indent="-285750" algn="l" defTabSz="914400" rtl="0" eaLnBrk="1" fontAlgn="auto" latinLnBrk="0" hangingPunct="1">
+              <a:lnSpc>
+                <a:spcPct val="100000"/>
+              </a:lnSpc>
+              <a:spcBef>
+                <a:spcPts val="0"/>
+              </a:spcBef>
+              <a:spcAft>
+                <a:spcPts val="0"/>
+              </a:spcAft>
+              <a:buClrTx/>
+              <a:buSzTx/>
+              <a:buFont typeface="Arial" panose="020B0604020202020204" pitchFamily="34" charset="0"/>
+              <a:buChar char="•"/>
+              <a:tabLst/>
+              <a:defRPr/>
+            </a:pPr>
+            <a:r>
+              <a:rPr lang="en-US" dirty="0">
+                <a:solidFill>
+                  <a:prstClr val="black"/>
+                </a:solidFill>
+                <a:latin typeface="Arial" panose="020B0604020202020204" pitchFamily="34" charset="0"/>
+                <a:cs typeface="Arial" panose="020B0604020202020204" pitchFamily="34" charset="0"/>
+              </a:rPr>
+              <a:t>Stemming</a:t>
+            </a:r>
+          </a:p>
+          <a:p>
+            <a:pPr marL="285750" marR="0" lvl="0" indent="-285750" algn="l" defTabSz="914400" rtl="0" eaLnBrk="1" fontAlgn="auto" latinLnBrk="0" hangingPunct="1">
+              <a:lnSpc>
+                <a:spcPct val="100000"/>
+              </a:lnSpc>
+              <a:spcBef>
+                <a:spcPts val="0"/>
+              </a:spcBef>
+              <a:spcAft>
+                <a:spcPts val="0"/>
+              </a:spcAft>
+              <a:buClrTx/>
+              <a:buSzTx/>
+              <a:buFont typeface="Arial" panose="020B0604020202020204" pitchFamily="34" charset="0"/>
+              <a:buChar char="•"/>
+              <a:tabLst/>
+              <a:defRPr/>
+            </a:pPr>
+            <a:r>
+              <a:rPr lang="en-US" dirty="0">
+                <a:solidFill>
+                  <a:prstClr val="black"/>
+                </a:solidFill>
+                <a:latin typeface="Arial" panose="020B0604020202020204" pitchFamily="34" charset="0"/>
+                <a:cs typeface="Arial" panose="020B0604020202020204" pitchFamily="34" charset="0"/>
+              </a:rPr>
+              <a:t>Stem-filtering</a:t>
+            </a:r>
+          </a:p>
+          <a:p>
+            <a:pPr marL="285750" marR="0" lvl="0" indent="-285750" algn="l" defTabSz="914400" rtl="0" eaLnBrk="1" fontAlgn="auto" latinLnBrk="0" hangingPunct="1">
+              <a:lnSpc>
+                <a:spcPct val="100000"/>
+              </a:lnSpc>
+              <a:spcBef>
+                <a:spcPts val="0"/>
+              </a:spcBef>
+              <a:spcAft>
+                <a:spcPts val="0"/>
+              </a:spcAft>
+              <a:buClrTx/>
+              <a:buSzTx/>
+              <a:buFont typeface="Arial" panose="020B0604020202020204" pitchFamily="34" charset="0"/>
+              <a:buChar char="•"/>
+              <a:tabLst/>
+              <a:defRPr/>
+            </a:pPr>
+            <a:r>
+              <a:rPr lang="en-US" dirty="0">
+                <a:solidFill>
+                  <a:prstClr val="black"/>
+                </a:solidFill>
+                <a:latin typeface="Arial" panose="020B0604020202020204" pitchFamily="34" charset="0"/>
+                <a:cs typeface="Arial" panose="020B0604020202020204" pitchFamily="34" charset="0"/>
+              </a:rPr>
+              <a:t>Feature representation</a:t>
+            </a:r>
           </a:p>
         </p:txBody>
       </p:sp>
     </p:spTree>
     <p:extLst>
       <p:ext uri="{BB962C8B-B14F-4D97-AF65-F5344CB8AC3E}">
-        <p14:creationId xmlns:p14="http://schemas.microsoft.com/office/powerpoint/2010/main" val="4205415046"/>
+        <p14:creationId xmlns:p14="http://schemas.microsoft.com/office/powerpoint/2010/main" val="2570497334"/>
       </p:ext>
     </p:extLst>
   </p:cSld>
   <p:clrMapOvr>
     <a:masterClrMapping/>
   </p:clrMapOvr>
-  <p:timing>
-    <p:tnLst>
-      <p:par>
-        <p:cTn id="1" dur="indefinite" restart="never" nodeType="tmRoot"/>
-      </p:par>
-    </p:tnLst>
-  </p:timing>
 </p:sld>
 </file>
 
@@ -9114,8 +9669,371 @@
               </a:spcBef>
             </a:pPr>
             <a:r>
-              <a:rPr lang="en-US" sz="3809" dirty="0" smtClean="0"/>
-              <a:t>Classification model (II)</a:t>
+              <a:rPr lang="en-US" sz="3809" dirty="0"/>
+              <a:t>Classification</a:t>
+            </a:r>
+            <a:endParaRPr sz="3809" dirty="0"/>
+          </a:p>
+        </p:txBody>
+      </p:sp>
+      <p:sp>
+        <p:nvSpPr>
+          <p:cNvPr id="4" name="CasellaDiTesto 3"/>
+          <p:cNvSpPr txBox="1"/>
+          <p:nvPr/>
+        </p:nvSpPr>
+        <p:spPr>
+          <a:xfrm>
+            <a:off x="1102657" y="2330823"/>
+            <a:ext cx="10619254" cy="2031325"/>
+          </a:xfrm>
+          <a:prstGeom prst="rect">
+            <a:avLst/>
+          </a:prstGeom>
+          <a:noFill/>
+        </p:spPr>
+        <p:txBody>
+          <a:bodyPr wrap="none" rtlCol="0">
+            <a:spAutoFit/>
+          </a:bodyPr>
+          <a:lstStyle/>
+          <a:p>
+            <a:pPr marL="0" marR="0" lvl="0" indent="0" algn="l" defTabSz="914400" rtl="0" eaLnBrk="1" fontAlgn="auto" latinLnBrk="0" hangingPunct="1">
+              <a:lnSpc>
+                <a:spcPct val="100000"/>
+              </a:lnSpc>
+              <a:spcBef>
+                <a:spcPts val="0"/>
+              </a:spcBef>
+              <a:spcAft>
+                <a:spcPts val="0"/>
+              </a:spcAft>
+              <a:buClrTx/>
+              <a:buSzTx/>
+              <a:buFontTx/>
+              <a:buNone/>
+              <a:tabLst/>
+              <a:defRPr/>
+            </a:pPr>
+            <a:r>
+              <a:rPr lang="en-US" dirty="0">
+                <a:solidFill>
+                  <a:prstClr val="black"/>
+                </a:solidFill>
+                <a:latin typeface="Arial" panose="020B0604020202020204" pitchFamily="34" charset="0"/>
+                <a:cs typeface="Arial" panose="020B0604020202020204" pitchFamily="34" charset="0"/>
+              </a:rPr>
+              <a:t>Once the raw tweets have been elaborated during text mining steps, we used a classification model </a:t>
+            </a:r>
+          </a:p>
+          <a:p>
+            <a:pPr marL="0" marR="0" lvl="0" indent="0" algn="l" defTabSz="914400" rtl="0" eaLnBrk="1" fontAlgn="auto" latinLnBrk="0" hangingPunct="1">
+              <a:lnSpc>
+                <a:spcPct val="100000"/>
+              </a:lnSpc>
+              <a:spcBef>
+                <a:spcPts val="0"/>
+              </a:spcBef>
+              <a:spcAft>
+                <a:spcPts val="0"/>
+              </a:spcAft>
+              <a:buClrTx/>
+              <a:buSzTx/>
+              <a:buFontTx/>
+              <a:buNone/>
+              <a:tabLst/>
+              <a:defRPr/>
+            </a:pPr>
+            <a:r>
+              <a:rPr lang="en-US" dirty="0">
+                <a:solidFill>
+                  <a:prstClr val="black"/>
+                </a:solidFill>
+                <a:latin typeface="Arial" panose="020B0604020202020204" pitchFamily="34" charset="0"/>
+                <a:cs typeface="Arial" panose="020B0604020202020204" pitchFamily="34" charset="0"/>
+              </a:rPr>
+              <a:t>to obtain a label for each tweet</a:t>
+            </a:r>
+            <a:r>
+              <a:rPr kumimoji="0" lang="en-US" sz="1800" b="0" i="0" u="none" strike="noStrike" kern="1200" cap="none" spc="0" normalizeH="0" baseline="0" noProof="0" dirty="0">
+                <a:ln>
+                  <a:noFill/>
+                </a:ln>
+                <a:solidFill>
+                  <a:prstClr val="black"/>
+                </a:solidFill>
+                <a:effectLst/>
+                <a:uLnTx/>
+                <a:uFillTx/>
+                <a:latin typeface="Arial" panose="020B0604020202020204" pitchFamily="34" charset="0"/>
+                <a:ea typeface="+mn-ea"/>
+                <a:cs typeface="Arial" panose="020B0604020202020204" pitchFamily="34" charset="0"/>
+              </a:rPr>
+              <a:t>.</a:t>
+            </a:r>
+            <a:br>
+              <a:rPr kumimoji="0" lang="en-US" sz="1800" b="0" i="0" u="none" strike="noStrike" kern="1200" cap="none" spc="0" normalizeH="0" baseline="0" noProof="0" dirty="0">
+                <a:ln>
+                  <a:noFill/>
+                </a:ln>
+                <a:solidFill>
+                  <a:prstClr val="black"/>
+                </a:solidFill>
+                <a:effectLst/>
+                <a:uLnTx/>
+                <a:uFillTx/>
+                <a:latin typeface="Arial" panose="020B0604020202020204" pitchFamily="34" charset="0"/>
+                <a:ea typeface="+mn-ea"/>
+                <a:cs typeface="Arial" panose="020B0604020202020204" pitchFamily="34" charset="0"/>
+              </a:rPr>
+            </a:br>
+            <a:br>
+              <a:rPr kumimoji="0" lang="en-US" sz="1800" b="0" i="0" u="none" strike="noStrike" kern="1200" cap="none" spc="0" normalizeH="0" baseline="0" noProof="0" dirty="0">
+                <a:ln>
+                  <a:noFill/>
+                </a:ln>
+                <a:solidFill>
+                  <a:prstClr val="black"/>
+                </a:solidFill>
+                <a:effectLst/>
+                <a:uLnTx/>
+                <a:uFillTx/>
+                <a:latin typeface="Arial" panose="020B0604020202020204" pitchFamily="34" charset="0"/>
+                <a:ea typeface="+mn-ea"/>
+                <a:cs typeface="Arial" panose="020B0604020202020204" pitchFamily="34" charset="0"/>
+              </a:rPr>
+            </a:br>
+            <a:r>
+              <a:rPr kumimoji="0" lang="en-US" sz="1800" b="0" i="0" u="none" strike="noStrike" kern="1200" cap="none" spc="0" normalizeH="0" baseline="0" noProof="0" dirty="0">
+                <a:ln>
+                  <a:noFill/>
+                </a:ln>
+                <a:solidFill>
+                  <a:prstClr val="black"/>
+                </a:solidFill>
+                <a:effectLst/>
+                <a:uLnTx/>
+                <a:uFillTx/>
+                <a:latin typeface="Arial" panose="020B0604020202020204" pitchFamily="34" charset="0"/>
+                <a:ea typeface="+mn-ea"/>
+                <a:cs typeface="Arial" panose="020B0604020202020204" pitchFamily="34" charset="0"/>
+              </a:rPr>
+              <a:t>Different classifiers have</a:t>
+            </a:r>
+            <a:r>
+              <a:rPr kumimoji="0" lang="en-US" sz="1800" b="0" i="0" u="none" strike="noStrike" kern="1200" cap="none" spc="0" normalizeH="0" noProof="0" dirty="0">
+                <a:ln>
+                  <a:noFill/>
+                </a:ln>
+                <a:solidFill>
+                  <a:prstClr val="black"/>
+                </a:solidFill>
+                <a:effectLst/>
+                <a:uLnTx/>
+                <a:uFillTx/>
+                <a:latin typeface="Arial" panose="020B0604020202020204" pitchFamily="34" charset="0"/>
+                <a:ea typeface="+mn-ea"/>
+                <a:cs typeface="Arial" panose="020B0604020202020204" pitchFamily="34" charset="0"/>
+              </a:rPr>
+              <a:t> been compared, in particular we focused on SMO (Sequential </a:t>
+            </a:r>
+            <a:br>
+              <a:rPr lang="en-US" dirty="0">
+                <a:solidFill>
+                  <a:prstClr val="black"/>
+                </a:solidFill>
+                <a:latin typeface="Arial" panose="020B0604020202020204" pitchFamily="34" charset="0"/>
+                <a:cs typeface="Arial" panose="020B0604020202020204" pitchFamily="34" charset="0"/>
+              </a:rPr>
+            </a:br>
+            <a:r>
+              <a:rPr lang="en-US" dirty="0">
+                <a:solidFill>
+                  <a:prstClr val="black"/>
+                </a:solidFill>
+                <a:latin typeface="Arial" panose="020B0604020202020204" pitchFamily="34" charset="0"/>
+                <a:cs typeface="Arial" panose="020B0604020202020204" pitchFamily="34" charset="0"/>
+              </a:rPr>
+              <a:t>Minimal Optimization), J48 (</a:t>
+            </a:r>
+            <a:r>
+              <a:rPr lang="en-US" dirty="0" err="1">
+                <a:solidFill>
+                  <a:prstClr val="black"/>
+                </a:solidFill>
+                <a:latin typeface="Arial" panose="020B0604020202020204" pitchFamily="34" charset="0"/>
+                <a:cs typeface="Arial" panose="020B0604020202020204" pitchFamily="34" charset="0"/>
+              </a:rPr>
+              <a:t>weka’s</a:t>
+            </a:r>
+            <a:r>
+              <a:rPr lang="en-US" dirty="0">
+                <a:solidFill>
+                  <a:prstClr val="black"/>
+                </a:solidFill>
+                <a:latin typeface="Arial" panose="020B0604020202020204" pitchFamily="34" charset="0"/>
+                <a:cs typeface="Arial" panose="020B0604020202020204" pitchFamily="34" charset="0"/>
+              </a:rPr>
+              <a:t> implementation of the C4.5 algorithm), </a:t>
+            </a:r>
+            <a:r>
+              <a:rPr lang="en-US" dirty="0" err="1">
+                <a:solidFill>
+                  <a:prstClr val="black"/>
+                </a:solidFill>
+                <a:latin typeface="Arial" panose="020B0604020202020204" pitchFamily="34" charset="0"/>
+                <a:cs typeface="Arial" panose="020B0604020202020204" pitchFamily="34" charset="0"/>
+              </a:rPr>
+              <a:t>kNN</a:t>
+            </a:r>
+            <a:r>
+              <a:rPr lang="en-US" dirty="0">
+                <a:solidFill>
+                  <a:prstClr val="black"/>
+                </a:solidFill>
+                <a:latin typeface="Arial" panose="020B0604020202020204" pitchFamily="34" charset="0"/>
+                <a:cs typeface="Arial" panose="020B0604020202020204" pitchFamily="34" charset="0"/>
+              </a:rPr>
+              <a:t> (k-Nearest Neighbors, </a:t>
+            </a:r>
+            <a:br>
+              <a:rPr lang="en-US" dirty="0">
+                <a:solidFill>
+                  <a:prstClr val="black"/>
+                </a:solidFill>
+                <a:latin typeface="Arial" panose="020B0604020202020204" pitchFamily="34" charset="0"/>
+                <a:cs typeface="Arial" panose="020B0604020202020204" pitchFamily="34" charset="0"/>
+              </a:rPr>
+            </a:br>
+            <a:r>
+              <a:rPr lang="en-US" dirty="0">
+                <a:solidFill>
+                  <a:prstClr val="black"/>
+                </a:solidFill>
+                <a:latin typeface="Arial" panose="020B0604020202020204" pitchFamily="34" charset="0"/>
+                <a:cs typeface="Arial" panose="020B0604020202020204" pitchFamily="34" charset="0"/>
+              </a:rPr>
+              <a:t>we focused on two </a:t>
+            </a:r>
+            <a:r>
+              <a:rPr lang="en-US" dirty="0" err="1">
+                <a:solidFill>
+                  <a:prstClr val="black"/>
+                </a:solidFill>
+                <a:latin typeface="Arial" panose="020B0604020202020204" pitchFamily="34" charset="0"/>
+                <a:cs typeface="Arial" panose="020B0604020202020204" pitchFamily="34" charset="0"/>
+              </a:rPr>
+              <a:t>kNN</a:t>
+            </a:r>
+            <a:r>
+              <a:rPr lang="en-US" dirty="0">
+                <a:solidFill>
+                  <a:prstClr val="black"/>
+                </a:solidFill>
+                <a:latin typeface="Arial" panose="020B0604020202020204" pitchFamily="34" charset="0"/>
+                <a:cs typeface="Arial" panose="020B0604020202020204" pitchFamily="34" charset="0"/>
+              </a:rPr>
+              <a:t> models, with k equal to 1 and 3) an the NB (the naïve Bayesian classifier, </a:t>
+            </a:r>
+            <a:br>
+              <a:rPr lang="en-US" dirty="0">
+                <a:solidFill>
+                  <a:prstClr val="black"/>
+                </a:solidFill>
+                <a:latin typeface="Arial" panose="020B0604020202020204" pitchFamily="34" charset="0"/>
+                <a:cs typeface="Arial" panose="020B0604020202020204" pitchFamily="34" charset="0"/>
+              </a:rPr>
+            </a:br>
+            <a:r>
+              <a:rPr lang="en-US" dirty="0">
+                <a:solidFill>
+                  <a:prstClr val="black"/>
+                </a:solidFill>
+                <a:latin typeface="Arial" panose="020B0604020202020204" pitchFamily="34" charset="0"/>
+                <a:cs typeface="Arial" panose="020B0604020202020204" pitchFamily="34" charset="0"/>
+              </a:rPr>
+              <a:t>based on the Bayes’ s theorem).</a:t>
+            </a:r>
+            <a:endParaRPr kumimoji="0" lang="en-US" sz="1800" b="0" i="0" u="none" strike="noStrike" kern="1200" cap="none" spc="0" normalizeH="0" noProof="0" dirty="0">
+              <a:ln>
+                <a:noFill/>
+              </a:ln>
+              <a:solidFill>
+                <a:prstClr val="black"/>
+              </a:solidFill>
+              <a:effectLst/>
+              <a:uLnTx/>
+              <a:uFillTx/>
+              <a:latin typeface="Arial" panose="020B0604020202020204" pitchFamily="34" charset="0"/>
+              <a:ea typeface="+mn-ea"/>
+              <a:cs typeface="Arial" panose="020B0604020202020204" pitchFamily="34" charset="0"/>
+            </a:endParaRPr>
+          </a:p>
+        </p:txBody>
+      </p:sp>
+    </p:spTree>
+    <p:extLst>
+      <p:ext uri="{BB962C8B-B14F-4D97-AF65-F5344CB8AC3E}">
+        <p14:creationId xmlns:p14="http://schemas.microsoft.com/office/powerpoint/2010/main" val="4205415046"/>
+      </p:ext>
+    </p:extLst>
+  </p:cSld>
+  <p:clrMapOvr>
+    <a:masterClrMapping/>
+  </p:clrMapOvr>
+</p:sld>
+</file>
+
+<file path=ppt/slides/slide9.xml><?xml version="1.0" encoding="utf-8"?>
+<p:sld xmlns:a="http://schemas.openxmlformats.org/drawingml/2006/main" xmlns:r="http://schemas.openxmlformats.org/officeDocument/2006/relationships" xmlns:p="http://schemas.openxmlformats.org/presentationml/2006/main">
+  <p:cSld>
+    <p:spTree>
+      <p:nvGrpSpPr>
+        <p:cNvPr id="1" name=""/>
+        <p:cNvGrpSpPr/>
+        <p:nvPr/>
+      </p:nvGrpSpPr>
+      <p:grpSpPr>
+        <a:xfrm>
+          <a:off x="0" y="0"/>
+          <a:ext cx="0" cy="0"/>
+          <a:chOff x="0" y="0"/>
+          <a:chExt cx="0" cy="0"/>
+        </a:xfrm>
+      </p:grpSpPr>
+      <p:sp>
+        <p:nvSpPr>
+          <p:cNvPr id="2" name="object 2"/>
+          <p:cNvSpPr txBox="1">
+            <a:spLocks noGrp="1"/>
+          </p:cNvSpPr>
+          <p:nvPr>
+            <p:ph type="title"/>
+          </p:nvPr>
+        </p:nvSpPr>
+        <p:spPr>
+          <a:xfrm>
+            <a:off x="1174375" y="1375376"/>
+            <a:ext cx="5486401" cy="597815"/>
+          </a:xfrm>
+          <a:prstGeom prst="rect">
+            <a:avLst/>
+          </a:prstGeom>
+        </p:spPr>
+        <p:txBody>
+          <a:bodyPr vert="horz" wrap="square" lIns="0" tIns="11516" rIns="0" bIns="0" rtlCol="0">
+            <a:spAutoFit/>
+          </a:bodyPr>
+          <a:lstStyle/>
+          <a:p>
+            <a:pPr marL="11516">
+              <a:spcBef>
+                <a:spcPts val="91"/>
+              </a:spcBef>
+            </a:pPr>
+            <a:r>
+              <a:rPr lang="en-US" sz="3809" dirty="0"/>
+              <a:t>Classification model (I)</a:t>
             </a:r>
             <a:endParaRPr sz="3809" dirty="0"/>
           </a:p>
@@ -9148,16 +10066,12 @@
               <a:buChar char="•"/>
             </a:pPr>
             <a:r>
-              <a:rPr lang="en-US" dirty="0" smtClean="0">
+              <a:rPr lang="en-US" dirty="0">
                 <a:latin typeface="Arial" panose="020B0604020202020204" pitchFamily="34" charset="0"/>
                 <a:cs typeface="Arial" panose="020B0604020202020204" pitchFamily="34" charset="0"/>
               </a:rPr>
               <a:t>SMO</a:t>
             </a:r>
-            <a:endParaRPr lang="en-US" dirty="0">
-              <a:latin typeface="Arial" panose="020B0604020202020204" pitchFamily="34" charset="0"/>
-              <a:cs typeface="Arial" panose="020B0604020202020204" pitchFamily="34" charset="0"/>
-            </a:endParaRPr>
           </a:p>
         </p:txBody>
       </p:sp>
@@ -9188,16 +10102,12 @@
               <a:buChar char="•"/>
             </a:pPr>
             <a:r>
-              <a:rPr lang="en-US" dirty="0" smtClean="0">
+              <a:rPr lang="en-US" dirty="0">
                 <a:latin typeface="Arial" panose="020B0604020202020204" pitchFamily="34" charset="0"/>
                 <a:cs typeface="Arial" panose="020B0604020202020204" pitchFamily="34" charset="0"/>
               </a:rPr>
               <a:t>J48</a:t>
             </a:r>
-            <a:endParaRPr lang="en-US" dirty="0">
-              <a:latin typeface="Arial" panose="020B0604020202020204" pitchFamily="34" charset="0"/>
-              <a:cs typeface="Arial" panose="020B0604020202020204" pitchFamily="34" charset="0"/>
-            </a:endParaRPr>
           </a:p>
         </p:txBody>
       </p:sp>
@@ -9331,350 +10241,6 @@
   <p:clrMapOvr>
     <a:masterClrMapping/>
   </p:clrMapOvr>
-  <p:timing>
-    <p:tnLst>
-      <p:par>
-        <p:cTn id="1" dur="indefinite" restart="never" nodeType="tmRoot"/>
-      </p:par>
-    </p:tnLst>
-  </p:timing>
-</p:sld>
-</file>
-
-<file path=ppt/slides/slide9.xml><?xml version="1.0" encoding="utf-8"?>
-<p:sld xmlns:a="http://schemas.openxmlformats.org/drawingml/2006/main" xmlns:r="http://schemas.openxmlformats.org/officeDocument/2006/relationships" xmlns:p="http://schemas.openxmlformats.org/presentationml/2006/main">
-  <p:cSld>
-    <p:spTree>
-      <p:nvGrpSpPr>
-        <p:cNvPr id="1" name=""/>
-        <p:cNvGrpSpPr/>
-        <p:nvPr/>
-      </p:nvGrpSpPr>
-      <p:grpSpPr>
-        <a:xfrm>
-          <a:off x="0" y="0"/>
-          <a:ext cx="0" cy="0"/>
-          <a:chOff x="0" y="0"/>
-          <a:chExt cx="0" cy="0"/>
-        </a:xfrm>
-      </p:grpSpPr>
-      <p:sp>
-        <p:nvSpPr>
-          <p:cNvPr id="2" name="object 2"/>
-          <p:cNvSpPr txBox="1">
-            <a:spLocks noGrp="1"/>
-          </p:cNvSpPr>
-          <p:nvPr>
-            <p:ph type="title"/>
-          </p:nvPr>
-        </p:nvSpPr>
-        <p:spPr>
-          <a:xfrm>
-            <a:off x="1174375" y="1375376"/>
-            <a:ext cx="5486401" cy="597815"/>
-          </a:xfrm>
-          <a:prstGeom prst="rect">
-            <a:avLst/>
-          </a:prstGeom>
-        </p:spPr>
-        <p:txBody>
-          <a:bodyPr vert="horz" wrap="square" lIns="0" tIns="11516" rIns="0" bIns="0" rtlCol="0">
-            <a:spAutoFit/>
-          </a:bodyPr>
-          <a:lstStyle/>
-          <a:p>
-            <a:pPr marL="11516">
-              <a:spcBef>
-                <a:spcPts val="91"/>
-              </a:spcBef>
-            </a:pPr>
-            <a:r>
-              <a:rPr lang="en-US" sz="3809" dirty="0" smtClean="0"/>
-              <a:t>Classification model (III)</a:t>
-            </a:r>
-            <a:endParaRPr sz="3809" dirty="0"/>
-          </a:p>
-        </p:txBody>
-      </p:sp>
-      <p:sp>
-        <p:nvSpPr>
-          <p:cNvPr id="5" name="CasellaDiTesto 4"/>
-          <p:cNvSpPr txBox="1"/>
-          <p:nvPr/>
-        </p:nvSpPr>
-        <p:spPr>
-          <a:xfrm>
-            <a:off x="1237129" y="2294965"/>
-            <a:ext cx="934871" cy="369332"/>
-          </a:xfrm>
-          <a:prstGeom prst="rect">
-            <a:avLst/>
-          </a:prstGeom>
-          <a:noFill/>
-        </p:spPr>
-        <p:txBody>
-          <a:bodyPr wrap="none" rtlCol="0">
-            <a:spAutoFit/>
-          </a:bodyPr>
-          <a:lstStyle/>
-          <a:p>
-            <a:pPr marL="285750" marR="0" lvl="0" indent="-285750" algn="l" defTabSz="914400" rtl="0" eaLnBrk="1" fontAlgn="auto" latinLnBrk="0" hangingPunct="1">
-              <a:lnSpc>
-                <a:spcPct val="100000"/>
-              </a:lnSpc>
-              <a:spcBef>
-                <a:spcPts val="0"/>
-              </a:spcBef>
-              <a:spcAft>
-                <a:spcPts val="0"/>
-              </a:spcAft>
-              <a:buClrTx/>
-              <a:buSzTx/>
-              <a:buFont typeface="Arial" panose="020B0604020202020204" pitchFamily="34" charset="0"/>
-              <a:buChar char="•"/>
-              <a:tabLst/>
-              <a:defRPr/>
-            </a:pPr>
-            <a:r>
-              <a:rPr kumimoji="0" lang="en-US" sz="1800" b="0" i="0" u="none" strike="noStrike" kern="1200" cap="none" spc="0" normalizeH="0" baseline="0" noProof="0" dirty="0" smtClean="0">
-                <a:ln>
-                  <a:noFill/>
-                </a:ln>
-                <a:solidFill>
-                  <a:prstClr val="black"/>
-                </a:solidFill>
-                <a:effectLst/>
-                <a:uLnTx/>
-                <a:uFillTx/>
-                <a:latin typeface="Arial" panose="020B0604020202020204" pitchFamily="34" charset="0"/>
-                <a:ea typeface="+mn-ea"/>
-                <a:cs typeface="Arial" panose="020B0604020202020204" pitchFamily="34" charset="0"/>
-              </a:rPr>
-              <a:t>1NN</a:t>
-            </a:r>
-          </a:p>
-        </p:txBody>
-      </p:sp>
-      <p:sp>
-        <p:nvSpPr>
-          <p:cNvPr id="7" name="CasellaDiTesto 6"/>
-          <p:cNvSpPr txBox="1"/>
-          <p:nvPr/>
-        </p:nvSpPr>
-        <p:spPr>
-          <a:xfrm>
-            <a:off x="1335741" y="4392706"/>
-            <a:ext cx="934871" cy="369332"/>
-          </a:xfrm>
-          <a:prstGeom prst="rect">
-            <a:avLst/>
-          </a:prstGeom>
-          <a:noFill/>
-        </p:spPr>
-        <p:txBody>
-          <a:bodyPr wrap="none" rtlCol="0">
-            <a:spAutoFit/>
-          </a:bodyPr>
-          <a:lstStyle/>
-          <a:p>
-            <a:pPr marL="285750" marR="0" lvl="0" indent="-285750" algn="l" defTabSz="914400" rtl="0" eaLnBrk="1" fontAlgn="auto" latinLnBrk="0" hangingPunct="1">
-              <a:lnSpc>
-                <a:spcPct val="100000"/>
-              </a:lnSpc>
-              <a:spcBef>
-                <a:spcPts val="0"/>
-              </a:spcBef>
-              <a:spcAft>
-                <a:spcPts val="0"/>
-              </a:spcAft>
-              <a:buClrTx/>
-              <a:buSzTx/>
-              <a:buFont typeface="Arial" panose="020B0604020202020204" pitchFamily="34" charset="0"/>
-              <a:buChar char="•"/>
-              <a:tabLst/>
-              <a:defRPr/>
-            </a:pPr>
-            <a:r>
-              <a:rPr lang="en-US" dirty="0">
-                <a:solidFill>
-                  <a:prstClr val="black"/>
-                </a:solidFill>
-                <a:latin typeface="Arial" panose="020B0604020202020204" pitchFamily="34" charset="0"/>
-                <a:cs typeface="Arial" panose="020B0604020202020204" pitchFamily="34" charset="0"/>
-              </a:rPr>
-              <a:t>2</a:t>
-            </a:r>
-            <a:r>
-              <a:rPr kumimoji="0" lang="en-US" sz="1800" b="0" i="0" u="none" strike="noStrike" kern="1200" cap="none" spc="0" normalizeH="0" baseline="0" noProof="0" dirty="0" smtClean="0">
-                <a:ln>
-                  <a:noFill/>
-                </a:ln>
-                <a:solidFill>
-                  <a:prstClr val="black"/>
-                </a:solidFill>
-                <a:effectLst/>
-                <a:uLnTx/>
-                <a:uFillTx/>
-                <a:latin typeface="Arial" panose="020B0604020202020204" pitchFamily="34" charset="0"/>
-                <a:ea typeface="+mn-ea"/>
-                <a:cs typeface="Arial" panose="020B0604020202020204" pitchFamily="34" charset="0"/>
-              </a:rPr>
-              <a:t>NN</a:t>
-            </a:r>
-            <a:endParaRPr kumimoji="0" lang="en-US" sz="1800" b="0" i="0" u="none" strike="noStrike" kern="1200" cap="none" spc="0" normalizeH="0" baseline="0" noProof="0" dirty="0" smtClean="0">
-              <a:ln>
-                <a:noFill/>
-              </a:ln>
-              <a:solidFill>
-                <a:prstClr val="black"/>
-              </a:solidFill>
-              <a:effectLst/>
-              <a:uLnTx/>
-              <a:uFillTx/>
-              <a:latin typeface="Arial" panose="020B0604020202020204" pitchFamily="34" charset="0"/>
-              <a:ea typeface="+mn-ea"/>
-              <a:cs typeface="Arial" panose="020B0604020202020204" pitchFamily="34" charset="0"/>
-            </a:endParaRPr>
-          </a:p>
-        </p:txBody>
-      </p:sp>
-      <p:pic>
-        <p:nvPicPr>
-          <p:cNvPr id="6" name="Immagine 5"/>
-          <p:cNvPicPr>
-            <a:picLocks noChangeAspect="1"/>
-          </p:cNvPicPr>
-          <p:nvPr/>
-        </p:nvPicPr>
-        <p:blipFill>
-          <a:blip r:embed="rId2">
-            <a:extLst>
-              <a:ext uri="{28A0092B-C50C-407E-A947-70E740481C1C}">
-                <a14:useLocalDpi xmlns:a14="http://schemas.microsoft.com/office/drawing/2010/main" val="0"/>
-              </a:ext>
-            </a:extLst>
-          </a:blip>
-          <a:stretch>
-            <a:fillRect/>
-          </a:stretch>
-        </p:blipFill>
-        <p:spPr>
-          <a:xfrm>
-            <a:off x="3468220" y="2189630"/>
-            <a:ext cx="4914900" cy="381000"/>
-          </a:xfrm>
-          <a:prstGeom prst="rect">
-            <a:avLst/>
-          </a:prstGeom>
-        </p:spPr>
-      </p:pic>
-      <p:pic>
-        <p:nvPicPr>
-          <p:cNvPr id="8" name="Immagine 7"/>
-          <p:cNvPicPr>
-            <a:picLocks noChangeAspect="1"/>
-          </p:cNvPicPr>
-          <p:nvPr/>
-        </p:nvPicPr>
-        <p:blipFill>
-          <a:blip r:embed="rId3">
-            <a:extLst>
-              <a:ext uri="{28A0092B-C50C-407E-A947-70E740481C1C}">
-                <a14:useLocalDpi xmlns:a14="http://schemas.microsoft.com/office/drawing/2010/main" val="0"/>
-              </a:ext>
-            </a:extLst>
-          </a:blip>
-          <a:stretch>
-            <a:fillRect/>
-          </a:stretch>
-        </p:blipFill>
-        <p:spPr>
-          <a:xfrm>
-            <a:off x="3468220" y="2570630"/>
-            <a:ext cx="7905750" cy="1095375"/>
-          </a:xfrm>
-          <a:prstGeom prst="rect">
-            <a:avLst/>
-          </a:prstGeom>
-        </p:spPr>
-      </p:pic>
-      <p:pic>
-        <p:nvPicPr>
-          <p:cNvPr id="9" name="Immagine 8"/>
-          <p:cNvPicPr>
-            <a:picLocks noChangeAspect="1"/>
-          </p:cNvPicPr>
-          <p:nvPr/>
-        </p:nvPicPr>
-        <p:blipFill>
-          <a:blip r:embed="rId4">
-            <a:extLst>
-              <a:ext uri="{28A0092B-C50C-407E-A947-70E740481C1C}">
-                <a14:useLocalDpi xmlns:a14="http://schemas.microsoft.com/office/drawing/2010/main" val="0"/>
-              </a:ext>
-            </a:extLst>
-          </a:blip>
-          <a:stretch>
-            <a:fillRect/>
-          </a:stretch>
-        </p:blipFill>
-        <p:spPr>
-          <a:xfrm>
-            <a:off x="3468220" y="4030756"/>
-            <a:ext cx="4419600" cy="361950"/>
-          </a:xfrm>
-          <a:prstGeom prst="rect">
-            <a:avLst/>
-          </a:prstGeom>
-        </p:spPr>
-      </p:pic>
-      <p:pic>
-        <p:nvPicPr>
-          <p:cNvPr id="10" name="Immagine 9"/>
-          <p:cNvPicPr>
-            <a:picLocks noChangeAspect="1"/>
-          </p:cNvPicPr>
-          <p:nvPr/>
-        </p:nvPicPr>
-        <p:blipFill>
-          <a:blip r:embed="rId5">
-            <a:extLst>
-              <a:ext uri="{28A0092B-C50C-407E-A947-70E740481C1C}">
-                <a14:useLocalDpi xmlns:a14="http://schemas.microsoft.com/office/drawing/2010/main" val="0"/>
-              </a:ext>
-            </a:extLst>
-          </a:blip>
-          <a:stretch>
-            <a:fillRect/>
-          </a:stretch>
-        </p:blipFill>
-        <p:spPr>
-          <a:xfrm>
-            <a:off x="3468220" y="4392706"/>
-            <a:ext cx="7277100" cy="1038225"/>
-          </a:xfrm>
-          <a:prstGeom prst="rect">
-            <a:avLst/>
-          </a:prstGeom>
-        </p:spPr>
-      </p:pic>
-    </p:spTree>
-    <p:extLst>
-      <p:ext uri="{BB962C8B-B14F-4D97-AF65-F5344CB8AC3E}">
-        <p14:creationId xmlns:p14="http://schemas.microsoft.com/office/powerpoint/2010/main" val="3256675223"/>
-      </p:ext>
-    </p:extLst>
-  </p:cSld>
-  <p:clrMapOvr>
-    <a:masterClrMapping/>
-  </p:clrMapOvr>
-  <p:timing>
-    <p:tnLst>
-      <p:par>
-        <p:cTn id="1" dur="indefinite" restart="never" nodeType="tmRoot"/>
-      </p:par>
-    </p:tnLst>
-  </p:timing>
 </p:sld>
 </file>
 

--- a/documentation/presentazione/presentazione.pptx
+++ b/documentation/presentazione/presentazione.pptx
@@ -12,18 +12,23 @@
     <p:sldId id="260" r:id="rId6"/>
     <p:sldId id="261" r:id="rId7"/>
     <p:sldId id="263" r:id="rId8"/>
-    <p:sldId id="262" r:id="rId9"/>
-    <p:sldId id="273" r:id="rId10"/>
-    <p:sldId id="264" r:id="rId11"/>
-    <p:sldId id="265" r:id="rId12"/>
-    <p:sldId id="266" r:id="rId13"/>
-    <p:sldId id="267" r:id="rId14"/>
-    <p:sldId id="268" r:id="rId15"/>
-    <p:sldId id="269" r:id="rId16"/>
-    <p:sldId id="272" r:id="rId17"/>
-    <p:sldId id="270" r:id="rId18"/>
-    <p:sldId id="271" r:id="rId19"/>
-    <p:sldId id="274" r:id="rId20"/>
+    <p:sldId id="279" r:id="rId9"/>
+    <p:sldId id="262" r:id="rId10"/>
+    <p:sldId id="273" r:id="rId11"/>
+    <p:sldId id="264" r:id="rId12"/>
+    <p:sldId id="265" r:id="rId13"/>
+    <p:sldId id="266" r:id="rId14"/>
+    <p:sldId id="267" r:id="rId15"/>
+    <p:sldId id="268" r:id="rId16"/>
+    <p:sldId id="269" r:id="rId17"/>
+    <p:sldId id="272" r:id="rId18"/>
+    <p:sldId id="270" r:id="rId19"/>
+    <p:sldId id="271" r:id="rId20"/>
+    <p:sldId id="274" r:id="rId21"/>
+    <p:sldId id="275" r:id="rId22"/>
+    <p:sldId id="276" r:id="rId23"/>
+    <p:sldId id="277" r:id="rId24"/>
+    <p:sldId id="278" r:id="rId25"/>
   </p:sldIdLst>
   <p:sldSz cx="12192000" cy="6858000"/>
   <p:notesSz cx="6858000" cy="9144000"/>
@@ -288,7 +293,7 @@
                 </a:solidFill>
               </a:rPr>
               <a:pPr defTabSz="829178"/>
-              <a:t>2/24/2020</a:t>
+              <a:t>2/25/2020</a:t>
             </a:fld>
             <a:endParaRPr lang="en-US" sz="1632">
               <a:solidFill>
@@ -448,7 +453,7 @@
                 </a:solidFill>
               </a:rPr>
               <a:pPr defTabSz="829178"/>
-              <a:t>2/24/2020</a:t>
+              <a:t>2/25/2020</a:t>
             </a:fld>
             <a:endParaRPr lang="en-US" sz="1632">
               <a:solidFill>
@@ -678,7 +683,7 @@
                 </a:solidFill>
               </a:rPr>
               <a:pPr defTabSz="829178"/>
-              <a:t>2/24/2020</a:t>
+              <a:t>2/25/2020</a:t>
             </a:fld>
             <a:endParaRPr lang="en-US" sz="1632">
               <a:solidFill>
@@ -899,7 +904,7 @@
                 </a:solidFill>
               </a:rPr>
               <a:pPr defTabSz="829178"/>
-              <a:t>2/24/2020</a:t>
+              <a:t>2/25/2020</a:t>
             </a:fld>
             <a:endParaRPr lang="en-US" sz="1632">
               <a:solidFill>
@@ -1159,7 +1164,7 @@
                 </a:solidFill>
               </a:rPr>
               <a:pPr defTabSz="829178"/>
-              <a:t>2/24/2020</a:t>
+              <a:t>2/25/2020</a:t>
             </a:fld>
             <a:endParaRPr lang="en-US" sz="1632">
               <a:solidFill>
@@ -1353,7 +1358,7 @@
                 </a:solidFill>
               </a:rPr>
               <a:pPr defTabSz="829178"/>
-              <a:t>2/24/2020</a:t>
+              <a:t>2/25/2020</a:t>
             </a:fld>
             <a:endParaRPr lang="en-US" sz="1632">
               <a:solidFill>
@@ -1513,7 +1518,7 @@
                 </a:solidFill>
               </a:rPr>
               <a:pPr defTabSz="829178"/>
-              <a:t>2/24/2020</a:t>
+              <a:t>2/25/2020</a:t>
             </a:fld>
             <a:endParaRPr lang="en-US" sz="1632">
               <a:solidFill>
@@ -1737,7 +1742,7 @@
                 </a:solidFill>
               </a:rPr>
               <a:pPr defTabSz="829178"/>
-              <a:t>2/24/2020</a:t>
+              <a:t>2/25/2020</a:t>
             </a:fld>
             <a:endParaRPr lang="en-US" sz="1632">
               <a:solidFill>
@@ -2000,7 +2005,7 @@
                 </a:solidFill>
               </a:rPr>
               <a:pPr defTabSz="829178"/>
-              <a:t>2/24/2020</a:t>
+              <a:t>2/25/2020</a:t>
             </a:fld>
             <a:endParaRPr lang="en-US" sz="1632">
               <a:solidFill>
@@ -2197,7 +2202,7 @@
                 </a:solidFill>
               </a:rPr>
               <a:pPr defTabSz="829178"/>
-              <a:t>2/24/2020</a:t>
+              <a:t>2/25/2020</a:t>
             </a:fld>
             <a:endParaRPr lang="en-US" sz="1632">
               <a:solidFill>
@@ -2357,7 +2362,7 @@
                 </a:solidFill>
               </a:rPr>
               <a:pPr defTabSz="829178"/>
-              <a:t>2/24/2020</a:t>
+              <a:t>2/25/2020</a:t>
             </a:fld>
             <a:endParaRPr lang="en-US" sz="1632">
               <a:solidFill>
@@ -2587,7 +2592,7 @@
                 </a:solidFill>
               </a:rPr>
               <a:pPr defTabSz="829178"/>
-              <a:t>2/24/2020</a:t>
+              <a:t>2/25/2020</a:t>
             </a:fld>
             <a:endParaRPr lang="en-US" sz="1632">
               <a:solidFill>
@@ -2808,7 +2813,7 @@
                 </a:solidFill>
               </a:rPr>
               <a:pPr defTabSz="829178"/>
-              <a:t>2/24/2020</a:t>
+              <a:t>2/25/2020</a:t>
             </a:fld>
             <a:endParaRPr lang="en-US" sz="1632">
               <a:solidFill>
@@ -3068,7 +3073,7 @@
                 </a:solidFill>
               </a:rPr>
               <a:pPr defTabSz="829178"/>
-              <a:t>2/24/2020</a:t>
+              <a:t>2/25/2020</a:t>
             </a:fld>
             <a:endParaRPr lang="en-US" sz="1632">
               <a:solidFill>
@@ -3262,7 +3267,7 @@
                 </a:solidFill>
               </a:rPr>
               <a:pPr defTabSz="829178"/>
-              <a:t>2/24/2020</a:t>
+              <a:t>2/25/2020</a:t>
             </a:fld>
             <a:endParaRPr lang="en-US" sz="1632">
               <a:solidFill>
@@ -3719,7 +3724,7 @@
                 </a:solidFill>
               </a:rPr>
               <a:pPr defTabSz="829178"/>
-              <a:t>2/24/2020</a:t>
+              <a:t>2/25/2020</a:t>
             </a:fld>
             <a:endParaRPr lang="en-US" sz="1632">
               <a:solidFill>
@@ -4371,7 +4376,7 @@
                 </a:solidFill>
               </a:rPr>
               <a:pPr defTabSz="829178"/>
-              <a:t>2/24/2020</a:t>
+              <a:t>2/25/2020</a:t>
             </a:fld>
             <a:endParaRPr lang="en-US" sz="1632">
               <a:solidFill>
@@ -5023,7 +5028,7 @@
                 </a:solidFill>
               </a:rPr>
               <a:pPr defTabSz="829178"/>
-              <a:t>2/24/2020</a:t>
+              <a:t>2/25/2020</a:t>
             </a:fld>
             <a:endParaRPr lang="en-US" sz="1632">
               <a:solidFill>
@@ -5762,6 +5767,266 @@
             </a:pPr>
             <a:r>
               <a:rPr lang="en-US" sz="3809" dirty="0"/>
+              <a:t>Classification model (I)</a:t>
+            </a:r>
+            <a:endParaRPr sz="3809" dirty="0"/>
+          </a:p>
+        </p:txBody>
+      </p:sp>
+      <p:sp>
+        <p:nvSpPr>
+          <p:cNvPr id="5" name="CasellaDiTesto 4"/>
+          <p:cNvSpPr txBox="1"/>
+          <p:nvPr/>
+        </p:nvSpPr>
+        <p:spPr>
+          <a:xfrm>
+            <a:off x="1237129" y="2294965"/>
+            <a:ext cx="998991" cy="369332"/>
+          </a:xfrm>
+          <a:prstGeom prst="rect">
+            <a:avLst/>
+          </a:prstGeom>
+          <a:noFill/>
+        </p:spPr>
+        <p:txBody>
+          <a:bodyPr wrap="none" rtlCol="0">
+            <a:spAutoFit/>
+          </a:bodyPr>
+          <a:lstStyle/>
+          <a:p>
+            <a:pPr marL="285750" indent="-285750">
+              <a:buFont typeface="Arial" panose="020B0604020202020204" pitchFamily="34" charset="0"/>
+              <a:buChar char="•"/>
+            </a:pPr>
+            <a:r>
+              <a:rPr lang="en-US" dirty="0">
+                <a:latin typeface="Arial" panose="020B0604020202020204" pitchFamily="34" charset="0"/>
+                <a:cs typeface="Arial" panose="020B0604020202020204" pitchFamily="34" charset="0"/>
+              </a:rPr>
+              <a:t>SMO</a:t>
+            </a:r>
+          </a:p>
+        </p:txBody>
+      </p:sp>
+      <p:sp>
+        <p:nvSpPr>
+          <p:cNvPr id="7" name="CasellaDiTesto 6"/>
+          <p:cNvSpPr txBox="1"/>
+          <p:nvPr/>
+        </p:nvSpPr>
+        <p:spPr>
+          <a:xfrm>
+            <a:off x="1335741" y="4392706"/>
+            <a:ext cx="845103" cy="369332"/>
+          </a:xfrm>
+          <a:prstGeom prst="rect">
+            <a:avLst/>
+          </a:prstGeom>
+          <a:noFill/>
+        </p:spPr>
+        <p:txBody>
+          <a:bodyPr wrap="none" rtlCol="0">
+            <a:spAutoFit/>
+          </a:bodyPr>
+          <a:lstStyle/>
+          <a:p>
+            <a:pPr marL="285750" indent="-285750">
+              <a:buFont typeface="Arial" panose="020B0604020202020204" pitchFamily="34" charset="0"/>
+              <a:buChar char="•"/>
+            </a:pPr>
+            <a:r>
+              <a:rPr lang="en-US" dirty="0">
+                <a:latin typeface="Arial" panose="020B0604020202020204" pitchFamily="34" charset="0"/>
+                <a:cs typeface="Arial" panose="020B0604020202020204" pitchFamily="34" charset="0"/>
+              </a:rPr>
+              <a:t>J48</a:t>
+            </a:r>
+          </a:p>
+        </p:txBody>
+      </p:sp>
+      <p:pic>
+        <p:nvPicPr>
+          <p:cNvPr id="3" name="Immagine 2"/>
+          <p:cNvPicPr>
+            <a:picLocks noChangeAspect="1"/>
+          </p:cNvPicPr>
+          <p:nvPr/>
+        </p:nvPicPr>
+        <p:blipFill>
+          <a:blip r:embed="rId2">
+            <a:extLst>
+              <a:ext uri="{28A0092B-C50C-407E-A947-70E740481C1C}">
+                <a14:useLocalDpi xmlns:a14="http://schemas.microsoft.com/office/drawing/2010/main" val="0"/>
+              </a:ext>
+            </a:extLst>
+          </a:blip>
+          <a:stretch>
+            <a:fillRect/>
+          </a:stretch>
+        </p:blipFill>
+        <p:spPr>
+          <a:xfrm>
+            <a:off x="2912223" y="2174831"/>
+            <a:ext cx="4448175" cy="342900"/>
+          </a:xfrm>
+          <a:prstGeom prst="rect">
+            <a:avLst/>
+          </a:prstGeom>
+        </p:spPr>
+      </p:pic>
+      <p:pic>
+        <p:nvPicPr>
+          <p:cNvPr id="4" name="Immagine 3"/>
+          <p:cNvPicPr>
+            <a:picLocks noChangeAspect="1"/>
+          </p:cNvPicPr>
+          <p:nvPr/>
+        </p:nvPicPr>
+        <p:blipFill>
+          <a:blip r:embed="rId3">
+            <a:extLst>
+              <a:ext uri="{28A0092B-C50C-407E-A947-70E740481C1C}">
+                <a14:useLocalDpi xmlns:a14="http://schemas.microsoft.com/office/drawing/2010/main" val="0"/>
+              </a:ext>
+            </a:extLst>
+          </a:blip>
+          <a:stretch>
+            <a:fillRect/>
+          </a:stretch>
+        </p:blipFill>
+        <p:spPr>
+          <a:xfrm>
+            <a:off x="2912223" y="2577803"/>
+            <a:ext cx="7248525" cy="1047750"/>
+          </a:xfrm>
+          <a:prstGeom prst="rect">
+            <a:avLst/>
+          </a:prstGeom>
+        </p:spPr>
+      </p:pic>
+      <p:pic>
+        <p:nvPicPr>
+          <p:cNvPr id="9" name="Immagine 8"/>
+          <p:cNvPicPr>
+            <a:picLocks noChangeAspect="1"/>
+          </p:cNvPicPr>
+          <p:nvPr/>
+        </p:nvPicPr>
+        <p:blipFill>
+          <a:blip r:embed="rId4">
+            <a:extLst>
+              <a:ext uri="{28A0092B-C50C-407E-A947-70E740481C1C}">
+                <a14:useLocalDpi xmlns:a14="http://schemas.microsoft.com/office/drawing/2010/main" val="0"/>
+              </a:ext>
+            </a:extLst>
+          </a:blip>
+          <a:stretch>
+            <a:fillRect/>
+          </a:stretch>
+        </p:blipFill>
+        <p:spPr>
+          <a:xfrm>
+            <a:off x="2912223" y="3910293"/>
+            <a:ext cx="5286375" cy="428625"/>
+          </a:xfrm>
+          <a:prstGeom prst="rect">
+            <a:avLst/>
+          </a:prstGeom>
+        </p:spPr>
+      </p:pic>
+      <p:pic>
+        <p:nvPicPr>
+          <p:cNvPr id="10" name="Immagine 9"/>
+          <p:cNvPicPr>
+            <a:picLocks noChangeAspect="1"/>
+          </p:cNvPicPr>
+          <p:nvPr/>
+        </p:nvPicPr>
+        <p:blipFill>
+          <a:blip r:embed="rId5">
+            <a:extLst>
+              <a:ext uri="{28A0092B-C50C-407E-A947-70E740481C1C}">
+                <a14:useLocalDpi xmlns:a14="http://schemas.microsoft.com/office/drawing/2010/main" val="0"/>
+              </a:ext>
+            </a:extLst>
+          </a:blip>
+          <a:stretch>
+            <a:fillRect/>
+          </a:stretch>
+        </p:blipFill>
+        <p:spPr>
+          <a:xfrm>
+            <a:off x="2912223" y="4300483"/>
+            <a:ext cx="8410575" cy="1247775"/>
+          </a:xfrm>
+          <a:prstGeom prst="rect">
+            <a:avLst/>
+          </a:prstGeom>
+        </p:spPr>
+      </p:pic>
+    </p:spTree>
+    <p:extLst>
+      <p:ext uri="{BB962C8B-B14F-4D97-AF65-F5344CB8AC3E}">
+        <p14:creationId xmlns:p14="http://schemas.microsoft.com/office/powerpoint/2010/main" val="2956771798"/>
+      </p:ext>
+    </p:extLst>
+  </p:cSld>
+  <p:clrMapOvr>
+    <a:masterClrMapping/>
+  </p:clrMapOvr>
+</p:sld>
+</file>
+
+<file path=ppt/slides/slide11.xml><?xml version="1.0" encoding="utf-8"?>
+<p:sld xmlns:a="http://schemas.openxmlformats.org/drawingml/2006/main" xmlns:r="http://schemas.openxmlformats.org/officeDocument/2006/relationships" xmlns:p="http://schemas.openxmlformats.org/presentationml/2006/main">
+  <p:cSld>
+    <p:spTree>
+      <p:nvGrpSpPr>
+        <p:cNvPr id="1" name=""/>
+        <p:cNvGrpSpPr/>
+        <p:nvPr/>
+      </p:nvGrpSpPr>
+      <p:grpSpPr>
+        <a:xfrm>
+          <a:off x="0" y="0"/>
+          <a:ext cx="0" cy="0"/>
+          <a:chOff x="0" y="0"/>
+          <a:chExt cx="0" cy="0"/>
+        </a:xfrm>
+      </p:grpSpPr>
+      <p:sp>
+        <p:nvSpPr>
+          <p:cNvPr id="2" name="object 2"/>
+          <p:cNvSpPr txBox="1">
+            <a:spLocks noGrp="1"/>
+          </p:cNvSpPr>
+          <p:nvPr>
+            <p:ph type="title"/>
+          </p:nvPr>
+        </p:nvSpPr>
+        <p:spPr>
+          <a:xfrm>
+            <a:off x="1174375" y="1375376"/>
+            <a:ext cx="5486401" cy="597815"/>
+          </a:xfrm>
+          <a:prstGeom prst="rect">
+            <a:avLst/>
+          </a:prstGeom>
+        </p:spPr>
+        <p:txBody>
+          <a:bodyPr vert="horz" wrap="square" lIns="0" tIns="11516" rIns="0" bIns="0" rtlCol="0">
+            <a:spAutoFit/>
+          </a:bodyPr>
+          <a:lstStyle/>
+          <a:p>
+            <a:pPr marL="11516">
+              <a:spcBef>
+                <a:spcPts val="91"/>
+              </a:spcBef>
+            </a:pPr>
+            <a:r>
+              <a:rPr lang="en-US" sz="3809" dirty="0"/>
               <a:t>Classification model (II)</a:t>
             </a:r>
             <a:endParaRPr sz="3809" dirty="0"/>
@@ -6029,7 +6294,7 @@
 </p:sld>
 </file>
 
-<file path=ppt/slides/slide11.xml><?xml version="1.0" encoding="utf-8"?>
+<file path=ppt/slides/slide12.xml><?xml version="1.0" encoding="utf-8"?>
 <p:sld xmlns:a="http://schemas.openxmlformats.org/drawingml/2006/main" xmlns:r="http://schemas.openxmlformats.org/officeDocument/2006/relationships" xmlns:p="http://schemas.openxmlformats.org/presentationml/2006/main">
   <p:cSld>
     <p:spTree>
@@ -6335,7 +6600,7 @@
 </p:sld>
 </file>
 
-<file path=ppt/slides/slide12.xml><?xml version="1.0" encoding="utf-8"?>
+<file path=ppt/slides/slide13.xml><?xml version="1.0" encoding="utf-8"?>
 <p:sld xmlns:a="http://schemas.openxmlformats.org/drawingml/2006/main" xmlns:r="http://schemas.openxmlformats.org/officeDocument/2006/relationships" xmlns:p="http://schemas.openxmlformats.org/presentationml/2006/main">
   <p:cSld>
     <p:spTree>
@@ -6801,7 +7066,7 @@
 </p:sld>
 </file>
 
-<file path=ppt/slides/slide13.xml><?xml version="1.0" encoding="utf-8"?>
+<file path=ppt/slides/slide14.xml><?xml version="1.0" encoding="utf-8"?>
 <p:sld xmlns:a="http://schemas.openxmlformats.org/drawingml/2006/main" xmlns:r="http://schemas.openxmlformats.org/officeDocument/2006/relationships" xmlns:p="http://schemas.openxmlformats.org/presentationml/2006/main">
   <p:cSld>
     <p:spTree>
@@ -7025,7 +7290,7 @@
 </p:sld>
 </file>
 
-<file path=ppt/slides/slide14.xml><?xml version="1.0" encoding="utf-8"?>
+<file path=ppt/slides/slide15.xml><?xml version="1.0" encoding="utf-8"?>
 <p:sld xmlns:a="http://schemas.openxmlformats.org/drawingml/2006/main" xmlns:r="http://schemas.openxmlformats.org/officeDocument/2006/relationships" xmlns:p="http://schemas.openxmlformats.org/presentationml/2006/main">
   <p:cSld>
     <p:spTree>
@@ -7248,7 +7513,7 @@
 </p:sld>
 </file>
 
-<file path=ppt/slides/slide15.xml><?xml version="1.0" encoding="utf-8"?>
+<file path=ppt/slides/slide16.xml><?xml version="1.0" encoding="utf-8"?>
 <p:sld xmlns:a="http://schemas.openxmlformats.org/drawingml/2006/main" xmlns:r="http://schemas.openxmlformats.org/officeDocument/2006/relationships" xmlns:p="http://schemas.openxmlformats.org/presentationml/2006/main">
   <p:cSld>
     <p:spTree>
@@ -7436,7 +7701,7 @@
 </p:sld>
 </file>
 
-<file path=ppt/slides/slide16.xml><?xml version="1.0" encoding="utf-8"?>
+<file path=ppt/slides/slide17.xml><?xml version="1.0" encoding="utf-8"?>
 <p:sld xmlns:a="http://schemas.openxmlformats.org/drawingml/2006/main" xmlns:r="http://schemas.openxmlformats.org/officeDocument/2006/relationships" xmlns:p="http://schemas.openxmlformats.org/presentationml/2006/main">
   <p:cSld>
     <p:spTree>
@@ -7903,7 +8168,7 @@
 </p:sld>
 </file>
 
-<file path=ppt/slides/slide17.xml><?xml version="1.0" encoding="utf-8"?>
+<file path=ppt/slides/slide18.xml><?xml version="1.0" encoding="utf-8"?>
 <p:sld xmlns:a="http://schemas.openxmlformats.org/drawingml/2006/main" xmlns:r="http://schemas.openxmlformats.org/officeDocument/2006/relationships" xmlns:p="http://schemas.openxmlformats.org/presentationml/2006/main">
   <p:cSld>
     <p:spTree>
@@ -8260,6 +8525,272 @@
     <p:extLst>
       <p:ext uri="{BB962C8B-B14F-4D97-AF65-F5344CB8AC3E}">
         <p14:creationId xmlns:p14="http://schemas.microsoft.com/office/powerpoint/2010/main" val="630529393"/>
+      </p:ext>
+    </p:extLst>
+  </p:cSld>
+  <p:clrMapOvr>
+    <a:masterClrMapping/>
+  </p:clrMapOvr>
+</p:sld>
+</file>
+
+<file path=ppt/slides/slide19.xml><?xml version="1.0" encoding="utf-8"?>
+<p:sld xmlns:a="http://schemas.openxmlformats.org/drawingml/2006/main" xmlns:r="http://schemas.openxmlformats.org/officeDocument/2006/relationships" xmlns:p="http://schemas.openxmlformats.org/presentationml/2006/main">
+  <p:cSld>
+    <p:spTree>
+      <p:nvGrpSpPr>
+        <p:cNvPr id="1" name=""/>
+        <p:cNvGrpSpPr/>
+        <p:nvPr/>
+      </p:nvGrpSpPr>
+      <p:grpSpPr>
+        <a:xfrm>
+          <a:off x="0" y="0"/>
+          <a:ext cx="0" cy="0"/>
+          <a:chOff x="0" y="0"/>
+          <a:chExt cx="0" cy="0"/>
+        </a:xfrm>
+      </p:grpSpPr>
+      <p:sp>
+        <p:nvSpPr>
+          <p:cNvPr id="4" name="object 2">
+            <a:extLst>
+              <a:ext uri="{FF2B5EF4-FFF2-40B4-BE49-F238E27FC236}">
+                <a16:creationId xmlns:a16="http://schemas.microsoft.com/office/drawing/2014/main" id="{406CDEF5-390D-44B2-9F57-753D96126B46}"/>
+              </a:ext>
+            </a:extLst>
+          </p:cNvPr>
+          <p:cNvSpPr txBox="1">
+            <a:spLocks noGrp="1"/>
+          </p:cNvSpPr>
+          <p:nvPr>
+            <p:ph type="title"/>
+          </p:nvPr>
+        </p:nvSpPr>
+        <p:spPr>
+          <a:xfrm>
+            <a:off x="1174375" y="1375376"/>
+            <a:ext cx="8561296" cy="597815"/>
+          </a:xfrm>
+          <a:prstGeom prst="rect">
+            <a:avLst/>
+          </a:prstGeom>
+        </p:spPr>
+        <p:txBody>
+          <a:bodyPr vert="horz" wrap="square" lIns="0" tIns="11516" rIns="0" bIns="0" rtlCol="0">
+            <a:spAutoFit/>
+          </a:bodyPr>
+          <a:lstStyle/>
+          <a:p>
+            <a:pPr marL="11516">
+              <a:spcBef>
+                <a:spcPts val="91"/>
+              </a:spcBef>
+            </a:pPr>
+            <a:r>
+              <a:rPr lang="en-US" sz="3809" dirty="0" smtClean="0"/>
+              <a:t>Test (I)</a:t>
+            </a:r>
+            <a:endParaRPr sz="3809" dirty="0"/>
+          </a:p>
+        </p:txBody>
+      </p:sp>
+      <p:sp>
+        <p:nvSpPr>
+          <p:cNvPr id="5" name="CasellaDiTesto 4">
+            <a:extLst>
+              <a:ext uri="{FF2B5EF4-FFF2-40B4-BE49-F238E27FC236}">
+                <a16:creationId xmlns:a16="http://schemas.microsoft.com/office/drawing/2014/main" id="{6804F70F-8119-4720-919B-DEFB41FA1485}"/>
+              </a:ext>
+            </a:extLst>
+          </p:cNvPr>
+          <p:cNvSpPr txBox="1"/>
+          <p:nvPr/>
+        </p:nvSpPr>
+        <p:spPr>
+          <a:xfrm>
+            <a:off x="1102657" y="2330823"/>
+            <a:ext cx="11170687" cy="2031325"/>
+          </a:xfrm>
+          <a:prstGeom prst="rect">
+            <a:avLst/>
+          </a:prstGeom>
+          <a:noFill/>
+        </p:spPr>
+        <p:txBody>
+          <a:bodyPr wrap="none" rtlCol="0">
+            <a:spAutoFit/>
+          </a:bodyPr>
+          <a:lstStyle/>
+          <a:p>
+            <a:pPr marL="0" marR="0" lvl="0" indent="0" algn="l" defTabSz="914400" rtl="0" eaLnBrk="1" fontAlgn="auto" latinLnBrk="0" hangingPunct="1">
+              <a:lnSpc>
+                <a:spcPct val="100000"/>
+              </a:lnSpc>
+              <a:spcBef>
+                <a:spcPts val="0"/>
+              </a:spcBef>
+              <a:spcAft>
+                <a:spcPts val="0"/>
+              </a:spcAft>
+              <a:buClrTx/>
+              <a:buSzTx/>
+              <a:buFontTx/>
+              <a:buNone/>
+              <a:tabLst/>
+              <a:defRPr/>
+            </a:pPr>
+            <a:r>
+              <a:rPr lang="en-US" dirty="0" smtClean="0">
+                <a:solidFill>
+                  <a:prstClr val="black"/>
+                </a:solidFill>
+                <a:latin typeface="Arial" panose="020B0604020202020204" pitchFamily="34" charset="0"/>
+                <a:cs typeface="Arial" panose="020B0604020202020204" pitchFamily="34" charset="0"/>
+              </a:rPr>
+              <a:t>To test the application, we retrieved tweets collected within 10 minutes after an earthquake on three </a:t>
+            </a:r>
+            <a:br>
+              <a:rPr lang="en-US" dirty="0" smtClean="0">
+                <a:solidFill>
+                  <a:prstClr val="black"/>
+                </a:solidFill>
+                <a:latin typeface="Arial" panose="020B0604020202020204" pitchFamily="34" charset="0"/>
+                <a:cs typeface="Arial" panose="020B0604020202020204" pitchFamily="34" charset="0"/>
+              </a:rPr>
+            </a:br>
+            <a:r>
+              <a:rPr lang="en-US" dirty="0" smtClean="0">
+                <a:solidFill>
+                  <a:prstClr val="black"/>
+                </a:solidFill>
+                <a:latin typeface="Arial" panose="020B0604020202020204" pitchFamily="34" charset="0"/>
+                <a:cs typeface="Arial" panose="020B0604020202020204" pitchFamily="34" charset="0"/>
+              </a:rPr>
+              <a:t>different days. In particular, we collected tweets about earthquake on the dates of 2016-10-30 (magnitude</a:t>
+            </a:r>
+            <a:br>
+              <a:rPr lang="en-US" dirty="0" smtClean="0">
+                <a:solidFill>
+                  <a:prstClr val="black"/>
+                </a:solidFill>
+                <a:latin typeface="Arial" panose="020B0604020202020204" pitchFamily="34" charset="0"/>
+                <a:cs typeface="Arial" panose="020B0604020202020204" pitchFamily="34" charset="0"/>
+              </a:rPr>
+            </a:br>
+            <a:r>
+              <a:rPr lang="en-US" dirty="0" smtClean="0">
+                <a:solidFill>
+                  <a:prstClr val="black"/>
+                </a:solidFill>
+                <a:latin typeface="Arial" panose="020B0604020202020204" pitchFamily="34" charset="0"/>
+                <a:cs typeface="Arial" panose="020B0604020202020204" pitchFamily="34" charset="0"/>
+              </a:rPr>
+              <a:t>6,5), of 2017-01-18 (over magnitude 5) and of 2019-08-27 (less than magnitude 3).</a:t>
+            </a:r>
+            <a:r>
+              <a:rPr lang="en-US" dirty="0">
+                <a:solidFill>
+                  <a:prstClr val="black"/>
+                </a:solidFill>
+                <a:latin typeface="Arial" panose="020B0604020202020204" pitchFamily="34" charset="0"/>
+                <a:cs typeface="Arial" panose="020B0604020202020204" pitchFamily="34" charset="0"/>
+              </a:rPr>
+              <a:t> </a:t>
+            </a:r>
+            <a:r>
+              <a:rPr lang="en-US" dirty="0" smtClean="0">
+                <a:solidFill>
+                  <a:prstClr val="black"/>
+                </a:solidFill>
+                <a:latin typeface="Arial" panose="020B0604020202020204" pitchFamily="34" charset="0"/>
+                <a:cs typeface="Arial" panose="020B0604020202020204" pitchFamily="34" charset="0"/>
+              </a:rPr>
+              <a:t>Those tweets are </a:t>
+            </a:r>
+            <a:br>
+              <a:rPr lang="en-US" dirty="0" smtClean="0">
+                <a:solidFill>
+                  <a:prstClr val="black"/>
+                </a:solidFill>
+                <a:latin typeface="Arial" panose="020B0604020202020204" pitchFamily="34" charset="0"/>
+                <a:cs typeface="Arial" panose="020B0604020202020204" pitchFamily="34" charset="0"/>
+              </a:rPr>
+            </a:br>
+            <a:r>
+              <a:rPr lang="en-US" dirty="0" smtClean="0">
+                <a:solidFill>
+                  <a:prstClr val="black"/>
+                </a:solidFill>
+                <a:latin typeface="Arial" panose="020B0604020202020204" pitchFamily="34" charset="0"/>
+                <a:cs typeface="Arial" panose="020B0604020202020204" pitchFamily="34" charset="0"/>
+              </a:rPr>
+              <a:t>stored in ARFF files.</a:t>
+            </a:r>
+            <a:br>
+              <a:rPr lang="en-US" dirty="0" smtClean="0">
+                <a:solidFill>
+                  <a:prstClr val="black"/>
+                </a:solidFill>
+                <a:latin typeface="Arial" panose="020B0604020202020204" pitchFamily="34" charset="0"/>
+                <a:cs typeface="Arial" panose="020B0604020202020204" pitchFamily="34" charset="0"/>
+              </a:rPr>
+            </a:br>
+            <a:r>
+              <a:rPr lang="en-US" dirty="0" smtClean="0">
+                <a:solidFill>
+                  <a:prstClr val="black"/>
+                </a:solidFill>
+                <a:latin typeface="Arial" panose="020B0604020202020204" pitchFamily="34" charset="0"/>
+                <a:cs typeface="Arial" panose="020B0604020202020204" pitchFamily="34" charset="0"/>
+              </a:rPr>
+              <a:t>For the first two dates’ tweets, our application should classify an high number of earthquake-labeled,</a:t>
+            </a:r>
+            <a:br>
+              <a:rPr lang="en-US" dirty="0" smtClean="0">
+                <a:solidFill>
+                  <a:prstClr val="black"/>
+                </a:solidFill>
+                <a:latin typeface="Arial" panose="020B0604020202020204" pitchFamily="34" charset="0"/>
+                <a:cs typeface="Arial" panose="020B0604020202020204" pitchFamily="34" charset="0"/>
+              </a:rPr>
+            </a:br>
+            <a:r>
+              <a:rPr lang="en-US" dirty="0" smtClean="0">
+                <a:solidFill>
+                  <a:prstClr val="black"/>
+                </a:solidFill>
+                <a:latin typeface="Arial" panose="020B0604020202020204" pitchFamily="34" charset="0"/>
+                <a:cs typeface="Arial" panose="020B0604020202020204" pitchFamily="34" charset="0"/>
+              </a:rPr>
+              <a:t>so it should display an emergency message, while for the third date’s tweet should classify a low number of </a:t>
+            </a:r>
+            <a:br>
+              <a:rPr lang="en-US" dirty="0" smtClean="0">
+                <a:solidFill>
+                  <a:prstClr val="black"/>
+                </a:solidFill>
+                <a:latin typeface="Arial" panose="020B0604020202020204" pitchFamily="34" charset="0"/>
+                <a:cs typeface="Arial" panose="020B0604020202020204" pitchFamily="34" charset="0"/>
+              </a:rPr>
+            </a:br>
+            <a:r>
+              <a:rPr lang="en-US" dirty="0" smtClean="0">
+                <a:solidFill>
+                  <a:prstClr val="black"/>
+                </a:solidFill>
+                <a:latin typeface="Arial" panose="020B0604020202020204" pitchFamily="34" charset="0"/>
+                <a:cs typeface="Arial" panose="020B0604020202020204" pitchFamily="34" charset="0"/>
+              </a:rPr>
+              <a:t>earthquake-labeled and no emergency message should be displayed.</a:t>
+            </a:r>
+          </a:p>
+        </p:txBody>
+      </p:sp>
+    </p:spTree>
+    <p:extLst>
+      <p:ext uri="{BB962C8B-B14F-4D97-AF65-F5344CB8AC3E}">
+        <p14:creationId xmlns:p14="http://schemas.microsoft.com/office/powerpoint/2010/main" val="3877728888"/>
       </p:ext>
     </p:extLst>
   </p:cSld>
@@ -8414,6 +8945,750 @@
     <p:extLst>
       <p:ext uri="{BB962C8B-B14F-4D97-AF65-F5344CB8AC3E}">
         <p14:creationId xmlns:p14="http://schemas.microsoft.com/office/powerpoint/2010/main" val="2883369295"/>
+      </p:ext>
+    </p:extLst>
+  </p:cSld>
+  <p:clrMapOvr>
+    <a:masterClrMapping/>
+  </p:clrMapOvr>
+</p:sld>
+</file>
+
+<file path=ppt/slides/slide20.xml><?xml version="1.0" encoding="utf-8"?>
+<p:sld xmlns:a="http://schemas.openxmlformats.org/drawingml/2006/main" xmlns:r="http://schemas.openxmlformats.org/officeDocument/2006/relationships" xmlns:p="http://schemas.openxmlformats.org/presentationml/2006/main">
+  <p:cSld>
+    <p:spTree>
+      <p:nvGrpSpPr>
+        <p:cNvPr id="1" name=""/>
+        <p:cNvGrpSpPr/>
+        <p:nvPr/>
+      </p:nvGrpSpPr>
+      <p:grpSpPr>
+        <a:xfrm>
+          <a:off x="0" y="0"/>
+          <a:ext cx="0" cy="0"/>
+          <a:chOff x="0" y="0"/>
+          <a:chExt cx="0" cy="0"/>
+        </a:xfrm>
+      </p:grpSpPr>
+      <p:sp>
+        <p:nvSpPr>
+          <p:cNvPr id="4" name="object 2">
+            <a:extLst>
+              <a:ext uri="{FF2B5EF4-FFF2-40B4-BE49-F238E27FC236}">
+                <a16:creationId xmlns:a16="http://schemas.microsoft.com/office/drawing/2014/main" id="{406CDEF5-390D-44B2-9F57-753D96126B46}"/>
+              </a:ext>
+            </a:extLst>
+          </p:cNvPr>
+          <p:cNvSpPr txBox="1">
+            <a:spLocks noGrp="1"/>
+          </p:cNvSpPr>
+          <p:nvPr>
+            <p:ph type="title"/>
+          </p:nvPr>
+        </p:nvSpPr>
+        <p:spPr>
+          <a:xfrm>
+            <a:off x="1174375" y="1375376"/>
+            <a:ext cx="8561296" cy="597815"/>
+          </a:xfrm>
+          <a:prstGeom prst="rect">
+            <a:avLst/>
+          </a:prstGeom>
+        </p:spPr>
+        <p:txBody>
+          <a:bodyPr vert="horz" wrap="square" lIns="0" tIns="11516" rIns="0" bIns="0" rtlCol="0">
+            <a:spAutoFit/>
+          </a:bodyPr>
+          <a:lstStyle/>
+          <a:p>
+            <a:pPr marL="11516">
+              <a:spcBef>
+                <a:spcPts val="91"/>
+              </a:spcBef>
+            </a:pPr>
+            <a:r>
+              <a:rPr lang="en-US" sz="3809" dirty="0" smtClean="0"/>
+              <a:t>Test (II)</a:t>
+            </a:r>
+            <a:endParaRPr sz="3809" dirty="0"/>
+          </a:p>
+        </p:txBody>
+      </p:sp>
+      <p:sp>
+        <p:nvSpPr>
+          <p:cNvPr id="2" name="CasellaDiTesto 1"/>
+          <p:cNvSpPr txBox="1"/>
+          <p:nvPr/>
+        </p:nvSpPr>
+        <p:spPr>
+          <a:xfrm>
+            <a:off x="1174375" y="2312555"/>
+            <a:ext cx="3681136" cy="1754326"/>
+          </a:xfrm>
+          <a:prstGeom prst="rect">
+            <a:avLst/>
+          </a:prstGeom>
+          <a:noFill/>
+        </p:spPr>
+        <p:txBody>
+          <a:bodyPr wrap="none" rtlCol="0">
+            <a:spAutoFit/>
+          </a:bodyPr>
+          <a:lstStyle/>
+          <a:p>
+            <a:pPr marL="285750" indent="-285750">
+              <a:buFont typeface="Arial" panose="020B0604020202020204" pitchFamily="34" charset="0"/>
+              <a:buChar char="•"/>
+            </a:pPr>
+            <a:r>
+              <a:rPr lang="en-US" dirty="0" smtClean="0"/>
+              <a:t>2016-10-30: we have obtained a </a:t>
+            </a:r>
+            <a:br>
+              <a:rPr lang="en-US" dirty="0" smtClean="0"/>
+            </a:br>
+            <a:r>
+              <a:rPr lang="en-US" dirty="0" smtClean="0"/>
+              <a:t>	           good ratio between </a:t>
+            </a:r>
+            <a:br>
+              <a:rPr lang="en-US" dirty="0" smtClean="0"/>
+            </a:br>
+            <a:r>
+              <a:rPr lang="en-US" dirty="0" smtClean="0"/>
+              <a:t>	           positive and negative</a:t>
+            </a:r>
+            <a:r>
+              <a:rPr lang="en-US" dirty="0"/>
+              <a:t/>
+            </a:r>
+            <a:br>
+              <a:rPr lang="en-US" dirty="0"/>
+            </a:br>
+            <a:r>
+              <a:rPr lang="en-US" dirty="0" smtClean="0"/>
+              <a:t>	           tuples, with 1436 </a:t>
+            </a:r>
+            <a:br>
+              <a:rPr lang="en-US" dirty="0" smtClean="0"/>
+            </a:br>
+            <a:r>
+              <a:rPr lang="en-US" dirty="0" smtClean="0"/>
+              <a:t>	           positive tuples and </a:t>
+            </a:r>
+            <a:br>
+              <a:rPr lang="en-US" dirty="0" smtClean="0"/>
+            </a:br>
+            <a:r>
+              <a:rPr lang="en-US" dirty="0" smtClean="0"/>
+              <a:t>	           2370 negative tuples.</a:t>
+            </a:r>
+          </a:p>
+        </p:txBody>
+      </p:sp>
+      <p:pic>
+        <p:nvPicPr>
+          <p:cNvPr id="3" name="Immagine 2"/>
+          <p:cNvPicPr>
+            <a:picLocks noChangeAspect="1"/>
+          </p:cNvPicPr>
+          <p:nvPr/>
+        </p:nvPicPr>
+        <p:blipFill>
+          <a:blip r:embed="rId2">
+            <a:extLst>
+              <a:ext uri="{28A0092B-C50C-407E-A947-70E740481C1C}">
+                <a14:useLocalDpi xmlns:a14="http://schemas.microsoft.com/office/drawing/2010/main" val="0"/>
+              </a:ext>
+            </a:extLst>
+          </a:blip>
+          <a:stretch>
+            <a:fillRect/>
+          </a:stretch>
+        </p:blipFill>
+        <p:spPr>
+          <a:xfrm>
+            <a:off x="6078093" y="2312554"/>
+            <a:ext cx="3961835" cy="1954645"/>
+          </a:xfrm>
+          <a:prstGeom prst="rect">
+            <a:avLst/>
+          </a:prstGeom>
+        </p:spPr>
+      </p:pic>
+    </p:spTree>
+    <p:extLst>
+      <p:ext uri="{BB962C8B-B14F-4D97-AF65-F5344CB8AC3E}">
+        <p14:creationId xmlns:p14="http://schemas.microsoft.com/office/powerpoint/2010/main" val="1513213909"/>
+      </p:ext>
+    </p:extLst>
+  </p:cSld>
+  <p:clrMapOvr>
+    <a:masterClrMapping/>
+  </p:clrMapOvr>
+</p:sld>
+</file>
+
+<file path=ppt/slides/slide21.xml><?xml version="1.0" encoding="utf-8"?>
+<p:sld xmlns:a="http://schemas.openxmlformats.org/drawingml/2006/main" xmlns:r="http://schemas.openxmlformats.org/officeDocument/2006/relationships" xmlns:p="http://schemas.openxmlformats.org/presentationml/2006/main">
+  <p:cSld>
+    <p:spTree>
+      <p:nvGrpSpPr>
+        <p:cNvPr id="1" name=""/>
+        <p:cNvGrpSpPr/>
+        <p:nvPr/>
+      </p:nvGrpSpPr>
+      <p:grpSpPr>
+        <a:xfrm>
+          <a:off x="0" y="0"/>
+          <a:ext cx="0" cy="0"/>
+          <a:chOff x="0" y="0"/>
+          <a:chExt cx="0" cy="0"/>
+        </a:xfrm>
+      </p:grpSpPr>
+      <p:sp>
+        <p:nvSpPr>
+          <p:cNvPr id="4" name="object 2">
+            <a:extLst>
+              <a:ext uri="{FF2B5EF4-FFF2-40B4-BE49-F238E27FC236}">
+                <a16:creationId xmlns:a16="http://schemas.microsoft.com/office/drawing/2014/main" id="{406CDEF5-390D-44B2-9F57-753D96126B46}"/>
+              </a:ext>
+            </a:extLst>
+          </p:cNvPr>
+          <p:cNvSpPr txBox="1">
+            <a:spLocks noGrp="1"/>
+          </p:cNvSpPr>
+          <p:nvPr>
+            <p:ph type="title"/>
+          </p:nvPr>
+        </p:nvSpPr>
+        <p:spPr>
+          <a:xfrm>
+            <a:off x="1174375" y="1375376"/>
+            <a:ext cx="8561296" cy="597815"/>
+          </a:xfrm>
+          <a:prstGeom prst="rect">
+            <a:avLst/>
+          </a:prstGeom>
+        </p:spPr>
+        <p:txBody>
+          <a:bodyPr vert="horz" wrap="square" lIns="0" tIns="11516" rIns="0" bIns="0" rtlCol="0">
+            <a:spAutoFit/>
+          </a:bodyPr>
+          <a:lstStyle/>
+          <a:p>
+            <a:pPr marL="11516">
+              <a:spcBef>
+                <a:spcPts val="91"/>
+              </a:spcBef>
+            </a:pPr>
+            <a:r>
+              <a:rPr lang="en-US" sz="3809" dirty="0" smtClean="0"/>
+              <a:t>Test (III)</a:t>
+            </a:r>
+            <a:endParaRPr sz="3809" dirty="0"/>
+          </a:p>
+        </p:txBody>
+      </p:sp>
+      <p:sp>
+        <p:nvSpPr>
+          <p:cNvPr id="2" name="CasellaDiTesto 1"/>
+          <p:cNvSpPr txBox="1"/>
+          <p:nvPr/>
+        </p:nvSpPr>
+        <p:spPr>
+          <a:xfrm>
+            <a:off x="1174375" y="2312555"/>
+            <a:ext cx="3983142" cy="923330"/>
+          </a:xfrm>
+          <a:prstGeom prst="rect">
+            <a:avLst/>
+          </a:prstGeom>
+          <a:noFill/>
+        </p:spPr>
+        <p:txBody>
+          <a:bodyPr wrap="none" rtlCol="0">
+            <a:spAutoFit/>
+          </a:bodyPr>
+          <a:lstStyle/>
+          <a:p>
+            <a:pPr marL="285750" marR="0" lvl="0" indent="-285750" algn="l" defTabSz="914400" rtl="0" eaLnBrk="1" fontAlgn="auto" latinLnBrk="0" hangingPunct="1">
+              <a:lnSpc>
+                <a:spcPct val="100000"/>
+              </a:lnSpc>
+              <a:spcBef>
+                <a:spcPts val="0"/>
+              </a:spcBef>
+              <a:spcAft>
+                <a:spcPts val="0"/>
+              </a:spcAft>
+              <a:buClrTx/>
+              <a:buSzTx/>
+              <a:buFont typeface="Arial" panose="020B0604020202020204" pitchFamily="34" charset="0"/>
+              <a:buChar char="•"/>
+              <a:tabLst/>
+              <a:defRPr/>
+            </a:pPr>
+            <a:r>
+              <a:rPr kumimoji="0" lang="en-US" sz="1800" b="0" i="0" u="none" strike="noStrike" kern="1200" cap="none" spc="0" normalizeH="0" baseline="0" noProof="0" dirty="0" smtClean="0">
+                <a:ln>
+                  <a:noFill/>
+                </a:ln>
+                <a:solidFill>
+                  <a:prstClr val="black"/>
+                </a:solidFill>
+                <a:effectLst/>
+                <a:uLnTx/>
+                <a:uFillTx/>
+                <a:latin typeface="Calibri"/>
+                <a:ea typeface="+mn-ea"/>
+                <a:cs typeface="+mn-cs"/>
+              </a:rPr>
+              <a:t>2017-01-18: in</a:t>
+            </a:r>
+            <a:r>
+              <a:rPr kumimoji="0" lang="en-US" sz="1800" b="0" i="0" u="none" strike="noStrike" kern="1200" cap="none" spc="0" normalizeH="0" noProof="0" dirty="0" smtClean="0">
+                <a:ln>
+                  <a:noFill/>
+                </a:ln>
+                <a:solidFill>
+                  <a:prstClr val="black"/>
+                </a:solidFill>
+                <a:effectLst/>
+                <a:uLnTx/>
+                <a:uFillTx/>
+                <a:latin typeface="Calibri"/>
+                <a:ea typeface="+mn-ea"/>
+                <a:cs typeface="+mn-cs"/>
+              </a:rPr>
+              <a:t> that test we obtained</a:t>
+            </a:r>
+            <a:br>
+              <a:rPr kumimoji="0" lang="en-US" sz="1800" b="0" i="0" u="none" strike="noStrike" kern="1200" cap="none" spc="0" normalizeH="0" noProof="0" dirty="0" smtClean="0">
+                <a:ln>
+                  <a:noFill/>
+                </a:ln>
+                <a:solidFill>
+                  <a:prstClr val="black"/>
+                </a:solidFill>
+                <a:effectLst/>
+                <a:uLnTx/>
+                <a:uFillTx/>
+                <a:latin typeface="Calibri"/>
+                <a:ea typeface="+mn-ea"/>
+                <a:cs typeface="+mn-cs"/>
+              </a:rPr>
+            </a:br>
+            <a:r>
+              <a:rPr kumimoji="0" lang="en-US" sz="1800" b="0" i="0" u="none" strike="noStrike" kern="1200" cap="none" spc="0" normalizeH="0" noProof="0" dirty="0" smtClean="0">
+                <a:ln>
+                  <a:noFill/>
+                </a:ln>
+                <a:solidFill>
+                  <a:prstClr val="black"/>
+                </a:solidFill>
+                <a:effectLst/>
+                <a:uLnTx/>
+                <a:uFillTx/>
+                <a:latin typeface="Calibri"/>
+                <a:ea typeface="+mn-ea"/>
+                <a:cs typeface="+mn-cs"/>
+              </a:rPr>
+              <a:t>	          </a:t>
+            </a:r>
+            <a:r>
+              <a:rPr lang="en-US" dirty="0" smtClean="0">
+                <a:solidFill>
+                  <a:prstClr val="black"/>
+                </a:solidFill>
+                <a:latin typeface="Calibri"/>
+              </a:rPr>
+              <a:t>616</a:t>
+            </a:r>
+            <a:r>
+              <a:rPr kumimoji="0" lang="en-US" sz="1800" b="0" i="0" u="none" strike="noStrike" kern="1200" cap="none" spc="0" normalizeH="0" baseline="0" noProof="0" dirty="0" smtClean="0">
+                <a:ln>
+                  <a:noFill/>
+                </a:ln>
+                <a:solidFill>
+                  <a:prstClr val="black"/>
+                </a:solidFill>
+                <a:effectLst/>
+                <a:uLnTx/>
+                <a:uFillTx/>
+                <a:latin typeface="Calibri"/>
+                <a:ea typeface="+mn-ea"/>
+                <a:cs typeface="+mn-cs"/>
+              </a:rPr>
+              <a:t> positive tuples and </a:t>
+            </a:r>
+            <a:br>
+              <a:rPr kumimoji="0" lang="en-US" sz="1800" b="0" i="0" u="none" strike="noStrike" kern="1200" cap="none" spc="0" normalizeH="0" baseline="0" noProof="0" dirty="0" smtClean="0">
+                <a:ln>
+                  <a:noFill/>
+                </a:ln>
+                <a:solidFill>
+                  <a:prstClr val="black"/>
+                </a:solidFill>
+                <a:effectLst/>
+                <a:uLnTx/>
+                <a:uFillTx/>
+                <a:latin typeface="Calibri"/>
+                <a:ea typeface="+mn-ea"/>
+                <a:cs typeface="+mn-cs"/>
+              </a:rPr>
+            </a:br>
+            <a:r>
+              <a:rPr kumimoji="0" lang="en-US" sz="1800" b="0" i="0" u="none" strike="noStrike" kern="1200" cap="none" spc="0" normalizeH="0" baseline="0" noProof="0" dirty="0" smtClean="0">
+                <a:ln>
+                  <a:noFill/>
+                </a:ln>
+                <a:solidFill>
+                  <a:prstClr val="black"/>
+                </a:solidFill>
+                <a:effectLst/>
+                <a:uLnTx/>
+                <a:uFillTx/>
+                <a:latin typeface="Calibri"/>
+                <a:ea typeface="+mn-ea"/>
+                <a:cs typeface="+mn-cs"/>
+              </a:rPr>
+              <a:t>	          486 negative tuples.</a:t>
+            </a:r>
+          </a:p>
+        </p:txBody>
+      </p:sp>
+      <p:pic>
+        <p:nvPicPr>
+          <p:cNvPr id="5" name="Immagine 4"/>
+          <p:cNvPicPr>
+            <a:picLocks noChangeAspect="1"/>
+          </p:cNvPicPr>
+          <p:nvPr/>
+        </p:nvPicPr>
+        <p:blipFill>
+          <a:blip r:embed="rId2">
+            <a:extLst>
+              <a:ext uri="{28A0092B-C50C-407E-A947-70E740481C1C}">
+                <a14:useLocalDpi xmlns:a14="http://schemas.microsoft.com/office/drawing/2010/main" val="0"/>
+              </a:ext>
+            </a:extLst>
+          </a:blip>
+          <a:stretch>
+            <a:fillRect/>
+          </a:stretch>
+        </p:blipFill>
+        <p:spPr>
+          <a:xfrm>
+            <a:off x="5770706" y="2377497"/>
+            <a:ext cx="4806950" cy="2343150"/>
+          </a:xfrm>
+          <a:prstGeom prst="rect">
+            <a:avLst/>
+          </a:prstGeom>
+        </p:spPr>
+      </p:pic>
+    </p:spTree>
+    <p:extLst>
+      <p:ext uri="{BB962C8B-B14F-4D97-AF65-F5344CB8AC3E}">
+        <p14:creationId xmlns:p14="http://schemas.microsoft.com/office/powerpoint/2010/main" val="2814248827"/>
+      </p:ext>
+    </p:extLst>
+  </p:cSld>
+  <p:clrMapOvr>
+    <a:masterClrMapping/>
+  </p:clrMapOvr>
+</p:sld>
+</file>
+
+<file path=ppt/slides/slide22.xml><?xml version="1.0" encoding="utf-8"?>
+<p:sld xmlns:a="http://schemas.openxmlformats.org/drawingml/2006/main" xmlns:r="http://schemas.openxmlformats.org/officeDocument/2006/relationships" xmlns:p="http://schemas.openxmlformats.org/presentationml/2006/main">
+  <p:cSld>
+    <p:spTree>
+      <p:nvGrpSpPr>
+        <p:cNvPr id="1" name=""/>
+        <p:cNvGrpSpPr/>
+        <p:nvPr/>
+      </p:nvGrpSpPr>
+      <p:grpSpPr>
+        <a:xfrm>
+          <a:off x="0" y="0"/>
+          <a:ext cx="0" cy="0"/>
+          <a:chOff x="0" y="0"/>
+          <a:chExt cx="0" cy="0"/>
+        </a:xfrm>
+      </p:grpSpPr>
+      <p:sp>
+        <p:nvSpPr>
+          <p:cNvPr id="4" name="object 2">
+            <a:extLst>
+              <a:ext uri="{FF2B5EF4-FFF2-40B4-BE49-F238E27FC236}">
+                <a16:creationId xmlns:a16="http://schemas.microsoft.com/office/drawing/2014/main" id="{406CDEF5-390D-44B2-9F57-753D96126B46}"/>
+              </a:ext>
+            </a:extLst>
+          </p:cNvPr>
+          <p:cNvSpPr txBox="1">
+            <a:spLocks noGrp="1"/>
+          </p:cNvSpPr>
+          <p:nvPr>
+            <p:ph type="title"/>
+          </p:nvPr>
+        </p:nvSpPr>
+        <p:spPr>
+          <a:xfrm>
+            <a:off x="1174375" y="1375376"/>
+            <a:ext cx="8561296" cy="597815"/>
+          </a:xfrm>
+          <a:prstGeom prst="rect">
+            <a:avLst/>
+          </a:prstGeom>
+        </p:spPr>
+        <p:txBody>
+          <a:bodyPr vert="horz" wrap="square" lIns="0" tIns="11516" rIns="0" bIns="0" rtlCol="0">
+            <a:spAutoFit/>
+          </a:bodyPr>
+          <a:lstStyle/>
+          <a:p>
+            <a:pPr marL="11516">
+              <a:spcBef>
+                <a:spcPts val="91"/>
+              </a:spcBef>
+            </a:pPr>
+            <a:r>
+              <a:rPr lang="en-US" sz="3809" dirty="0" smtClean="0"/>
+              <a:t>Test (IV)</a:t>
+            </a:r>
+            <a:endParaRPr sz="3809" dirty="0"/>
+          </a:p>
+        </p:txBody>
+      </p:sp>
+      <p:sp>
+        <p:nvSpPr>
+          <p:cNvPr id="2" name="CasellaDiTesto 1"/>
+          <p:cNvSpPr txBox="1"/>
+          <p:nvPr/>
+        </p:nvSpPr>
+        <p:spPr>
+          <a:xfrm>
+            <a:off x="1174375" y="2312555"/>
+            <a:ext cx="4964885" cy="1200329"/>
+          </a:xfrm>
+          <a:prstGeom prst="rect">
+            <a:avLst/>
+          </a:prstGeom>
+          <a:noFill/>
+        </p:spPr>
+        <p:txBody>
+          <a:bodyPr wrap="none" rtlCol="0">
+            <a:spAutoFit/>
+          </a:bodyPr>
+          <a:lstStyle/>
+          <a:p>
+            <a:pPr marL="285750" marR="0" lvl="0" indent="-285750" algn="l" defTabSz="914400" rtl="0" eaLnBrk="1" fontAlgn="auto" latinLnBrk="0" hangingPunct="1">
+              <a:lnSpc>
+                <a:spcPct val="100000"/>
+              </a:lnSpc>
+              <a:spcBef>
+                <a:spcPts val="0"/>
+              </a:spcBef>
+              <a:spcAft>
+                <a:spcPts val="0"/>
+              </a:spcAft>
+              <a:buClrTx/>
+              <a:buSzTx/>
+              <a:buFont typeface="Arial" panose="020B0604020202020204" pitchFamily="34" charset="0"/>
+              <a:buChar char="•"/>
+              <a:tabLst/>
+              <a:defRPr/>
+            </a:pPr>
+            <a:r>
+              <a:rPr kumimoji="0" lang="en-US" sz="1800" b="0" i="0" u="none" strike="noStrike" kern="1200" cap="none" spc="0" normalizeH="0" baseline="0" noProof="0" dirty="0" smtClean="0">
+                <a:ln>
+                  <a:noFill/>
+                </a:ln>
+                <a:solidFill>
+                  <a:prstClr val="black"/>
+                </a:solidFill>
+                <a:effectLst/>
+                <a:uLnTx/>
+                <a:uFillTx/>
+                <a:latin typeface="Calibri"/>
+                <a:ea typeface="+mn-ea"/>
+                <a:cs typeface="+mn-cs"/>
+              </a:rPr>
+              <a:t>2019-08-27: as expected,</a:t>
+            </a:r>
+            <a:r>
+              <a:rPr kumimoji="0" lang="en-US" sz="1800" b="0" i="0" u="none" strike="noStrike" kern="1200" cap="none" spc="0" normalizeH="0" noProof="0" dirty="0" smtClean="0">
+                <a:ln>
+                  <a:noFill/>
+                </a:ln>
+                <a:solidFill>
+                  <a:prstClr val="black"/>
+                </a:solidFill>
+                <a:effectLst/>
+                <a:uLnTx/>
+                <a:uFillTx/>
+                <a:latin typeface="Calibri"/>
+                <a:ea typeface="+mn-ea"/>
+                <a:cs typeface="+mn-cs"/>
+              </a:rPr>
+              <a:t> for that test we</a:t>
+            </a:r>
+            <a:br>
+              <a:rPr kumimoji="0" lang="en-US" sz="1800" b="0" i="0" u="none" strike="noStrike" kern="1200" cap="none" spc="0" normalizeH="0" noProof="0" dirty="0" smtClean="0">
+                <a:ln>
+                  <a:noFill/>
+                </a:ln>
+                <a:solidFill>
+                  <a:prstClr val="black"/>
+                </a:solidFill>
+                <a:effectLst/>
+                <a:uLnTx/>
+                <a:uFillTx/>
+                <a:latin typeface="Calibri"/>
+                <a:ea typeface="+mn-ea"/>
+                <a:cs typeface="+mn-cs"/>
+              </a:rPr>
+            </a:br>
+            <a:r>
+              <a:rPr kumimoji="0" lang="en-US" sz="1800" b="0" i="0" u="none" strike="noStrike" kern="1200" cap="none" spc="0" normalizeH="0" noProof="0" dirty="0" smtClean="0">
+                <a:ln>
+                  <a:noFill/>
+                </a:ln>
+                <a:solidFill>
+                  <a:prstClr val="black"/>
+                </a:solidFill>
+                <a:effectLst/>
+                <a:uLnTx/>
+                <a:uFillTx/>
+                <a:latin typeface="Calibri"/>
+                <a:ea typeface="+mn-ea"/>
+                <a:cs typeface="+mn-cs"/>
+              </a:rPr>
+              <a:t>	           a low number (3) of positive tuples</a:t>
+            </a:r>
+            <a:br>
+              <a:rPr kumimoji="0" lang="en-US" sz="1800" b="0" i="0" u="none" strike="noStrike" kern="1200" cap="none" spc="0" normalizeH="0" noProof="0" dirty="0" smtClean="0">
+                <a:ln>
+                  <a:noFill/>
+                </a:ln>
+                <a:solidFill>
+                  <a:prstClr val="black"/>
+                </a:solidFill>
+                <a:effectLst/>
+                <a:uLnTx/>
+                <a:uFillTx/>
+                <a:latin typeface="Calibri"/>
+                <a:ea typeface="+mn-ea"/>
+                <a:cs typeface="+mn-cs"/>
+              </a:rPr>
+            </a:br>
+            <a:r>
+              <a:rPr kumimoji="0" lang="en-US" sz="1800" b="0" i="0" u="none" strike="noStrike" kern="1200" cap="none" spc="0" normalizeH="0" noProof="0" dirty="0" smtClean="0">
+                <a:ln>
+                  <a:noFill/>
+                </a:ln>
+                <a:solidFill>
+                  <a:prstClr val="black"/>
+                </a:solidFill>
+                <a:effectLst/>
+                <a:uLnTx/>
+                <a:uFillTx/>
+                <a:latin typeface="Calibri"/>
+                <a:ea typeface="+mn-ea"/>
+                <a:cs typeface="+mn-cs"/>
+              </a:rPr>
+              <a:t>                       and just few more negative tuples </a:t>
+            </a:r>
+            <a:br>
+              <a:rPr kumimoji="0" lang="en-US" sz="1800" b="0" i="0" u="none" strike="noStrike" kern="1200" cap="none" spc="0" normalizeH="0" noProof="0" dirty="0" smtClean="0">
+                <a:ln>
+                  <a:noFill/>
+                </a:ln>
+                <a:solidFill>
+                  <a:prstClr val="black"/>
+                </a:solidFill>
+                <a:effectLst/>
+                <a:uLnTx/>
+                <a:uFillTx/>
+                <a:latin typeface="Calibri"/>
+                <a:ea typeface="+mn-ea"/>
+                <a:cs typeface="+mn-cs"/>
+              </a:rPr>
+            </a:br>
+            <a:r>
+              <a:rPr kumimoji="0" lang="en-US" sz="1800" b="0" i="0" u="none" strike="noStrike" kern="1200" cap="none" spc="0" normalizeH="0" noProof="0" dirty="0" smtClean="0">
+                <a:ln>
+                  <a:noFill/>
+                </a:ln>
+                <a:solidFill>
+                  <a:prstClr val="black"/>
+                </a:solidFill>
+                <a:effectLst/>
+                <a:uLnTx/>
+                <a:uFillTx/>
+                <a:latin typeface="Calibri"/>
+                <a:ea typeface="+mn-ea"/>
+                <a:cs typeface="+mn-cs"/>
+              </a:rPr>
+              <a:t>	            (10)</a:t>
+            </a:r>
+            <a:r>
+              <a:rPr kumimoji="0" lang="en-US" sz="1800" b="0" i="0" u="none" strike="noStrike" kern="1200" cap="none" spc="0" normalizeH="0" baseline="0" noProof="0" dirty="0" smtClean="0">
+                <a:ln>
+                  <a:noFill/>
+                </a:ln>
+                <a:solidFill>
+                  <a:prstClr val="black"/>
+                </a:solidFill>
+                <a:effectLst/>
+                <a:uLnTx/>
+                <a:uFillTx/>
+                <a:latin typeface="Calibri"/>
+                <a:ea typeface="+mn-ea"/>
+                <a:cs typeface="+mn-cs"/>
+              </a:rPr>
+              <a:t>.</a:t>
+            </a:r>
+          </a:p>
+        </p:txBody>
+      </p:sp>
+      <p:pic>
+        <p:nvPicPr>
+          <p:cNvPr id="3" name="Immagine 2"/>
+          <p:cNvPicPr>
+            <a:picLocks noChangeAspect="1"/>
+          </p:cNvPicPr>
+          <p:nvPr/>
+        </p:nvPicPr>
+        <p:blipFill>
+          <a:blip r:embed="rId2">
+            <a:extLst>
+              <a:ext uri="{28A0092B-C50C-407E-A947-70E740481C1C}">
+                <a14:useLocalDpi xmlns:a14="http://schemas.microsoft.com/office/drawing/2010/main" val="0"/>
+              </a:ext>
+            </a:extLst>
+          </a:blip>
+          <a:stretch>
+            <a:fillRect/>
+          </a:stretch>
+        </p:blipFill>
+        <p:spPr>
+          <a:xfrm>
+            <a:off x="6250711" y="2312555"/>
+            <a:ext cx="4299525" cy="2093190"/>
+          </a:xfrm>
+          <a:prstGeom prst="rect">
+            <a:avLst/>
+          </a:prstGeom>
+        </p:spPr>
+      </p:pic>
+    </p:spTree>
+    <p:extLst>
+      <p:ext uri="{BB962C8B-B14F-4D97-AF65-F5344CB8AC3E}">
+        <p14:creationId xmlns:p14="http://schemas.microsoft.com/office/powerpoint/2010/main" val="1997455860"/>
       </p:ext>
     </p:extLst>
   </p:cSld>
@@ -8903,8 +10178,8 @@
         </p:nvSpPr>
         <p:spPr>
           <a:xfrm>
-            <a:off x="1174376" y="1375376"/>
-            <a:ext cx="2985248" cy="597815"/>
+            <a:off x="1174375" y="1375376"/>
+            <a:ext cx="3379151" cy="597815"/>
           </a:xfrm>
           <a:prstGeom prst="rect">
             <a:avLst/>
@@ -8923,7 +10198,11 @@
             </a:pPr>
             <a:r>
               <a:rPr lang="en-US" sz="3809" dirty="0"/>
-              <a:t>Training set</a:t>
+              <a:t>Training </a:t>
+            </a:r>
+            <a:r>
+              <a:rPr lang="en-US" sz="3809" dirty="0" smtClean="0"/>
+              <a:t>set (I)</a:t>
             </a:r>
             <a:endParaRPr sz="3809" dirty="0"/>
           </a:p>
@@ -9191,8 +10470,8 @@
         </p:nvSpPr>
         <p:spPr>
           <a:xfrm>
-            <a:off x="1174375" y="1375376"/>
-            <a:ext cx="5486401" cy="597815"/>
+            <a:off x="1174376" y="1375376"/>
+            <a:ext cx="3647006" cy="597815"/>
           </a:xfrm>
           <a:prstGeom prst="rect">
             <a:avLst/>
@@ -9211,7 +10490,11 @@
             </a:pPr>
             <a:r>
               <a:rPr lang="en-US" sz="3809" dirty="0"/>
-              <a:t>Pre-processing</a:t>
+              <a:t>Training </a:t>
+            </a:r>
+            <a:r>
+              <a:rPr lang="en-US" sz="3809" dirty="0" smtClean="0"/>
+              <a:t>set (II)</a:t>
             </a:r>
             <a:endParaRPr sz="3809" dirty="0"/>
           </a:p>
@@ -9225,8 +10508,8 @@
         </p:nvSpPr>
         <p:spPr>
           <a:xfrm>
-            <a:off x="1174375" y="2383683"/>
-            <a:ext cx="10130118" cy="1121951"/>
+            <a:off x="1174376" y="2369937"/>
+            <a:ext cx="10130118" cy="844952"/>
           </a:xfrm>
           <a:prstGeom prst="rect">
             <a:avLst/>
@@ -9256,22 +10539,455 @@
               <a:defRPr/>
             </a:pPr>
             <a:r>
-              <a:rPr lang="en-US" dirty="0">
-                <a:solidFill>
-                  <a:prstClr val="black"/>
-                </a:solidFill>
-                <a:latin typeface="Arial" panose="020B0604020202020204" pitchFamily="34" charset="0"/>
-                <a:cs typeface="Arial" panose="020B0604020202020204" pitchFamily="34" charset="0"/>
-              </a:rPr>
-              <a:t>After the tweets have been fetched, all of them have been pre-processed in order to extract only the raw text and remove all meta-information associated. All useless information have been discarded, like user id, retweet flag etc. After that a regular expression filter to the text of the tweet is applied and all the characters have been converted to lower case.</a:t>
-            </a:r>
-          </a:p>
-        </p:txBody>
-      </p:sp>
+              <a:rPr lang="it-IT" dirty="0" smtClean="0">
+                <a:solidFill>
+                  <a:prstClr val="black"/>
+                </a:solidFill>
+                <a:latin typeface="Arial" panose="020B0604020202020204" pitchFamily="34" charset="0"/>
+                <a:cs typeface="Arial" panose="020B0604020202020204" pitchFamily="34" charset="0"/>
+              </a:rPr>
+              <a:t>An </a:t>
+            </a:r>
+            <a:r>
+              <a:rPr lang="it-IT" dirty="0" err="1" smtClean="0">
+                <a:solidFill>
+                  <a:prstClr val="black"/>
+                </a:solidFill>
+                <a:latin typeface="Arial" panose="020B0604020202020204" pitchFamily="34" charset="0"/>
+                <a:cs typeface="Arial" panose="020B0604020202020204" pitchFamily="34" charset="0"/>
+              </a:rPr>
+              <a:t>example</a:t>
+            </a:r>
+            <a:r>
+              <a:rPr lang="it-IT" dirty="0" smtClean="0">
+                <a:solidFill>
+                  <a:prstClr val="black"/>
+                </a:solidFill>
+                <a:latin typeface="Arial" panose="020B0604020202020204" pitchFamily="34" charset="0"/>
+                <a:cs typeface="Arial" panose="020B0604020202020204" pitchFamily="34" charset="0"/>
+              </a:rPr>
+              <a:t> of the </a:t>
+            </a:r>
+            <a:r>
+              <a:rPr lang="it-IT" dirty="0" err="1" smtClean="0">
+                <a:solidFill>
+                  <a:prstClr val="black"/>
+                </a:solidFill>
+                <a:latin typeface="Arial" panose="020B0604020202020204" pitchFamily="34" charset="0"/>
+                <a:cs typeface="Arial" panose="020B0604020202020204" pitchFamily="34" charset="0"/>
+              </a:rPr>
+              <a:t>manual</a:t>
+            </a:r>
+            <a:r>
+              <a:rPr lang="it-IT" dirty="0" smtClean="0">
+                <a:solidFill>
+                  <a:prstClr val="black"/>
+                </a:solidFill>
+                <a:latin typeface="Arial" panose="020B0604020202020204" pitchFamily="34" charset="0"/>
+                <a:cs typeface="Arial" panose="020B0604020202020204" pitchFamily="34" charset="0"/>
+              </a:rPr>
+              <a:t> </a:t>
+            </a:r>
+            <a:r>
+              <a:rPr lang="it-IT" dirty="0" err="1" smtClean="0">
+                <a:solidFill>
+                  <a:prstClr val="black"/>
+                </a:solidFill>
+                <a:latin typeface="Arial" panose="020B0604020202020204" pitchFamily="34" charset="0"/>
+                <a:cs typeface="Arial" panose="020B0604020202020204" pitchFamily="34" charset="0"/>
+              </a:rPr>
+              <a:t>classification</a:t>
+            </a:r>
+            <a:r>
+              <a:rPr lang="it-IT" dirty="0" smtClean="0">
+                <a:solidFill>
+                  <a:prstClr val="black"/>
+                </a:solidFill>
+                <a:latin typeface="Arial" panose="020B0604020202020204" pitchFamily="34" charset="0"/>
+                <a:cs typeface="Arial" panose="020B0604020202020204" pitchFamily="34" charset="0"/>
+              </a:rPr>
+              <a:t> </a:t>
+            </a:r>
+            <a:r>
+              <a:rPr lang="it-IT" dirty="0" err="1" smtClean="0">
+                <a:solidFill>
+                  <a:prstClr val="black"/>
+                </a:solidFill>
+                <a:latin typeface="Arial" panose="020B0604020202020204" pitchFamily="34" charset="0"/>
+                <a:cs typeface="Arial" panose="020B0604020202020204" pitchFamily="34" charset="0"/>
+              </a:rPr>
+              <a:t>exploited</a:t>
+            </a:r>
+            <a:r>
+              <a:rPr lang="it-IT" dirty="0" smtClean="0">
+                <a:solidFill>
+                  <a:prstClr val="black"/>
+                </a:solidFill>
+                <a:latin typeface="Arial" panose="020B0604020202020204" pitchFamily="34" charset="0"/>
+                <a:cs typeface="Arial" panose="020B0604020202020204" pitchFamily="34" charset="0"/>
+              </a:rPr>
+              <a:t> </a:t>
+            </a:r>
+            <a:r>
+              <a:rPr lang="it-IT" dirty="0" err="1" smtClean="0">
+                <a:solidFill>
+                  <a:prstClr val="black"/>
+                </a:solidFill>
+                <a:latin typeface="Arial" panose="020B0604020202020204" pitchFamily="34" charset="0"/>
+                <a:cs typeface="Arial" panose="020B0604020202020204" pitchFamily="34" charset="0"/>
+              </a:rPr>
+              <a:t>is</a:t>
+            </a:r>
+            <a:r>
+              <a:rPr lang="it-IT" dirty="0" smtClean="0">
+                <a:solidFill>
+                  <a:prstClr val="black"/>
+                </a:solidFill>
+                <a:latin typeface="Arial" panose="020B0604020202020204" pitchFamily="34" charset="0"/>
+                <a:cs typeface="Arial" panose="020B0604020202020204" pitchFamily="34" charset="0"/>
+              </a:rPr>
+              <a:t> </a:t>
+            </a:r>
+            <a:r>
+              <a:rPr lang="it-IT" dirty="0" err="1" smtClean="0">
+                <a:solidFill>
+                  <a:prstClr val="black"/>
+                </a:solidFill>
+                <a:latin typeface="Arial" panose="020B0604020202020204" pitchFamily="34" charset="0"/>
+                <a:cs typeface="Arial" panose="020B0604020202020204" pitchFamily="34" charset="0"/>
+              </a:rPr>
+              <a:t>shown</a:t>
+            </a:r>
+            <a:r>
+              <a:rPr lang="it-IT" dirty="0" smtClean="0">
+                <a:solidFill>
+                  <a:prstClr val="black"/>
+                </a:solidFill>
+                <a:latin typeface="Arial" panose="020B0604020202020204" pitchFamily="34" charset="0"/>
+                <a:cs typeface="Arial" panose="020B0604020202020204" pitchFamily="34" charset="0"/>
+              </a:rPr>
+              <a:t> </a:t>
+            </a:r>
+            <a:r>
+              <a:rPr lang="it-IT" dirty="0" err="1" smtClean="0">
+                <a:solidFill>
+                  <a:prstClr val="black"/>
+                </a:solidFill>
+                <a:latin typeface="Arial" panose="020B0604020202020204" pitchFamily="34" charset="0"/>
+                <a:cs typeface="Arial" panose="020B0604020202020204" pitchFamily="34" charset="0"/>
+              </a:rPr>
+              <a:t>below</a:t>
+            </a:r>
+            <a:r>
+              <a:rPr lang="it-IT" dirty="0" smtClean="0">
+                <a:solidFill>
+                  <a:prstClr val="black"/>
+                </a:solidFill>
+                <a:latin typeface="Arial" panose="020B0604020202020204" pitchFamily="34" charset="0"/>
+                <a:cs typeface="Arial" panose="020B0604020202020204" pitchFamily="34" charset="0"/>
+              </a:rPr>
+              <a:t>, </a:t>
+            </a:r>
+            <a:r>
+              <a:rPr lang="it-IT" dirty="0" err="1" smtClean="0">
+                <a:solidFill>
+                  <a:prstClr val="black"/>
+                </a:solidFill>
+                <a:latin typeface="Arial" panose="020B0604020202020204" pitchFamily="34" charset="0"/>
+                <a:cs typeface="Arial" panose="020B0604020202020204" pitchFamily="34" charset="0"/>
+              </a:rPr>
+              <a:t>we</a:t>
+            </a:r>
+            <a:r>
+              <a:rPr lang="it-IT" dirty="0" smtClean="0">
+                <a:solidFill>
+                  <a:prstClr val="black"/>
+                </a:solidFill>
+                <a:latin typeface="Arial" panose="020B0604020202020204" pitchFamily="34" charset="0"/>
+                <a:cs typeface="Arial" panose="020B0604020202020204" pitchFamily="34" charset="0"/>
+              </a:rPr>
+              <a:t> </a:t>
+            </a:r>
+            <a:r>
+              <a:rPr lang="it-IT" dirty="0" err="1" smtClean="0">
+                <a:solidFill>
+                  <a:prstClr val="black"/>
+                </a:solidFill>
+                <a:latin typeface="Arial" panose="020B0604020202020204" pitchFamily="34" charset="0"/>
+                <a:cs typeface="Arial" panose="020B0604020202020204" pitchFamily="34" charset="0"/>
+              </a:rPr>
+              <a:t>choosed</a:t>
+            </a:r>
+            <a:r>
+              <a:rPr lang="it-IT" dirty="0" smtClean="0">
+                <a:solidFill>
+                  <a:prstClr val="black"/>
+                </a:solidFill>
+                <a:latin typeface="Arial" panose="020B0604020202020204" pitchFamily="34" charset="0"/>
+                <a:cs typeface="Arial" panose="020B0604020202020204" pitchFamily="34" charset="0"/>
+              </a:rPr>
+              <a:t> to </a:t>
+            </a:r>
+            <a:r>
+              <a:rPr lang="it-IT" dirty="0" err="1" smtClean="0">
+                <a:solidFill>
+                  <a:prstClr val="black"/>
+                </a:solidFill>
+                <a:latin typeface="Arial" panose="020B0604020202020204" pitchFamily="34" charset="0"/>
+                <a:cs typeface="Arial" panose="020B0604020202020204" pitchFamily="34" charset="0"/>
+              </a:rPr>
+              <a:t>label</a:t>
+            </a:r>
+            <a:r>
+              <a:rPr lang="it-IT" dirty="0" smtClean="0">
+                <a:solidFill>
+                  <a:prstClr val="black"/>
+                </a:solidFill>
+                <a:latin typeface="Arial" panose="020B0604020202020204" pitchFamily="34" charset="0"/>
+                <a:cs typeface="Arial" panose="020B0604020202020204" pitchFamily="34" charset="0"/>
+              </a:rPr>
+              <a:t> </a:t>
+            </a:r>
+            <a:r>
+              <a:rPr lang="en-US" dirty="0" smtClean="0">
+                <a:solidFill>
+                  <a:prstClr val="black"/>
+                </a:solidFill>
+                <a:latin typeface="Arial" panose="020B0604020202020204" pitchFamily="34" charset="0"/>
+                <a:cs typeface="Arial" panose="020B0604020202020204" pitchFamily="34" charset="0"/>
+              </a:rPr>
+              <a:t>“earthquake”</a:t>
+            </a:r>
+            <a:br>
+              <a:rPr lang="en-US" dirty="0" smtClean="0">
+                <a:solidFill>
+                  <a:prstClr val="black"/>
+                </a:solidFill>
+                <a:latin typeface="Arial" panose="020B0604020202020204" pitchFamily="34" charset="0"/>
+                <a:cs typeface="Arial" panose="020B0604020202020204" pitchFamily="34" charset="0"/>
+              </a:rPr>
+            </a:br>
+            <a:r>
+              <a:rPr lang="en-US" dirty="0" smtClean="0">
+                <a:solidFill>
+                  <a:prstClr val="black"/>
+                </a:solidFill>
+                <a:latin typeface="Arial" panose="020B0604020202020204" pitchFamily="34" charset="0"/>
+                <a:cs typeface="Arial" panose="020B0604020202020204" pitchFamily="34" charset="0"/>
+              </a:rPr>
+              <a:t>all those tweets about serious earthquake, while we labeled “non-</a:t>
+            </a:r>
+            <a:r>
+              <a:rPr lang="en-US" dirty="0" err="1" smtClean="0">
+                <a:solidFill>
+                  <a:prstClr val="black"/>
+                </a:solidFill>
+                <a:latin typeface="Arial" panose="020B0604020202020204" pitchFamily="34" charset="0"/>
+                <a:cs typeface="Arial" panose="020B0604020202020204" pitchFamily="34" charset="0"/>
+              </a:rPr>
+              <a:t>eartqhake</a:t>
+            </a:r>
+            <a:r>
+              <a:rPr lang="en-US" dirty="0" smtClean="0">
+                <a:solidFill>
+                  <a:prstClr val="black"/>
+                </a:solidFill>
+                <a:latin typeface="Arial" panose="020B0604020202020204" pitchFamily="34" charset="0"/>
+                <a:cs typeface="Arial" panose="020B0604020202020204" pitchFamily="34" charset="0"/>
+              </a:rPr>
+              <a:t>” all the tweets about </a:t>
+            </a:r>
+            <a:br>
+              <a:rPr lang="en-US" dirty="0" smtClean="0">
+                <a:solidFill>
+                  <a:prstClr val="black"/>
+                </a:solidFill>
+                <a:latin typeface="Arial" panose="020B0604020202020204" pitchFamily="34" charset="0"/>
+                <a:cs typeface="Arial" panose="020B0604020202020204" pitchFamily="34" charset="0"/>
+              </a:rPr>
+            </a:br>
+            <a:r>
+              <a:rPr lang="en-US" dirty="0" smtClean="0">
+                <a:solidFill>
+                  <a:prstClr val="black"/>
+                </a:solidFill>
+                <a:latin typeface="Arial" panose="020B0604020202020204" pitchFamily="34" charset="0"/>
+                <a:cs typeface="Arial" panose="020B0604020202020204" pitchFamily="34" charset="0"/>
+              </a:rPr>
+              <a:t>mild earthquake, with no damage, or out of context.</a:t>
+            </a:r>
+            <a:endParaRPr kumimoji="0" lang="en-US" sz="1800" b="0" i="0" u="none" strike="noStrike" kern="1200" cap="none" spc="0" normalizeH="0" baseline="0" noProof="0" dirty="0">
+              <a:ln>
+                <a:noFill/>
+              </a:ln>
+              <a:solidFill>
+                <a:prstClr val="black"/>
+              </a:solidFill>
+              <a:effectLst/>
+              <a:uLnTx/>
+              <a:uFillTx/>
+              <a:latin typeface="Arial" panose="020B0604020202020204" pitchFamily="34" charset="0"/>
+              <a:ea typeface="+mn-ea"/>
+              <a:cs typeface="Arial" panose="020B0604020202020204" pitchFamily="34" charset="0"/>
+            </a:endParaRPr>
+          </a:p>
+        </p:txBody>
+      </p:sp>
+      <p:sp>
+        <p:nvSpPr>
+          <p:cNvPr id="5" name="object 3">
+            <a:extLst>
+              <a:ext uri="{FF2B5EF4-FFF2-40B4-BE49-F238E27FC236}">
+                <a16:creationId xmlns:a16="http://schemas.microsoft.com/office/drawing/2014/main" id="{772EC180-0364-4C8F-9EB5-0D9D1E45E083}"/>
+              </a:ext>
+            </a:extLst>
+          </p:cNvPr>
+          <p:cNvSpPr txBox="1"/>
+          <p:nvPr/>
+        </p:nvSpPr>
+        <p:spPr>
+          <a:xfrm>
+            <a:off x="1174376" y="3334636"/>
+            <a:ext cx="5101594" cy="290954"/>
+          </a:xfrm>
+          <a:prstGeom prst="rect">
+            <a:avLst/>
+          </a:prstGeom>
+        </p:spPr>
+        <p:txBody>
+          <a:bodyPr vert="horz" wrap="square" lIns="0" tIns="13820" rIns="0" bIns="0" rtlCol="0">
+            <a:spAutoFit/>
+          </a:bodyPr>
+          <a:lstStyle/>
+          <a:p>
+            <a:pPr marL="0" marR="0" lvl="0" indent="0" algn="l" defTabSz="914400" rtl="0" eaLnBrk="1" fontAlgn="auto" latinLnBrk="0" hangingPunct="1">
+              <a:lnSpc>
+                <a:spcPct val="100000"/>
+              </a:lnSpc>
+              <a:spcBef>
+                <a:spcPts val="0"/>
+              </a:spcBef>
+              <a:spcAft>
+                <a:spcPts val="0"/>
+              </a:spcAft>
+              <a:buClrTx/>
+              <a:buSzTx/>
+              <a:buFontTx/>
+              <a:buNone/>
+              <a:tabLst/>
+              <a:defRPr/>
+            </a:pPr>
+            <a:endParaRPr kumimoji="0" lang="en-US" sz="1800" b="0" i="0" u="none" strike="noStrike" kern="1200" cap="none" spc="0" normalizeH="0" baseline="0" noProof="0" dirty="0">
+              <a:ln>
+                <a:noFill/>
+              </a:ln>
+              <a:solidFill>
+                <a:prstClr val="black"/>
+              </a:solidFill>
+              <a:effectLst/>
+              <a:uLnTx/>
+              <a:uFillTx/>
+              <a:latin typeface="Arial" panose="020B0604020202020204" pitchFamily="34" charset="0"/>
+              <a:ea typeface="+mn-ea"/>
+              <a:cs typeface="Arial" panose="020B0604020202020204" pitchFamily="34" charset="0"/>
+            </a:endParaRPr>
+          </a:p>
+        </p:txBody>
+      </p:sp>
+      <p:pic>
+        <p:nvPicPr>
+          <p:cNvPr id="6" name="Immagine 5"/>
+          <p:cNvPicPr>
+            <a:picLocks noChangeAspect="1"/>
+          </p:cNvPicPr>
+          <p:nvPr/>
+        </p:nvPicPr>
+        <p:blipFill>
+          <a:blip r:embed="rId2">
+            <a:extLst>
+              <a:ext uri="{28A0092B-C50C-407E-A947-70E740481C1C}">
+                <a14:useLocalDpi xmlns:a14="http://schemas.microsoft.com/office/drawing/2010/main" val="0"/>
+              </a:ext>
+            </a:extLst>
+          </a:blip>
+          <a:stretch>
+            <a:fillRect/>
+          </a:stretch>
+        </p:blipFill>
+        <p:spPr>
+          <a:xfrm>
+            <a:off x="1174376" y="3334636"/>
+            <a:ext cx="9017000" cy="730250"/>
+          </a:xfrm>
+          <a:prstGeom prst="rect">
+            <a:avLst/>
+          </a:prstGeom>
+        </p:spPr>
+      </p:pic>
+      <p:pic>
+        <p:nvPicPr>
+          <p:cNvPr id="7" name="Immagine 6"/>
+          <p:cNvPicPr>
+            <a:picLocks noChangeAspect="1"/>
+          </p:cNvPicPr>
+          <p:nvPr/>
+        </p:nvPicPr>
+        <p:blipFill>
+          <a:blip r:embed="rId3">
+            <a:extLst>
+              <a:ext uri="{28A0092B-C50C-407E-A947-70E740481C1C}">
+                <a14:useLocalDpi xmlns:a14="http://schemas.microsoft.com/office/drawing/2010/main" val="0"/>
+              </a:ext>
+            </a:extLst>
+          </a:blip>
+          <a:stretch>
+            <a:fillRect/>
+          </a:stretch>
+        </p:blipFill>
+        <p:spPr>
+          <a:xfrm>
+            <a:off x="1174376" y="4295469"/>
+            <a:ext cx="10058400" cy="352622"/>
+          </a:xfrm>
+          <a:prstGeom prst="rect">
+            <a:avLst/>
+          </a:prstGeom>
+        </p:spPr>
+      </p:pic>
+      <p:pic>
+        <p:nvPicPr>
+          <p:cNvPr id="8" name="Immagine 7"/>
+          <p:cNvPicPr>
+            <a:picLocks noChangeAspect="1"/>
+          </p:cNvPicPr>
+          <p:nvPr/>
+        </p:nvPicPr>
+        <p:blipFill>
+          <a:blip r:embed="rId4">
+            <a:extLst>
+              <a:ext uri="{28A0092B-C50C-407E-A947-70E740481C1C}">
+                <a14:useLocalDpi xmlns:a14="http://schemas.microsoft.com/office/drawing/2010/main" val="0"/>
+              </a:ext>
+            </a:extLst>
+          </a:blip>
+          <a:stretch>
+            <a:fillRect/>
+          </a:stretch>
+        </p:blipFill>
+        <p:spPr>
+          <a:xfrm>
+            <a:off x="1174376" y="4648091"/>
+            <a:ext cx="10058400" cy="369751"/>
+          </a:xfrm>
+          <a:prstGeom prst="rect">
+            <a:avLst/>
+          </a:prstGeom>
+        </p:spPr>
+      </p:pic>
     </p:spTree>
     <p:extLst>
       <p:ext uri="{BB962C8B-B14F-4D97-AF65-F5344CB8AC3E}">
-        <p14:creationId xmlns:p14="http://schemas.microsoft.com/office/powerpoint/2010/main" val="1258030576"/>
+        <p14:creationId xmlns:p14="http://schemas.microsoft.com/office/powerpoint/2010/main" val="4096910440"/>
       </p:ext>
     </p:extLst>
   </p:cSld>
@@ -9300,13 +11016,7 @@
       </p:grpSpPr>
       <p:sp>
         <p:nvSpPr>
-          <p:cNvPr id="4" name="object 2">
-            <a:extLst>
-              <a:ext uri="{FF2B5EF4-FFF2-40B4-BE49-F238E27FC236}">
-                <a16:creationId xmlns:a16="http://schemas.microsoft.com/office/drawing/2014/main" id="{CEA011D6-090C-4264-9CD4-C3C8C5103CF9}"/>
-              </a:ext>
-            </a:extLst>
-          </p:cNvPr>
+          <p:cNvPr id="2" name="object 2"/>
           <p:cNvSpPr txBox="1">
             <a:spLocks noGrp="1"/>
           </p:cNvSpPr>
@@ -9336,7 +11046,7 @@
             </a:pPr>
             <a:r>
               <a:rPr lang="en-US" sz="3809" dirty="0"/>
-              <a:t>Text mining process</a:t>
+              <a:t>Pre-processing</a:t>
             </a:r>
             <a:endParaRPr sz="3809" dirty="0"/>
           </a:p>
@@ -9344,20 +11054,14 @@
       </p:sp>
       <p:sp>
         <p:nvSpPr>
-          <p:cNvPr id="5" name="object 3">
-            <a:extLst>
-              <a:ext uri="{FF2B5EF4-FFF2-40B4-BE49-F238E27FC236}">
-                <a16:creationId xmlns:a16="http://schemas.microsoft.com/office/drawing/2014/main" id="{A37AFA8F-5EB1-4085-8A63-B81ACF066F26}"/>
-              </a:ext>
-            </a:extLst>
-          </p:cNvPr>
+          <p:cNvPr id="3" name="object 3"/>
           <p:cNvSpPr txBox="1"/>
           <p:nvPr/>
         </p:nvSpPr>
         <p:spPr>
           <a:xfrm>
             <a:off x="1174375" y="2383683"/>
-            <a:ext cx="10130118" cy="567953"/>
+            <a:ext cx="10130118" cy="1121951"/>
           </a:xfrm>
           <a:prstGeom prst="rect">
             <a:avLst/>
@@ -9394,216 +11098,7 @@
                 <a:latin typeface="Arial" panose="020B0604020202020204" pitchFamily="34" charset="0"/>
                 <a:cs typeface="Arial" panose="020B0604020202020204" pitchFamily="34" charset="0"/>
               </a:rPr>
-              <a:t>Before creating the model we needed to apply a text mining process in order to obtain, from a set of strings, a set of numeric vectors that will be elaborated in the classification step.</a:t>
-            </a:r>
-            <a:endParaRPr lang="en-US" u="sng" dirty="0">
-              <a:solidFill>
-                <a:prstClr val="black"/>
-              </a:solidFill>
-              <a:latin typeface="Arial" panose="020B0604020202020204" pitchFamily="34" charset="0"/>
-              <a:cs typeface="Arial" panose="020B0604020202020204" pitchFamily="34" charset="0"/>
-            </a:endParaRPr>
-          </a:p>
-        </p:txBody>
-      </p:sp>
-      <p:sp>
-        <p:nvSpPr>
-          <p:cNvPr id="6" name="object 3">
-            <a:extLst>
-              <a:ext uri="{FF2B5EF4-FFF2-40B4-BE49-F238E27FC236}">
-                <a16:creationId xmlns:a16="http://schemas.microsoft.com/office/drawing/2014/main" id="{718AF569-2C8F-4D60-8624-21C22CA71887}"/>
-              </a:ext>
-            </a:extLst>
-          </p:cNvPr>
-          <p:cNvSpPr txBox="1"/>
-          <p:nvPr/>
-        </p:nvSpPr>
-        <p:spPr>
-          <a:xfrm>
-            <a:off x="1174375" y="3078151"/>
-            <a:ext cx="10130118" cy="1675948"/>
-          </a:xfrm>
-          <a:prstGeom prst="rect">
-            <a:avLst/>
-          </a:prstGeom>
-        </p:spPr>
-        <p:txBody>
-          <a:bodyPr vert="horz" wrap="square" lIns="0" tIns="13820" rIns="0" bIns="0" rtlCol="0">
-            <a:spAutoFit/>
-          </a:bodyPr>
-          <a:lstStyle/>
-          <a:p>
-            <a:pPr marL="0" marR="0" lvl="0" indent="0" algn="l" defTabSz="914400" rtl="0" eaLnBrk="1" fontAlgn="auto" latinLnBrk="0" hangingPunct="1">
-              <a:lnSpc>
-                <a:spcPct val="100000"/>
-              </a:lnSpc>
-              <a:spcBef>
-                <a:spcPts val="0"/>
-              </a:spcBef>
-              <a:spcAft>
-                <a:spcPts val="0"/>
-              </a:spcAft>
-              <a:buClrTx/>
-              <a:buSzTx/>
-              <a:buFontTx/>
-              <a:buNone/>
-              <a:tabLst/>
-              <a:defRPr/>
-            </a:pPr>
-            <a:r>
-              <a:rPr lang="en-US" dirty="0">
-                <a:solidFill>
-                  <a:prstClr val="black"/>
-                </a:solidFill>
-                <a:latin typeface="Arial" panose="020B0604020202020204" pitchFamily="34" charset="0"/>
-                <a:cs typeface="Arial" panose="020B0604020202020204" pitchFamily="34" charset="0"/>
-              </a:rPr>
-              <a:t>Text mining steps:</a:t>
-            </a:r>
-          </a:p>
-          <a:p>
-            <a:pPr marL="285750" marR="0" lvl="0" indent="-285750" algn="l" defTabSz="914400" rtl="0" eaLnBrk="1" fontAlgn="auto" latinLnBrk="0" hangingPunct="1">
-              <a:lnSpc>
-                <a:spcPct val="100000"/>
-              </a:lnSpc>
-              <a:spcBef>
-                <a:spcPts val="0"/>
-              </a:spcBef>
-              <a:spcAft>
-                <a:spcPts val="0"/>
-              </a:spcAft>
-              <a:buClrTx/>
-              <a:buSzTx/>
-              <a:buFont typeface="Arial" panose="020B0604020202020204" pitchFamily="34" charset="0"/>
-              <a:buChar char="•"/>
-              <a:tabLst/>
-              <a:defRPr/>
-            </a:pPr>
-            <a:r>
-              <a:rPr lang="en-US" dirty="0">
-                <a:solidFill>
-                  <a:prstClr val="black"/>
-                </a:solidFill>
-                <a:latin typeface="Arial" panose="020B0604020202020204" pitchFamily="34" charset="0"/>
-                <a:cs typeface="Arial" panose="020B0604020202020204" pitchFamily="34" charset="0"/>
-              </a:rPr>
-              <a:t>Tokenization</a:t>
-            </a:r>
-          </a:p>
-          <a:p>
-            <a:pPr marL="285750" marR="0" lvl="0" indent="-285750" algn="l" defTabSz="914400" rtl="0" eaLnBrk="1" fontAlgn="auto" latinLnBrk="0" hangingPunct="1">
-              <a:lnSpc>
-                <a:spcPct val="100000"/>
-              </a:lnSpc>
-              <a:spcBef>
-                <a:spcPts val="0"/>
-              </a:spcBef>
-              <a:spcAft>
-                <a:spcPts val="0"/>
-              </a:spcAft>
-              <a:buClrTx/>
-              <a:buSzTx/>
-              <a:buFont typeface="Arial" panose="020B0604020202020204" pitchFamily="34" charset="0"/>
-              <a:buChar char="•"/>
-              <a:tabLst/>
-              <a:defRPr/>
-            </a:pPr>
-            <a:r>
-              <a:rPr lang="en-US" dirty="0">
-                <a:solidFill>
-                  <a:prstClr val="black"/>
-                </a:solidFill>
-                <a:latin typeface="Arial" panose="020B0604020202020204" pitchFamily="34" charset="0"/>
-                <a:cs typeface="Arial" panose="020B0604020202020204" pitchFamily="34" charset="0"/>
-              </a:rPr>
-              <a:t>Stop-word filtering</a:t>
-            </a:r>
-          </a:p>
-          <a:p>
-            <a:pPr marL="285750" marR="0" lvl="0" indent="-285750" algn="l" defTabSz="914400" rtl="0" eaLnBrk="1" fontAlgn="auto" latinLnBrk="0" hangingPunct="1">
-              <a:lnSpc>
-                <a:spcPct val="100000"/>
-              </a:lnSpc>
-              <a:spcBef>
-                <a:spcPts val="0"/>
-              </a:spcBef>
-              <a:spcAft>
-                <a:spcPts val="0"/>
-              </a:spcAft>
-              <a:buClrTx/>
-              <a:buSzTx/>
-              <a:buFont typeface="Arial" panose="020B0604020202020204" pitchFamily="34" charset="0"/>
-              <a:buChar char="•"/>
-              <a:tabLst/>
-              <a:defRPr/>
-            </a:pPr>
-            <a:r>
-              <a:rPr lang="en-US" dirty="0">
-                <a:solidFill>
-                  <a:prstClr val="black"/>
-                </a:solidFill>
-                <a:latin typeface="Arial" panose="020B0604020202020204" pitchFamily="34" charset="0"/>
-                <a:cs typeface="Arial" panose="020B0604020202020204" pitchFamily="34" charset="0"/>
-              </a:rPr>
-              <a:t>Stemming</a:t>
-            </a:r>
-          </a:p>
-          <a:p>
-            <a:pPr marL="285750" marR="0" lvl="0" indent="-285750" algn="l" defTabSz="914400" rtl="0" eaLnBrk="1" fontAlgn="auto" latinLnBrk="0" hangingPunct="1">
-              <a:lnSpc>
-                <a:spcPct val="100000"/>
-              </a:lnSpc>
-              <a:spcBef>
-                <a:spcPts val="0"/>
-              </a:spcBef>
-              <a:spcAft>
-                <a:spcPts val="0"/>
-              </a:spcAft>
-              <a:buClrTx/>
-              <a:buSzTx/>
-              <a:buFont typeface="Arial" panose="020B0604020202020204" pitchFamily="34" charset="0"/>
-              <a:buChar char="•"/>
-              <a:tabLst/>
-              <a:defRPr/>
-            </a:pPr>
-            <a:r>
-              <a:rPr lang="en-US" dirty="0">
-                <a:solidFill>
-                  <a:prstClr val="black"/>
-                </a:solidFill>
-                <a:latin typeface="Arial" panose="020B0604020202020204" pitchFamily="34" charset="0"/>
-                <a:cs typeface="Arial" panose="020B0604020202020204" pitchFamily="34" charset="0"/>
-              </a:rPr>
-              <a:t>Stem-filtering</a:t>
-            </a:r>
-          </a:p>
-          <a:p>
-            <a:pPr marL="285750" marR="0" lvl="0" indent="-285750" algn="l" defTabSz="914400" rtl="0" eaLnBrk="1" fontAlgn="auto" latinLnBrk="0" hangingPunct="1">
-              <a:lnSpc>
-                <a:spcPct val="100000"/>
-              </a:lnSpc>
-              <a:spcBef>
-                <a:spcPts val="0"/>
-              </a:spcBef>
-              <a:spcAft>
-                <a:spcPts val="0"/>
-              </a:spcAft>
-              <a:buClrTx/>
-              <a:buSzTx/>
-              <a:buFont typeface="Arial" panose="020B0604020202020204" pitchFamily="34" charset="0"/>
-              <a:buChar char="•"/>
-              <a:tabLst/>
-              <a:defRPr/>
-            </a:pPr>
-            <a:r>
-              <a:rPr lang="en-US" dirty="0">
-                <a:solidFill>
-                  <a:prstClr val="black"/>
-                </a:solidFill>
-                <a:latin typeface="Arial" panose="020B0604020202020204" pitchFamily="34" charset="0"/>
-                <a:cs typeface="Arial" panose="020B0604020202020204" pitchFamily="34" charset="0"/>
-              </a:rPr>
-              <a:t>Feature representation</a:t>
+              <a:t>After the tweets have been fetched, all of them have been pre-processed in order to extract only the raw text and remove all meta-information associated. All useless information have been discarded, like user id, retweet flag etc. After that a regular expression filter to the text of the tweet is applied and all the characters have been converted to lower case.</a:t>
             </a:r>
           </a:p>
         </p:txBody>
@@ -9611,7 +11106,7 @@
     </p:spTree>
     <p:extLst>
       <p:ext uri="{BB962C8B-B14F-4D97-AF65-F5344CB8AC3E}">
-        <p14:creationId xmlns:p14="http://schemas.microsoft.com/office/powerpoint/2010/main" val="2570497334"/>
+        <p14:creationId xmlns:p14="http://schemas.microsoft.com/office/powerpoint/2010/main" val="1258030576"/>
       </p:ext>
     </p:extLst>
   </p:cSld>
@@ -9640,7 +11135,13 @@
       </p:grpSpPr>
       <p:sp>
         <p:nvSpPr>
-          <p:cNvPr id="2" name="object 2"/>
+          <p:cNvPr id="4" name="object 2">
+            <a:extLst>
+              <a:ext uri="{FF2B5EF4-FFF2-40B4-BE49-F238E27FC236}">
+                <a16:creationId xmlns:a16="http://schemas.microsoft.com/office/drawing/2014/main" id="{CEA011D6-090C-4264-9CD4-C3C8C5103CF9}"/>
+              </a:ext>
+            </a:extLst>
+          </p:cNvPr>
           <p:cNvSpPr txBox="1">
             <a:spLocks noGrp="1"/>
           </p:cNvSpPr>
@@ -9670,7 +11171,7 @@
             </a:pPr>
             <a:r>
               <a:rPr lang="en-US" sz="3809" dirty="0"/>
-              <a:t>Classification</a:t>
+              <a:t>Text mining process</a:t>
             </a:r>
             <a:endParaRPr sz="3809" dirty="0"/>
           </a:p>
@@ -9678,22 +11179,27 @@
       </p:sp>
       <p:sp>
         <p:nvSpPr>
-          <p:cNvPr id="4" name="CasellaDiTesto 3"/>
+          <p:cNvPr id="5" name="object 3">
+            <a:extLst>
+              <a:ext uri="{FF2B5EF4-FFF2-40B4-BE49-F238E27FC236}">
+                <a16:creationId xmlns:a16="http://schemas.microsoft.com/office/drawing/2014/main" id="{A37AFA8F-5EB1-4085-8A63-B81ACF066F26}"/>
+              </a:ext>
+            </a:extLst>
+          </p:cNvPr>
           <p:cNvSpPr txBox="1"/>
           <p:nvPr/>
         </p:nvSpPr>
         <p:spPr>
           <a:xfrm>
-            <a:off x="1102657" y="2330823"/>
-            <a:ext cx="10619254" cy="2031325"/>
+            <a:off x="1174375" y="2383683"/>
+            <a:ext cx="10130118" cy="567953"/>
           </a:xfrm>
           <a:prstGeom prst="rect">
             <a:avLst/>
           </a:prstGeom>
-          <a:noFill/>
         </p:spPr>
         <p:txBody>
-          <a:bodyPr wrap="none" rtlCol="0">
+          <a:bodyPr vert="horz" wrap="square" lIns="0" tIns="13820" rIns="0" bIns="0" rtlCol="0">
             <a:spAutoFit/>
           </a:bodyPr>
           <a:lstStyle/>
@@ -9723,9 +11229,44 @@
                 <a:latin typeface="Arial" panose="020B0604020202020204" pitchFamily="34" charset="0"/>
                 <a:cs typeface="Arial" panose="020B0604020202020204" pitchFamily="34" charset="0"/>
               </a:rPr>
-              <a:t>Once the raw tweets have been elaborated during text mining steps, we used a classification model </a:t>
-            </a:r>
-          </a:p>
+              <a:t>Before creating the model we needed to apply a text mining process in order to obtain, from a set of strings, a set of numeric vectors that will be elaborated in the classification step.</a:t>
+            </a:r>
+            <a:endParaRPr lang="en-US" u="sng" dirty="0">
+              <a:solidFill>
+                <a:prstClr val="black"/>
+              </a:solidFill>
+              <a:latin typeface="Arial" panose="020B0604020202020204" pitchFamily="34" charset="0"/>
+              <a:cs typeface="Arial" panose="020B0604020202020204" pitchFamily="34" charset="0"/>
+            </a:endParaRPr>
+          </a:p>
+        </p:txBody>
+      </p:sp>
+      <p:sp>
+        <p:nvSpPr>
+          <p:cNvPr id="6" name="object 3">
+            <a:extLst>
+              <a:ext uri="{FF2B5EF4-FFF2-40B4-BE49-F238E27FC236}">
+                <a16:creationId xmlns:a16="http://schemas.microsoft.com/office/drawing/2014/main" id="{718AF569-2C8F-4D60-8624-21C22CA71887}"/>
+              </a:ext>
+            </a:extLst>
+          </p:cNvPr>
+          <p:cNvSpPr txBox="1"/>
+          <p:nvPr/>
+        </p:nvSpPr>
+        <p:spPr>
+          <a:xfrm>
+            <a:off x="1174375" y="3078151"/>
+            <a:ext cx="10130118" cy="1675948"/>
+          </a:xfrm>
+          <a:prstGeom prst="rect">
+            <a:avLst/>
+          </a:prstGeom>
+        </p:spPr>
+        <p:txBody>
+          <a:bodyPr vert="horz" wrap="square" lIns="0" tIns="13820" rIns="0" bIns="0" rtlCol="0">
+            <a:spAutoFit/>
+          </a:bodyPr>
+          <a:lstStyle/>
           <a:p>
             <a:pPr marL="0" marR="0" lvl="0" indent="0" algn="l" defTabSz="914400" rtl="0" eaLnBrk="1" fontAlgn="auto" latinLnBrk="0" hangingPunct="1">
               <a:lnSpc>
@@ -9752,92 +11293,28 @@
                 <a:latin typeface="Arial" panose="020B0604020202020204" pitchFamily="34" charset="0"/>
                 <a:cs typeface="Arial" panose="020B0604020202020204" pitchFamily="34" charset="0"/>
               </a:rPr>
-              <a:t>to obtain a label for each tweet</a:t>
-            </a:r>
-            <a:r>
-              <a:rPr kumimoji="0" lang="en-US" sz="1800" b="0" i="0" u="none" strike="noStrike" kern="1200" cap="none" spc="0" normalizeH="0" baseline="0" noProof="0" dirty="0">
-                <a:ln>
-                  <a:noFill/>
-                </a:ln>
-                <a:solidFill>
-                  <a:prstClr val="black"/>
-                </a:solidFill>
-                <a:effectLst/>
-                <a:uLnTx/>
-                <a:uFillTx/>
-                <a:latin typeface="Arial" panose="020B0604020202020204" pitchFamily="34" charset="0"/>
-                <a:ea typeface="+mn-ea"/>
-                <a:cs typeface="Arial" panose="020B0604020202020204" pitchFamily="34" charset="0"/>
-              </a:rPr>
-              <a:t>.</a:t>
-            </a:r>
-            <a:br>
-              <a:rPr kumimoji="0" lang="en-US" sz="1800" b="0" i="0" u="none" strike="noStrike" kern="1200" cap="none" spc="0" normalizeH="0" baseline="0" noProof="0" dirty="0">
-                <a:ln>
-                  <a:noFill/>
-                </a:ln>
-                <a:solidFill>
-                  <a:prstClr val="black"/>
-                </a:solidFill>
-                <a:effectLst/>
-                <a:uLnTx/>
-                <a:uFillTx/>
-                <a:latin typeface="Arial" panose="020B0604020202020204" pitchFamily="34" charset="0"/>
-                <a:ea typeface="+mn-ea"/>
-                <a:cs typeface="Arial" panose="020B0604020202020204" pitchFamily="34" charset="0"/>
-              </a:rPr>
-            </a:br>
-            <a:br>
-              <a:rPr kumimoji="0" lang="en-US" sz="1800" b="0" i="0" u="none" strike="noStrike" kern="1200" cap="none" spc="0" normalizeH="0" baseline="0" noProof="0" dirty="0">
-                <a:ln>
-                  <a:noFill/>
-                </a:ln>
-                <a:solidFill>
-                  <a:prstClr val="black"/>
-                </a:solidFill>
-                <a:effectLst/>
-                <a:uLnTx/>
-                <a:uFillTx/>
-                <a:latin typeface="Arial" panose="020B0604020202020204" pitchFamily="34" charset="0"/>
-                <a:ea typeface="+mn-ea"/>
-                <a:cs typeface="Arial" panose="020B0604020202020204" pitchFamily="34" charset="0"/>
-              </a:rPr>
-            </a:br>
-            <a:r>
-              <a:rPr kumimoji="0" lang="en-US" sz="1800" b="0" i="0" u="none" strike="noStrike" kern="1200" cap="none" spc="0" normalizeH="0" baseline="0" noProof="0" dirty="0">
-                <a:ln>
-                  <a:noFill/>
-                </a:ln>
-                <a:solidFill>
-                  <a:prstClr val="black"/>
-                </a:solidFill>
-                <a:effectLst/>
-                <a:uLnTx/>
-                <a:uFillTx/>
-                <a:latin typeface="Arial" panose="020B0604020202020204" pitchFamily="34" charset="0"/>
-                <a:ea typeface="+mn-ea"/>
-                <a:cs typeface="Arial" panose="020B0604020202020204" pitchFamily="34" charset="0"/>
-              </a:rPr>
-              <a:t>Different classifiers have</a:t>
-            </a:r>
-            <a:r>
-              <a:rPr kumimoji="0" lang="en-US" sz="1800" b="0" i="0" u="none" strike="noStrike" kern="1200" cap="none" spc="0" normalizeH="0" noProof="0" dirty="0">
-                <a:ln>
-                  <a:noFill/>
-                </a:ln>
-                <a:solidFill>
-                  <a:prstClr val="black"/>
-                </a:solidFill>
-                <a:effectLst/>
-                <a:uLnTx/>
-                <a:uFillTx/>
-                <a:latin typeface="Arial" panose="020B0604020202020204" pitchFamily="34" charset="0"/>
-                <a:ea typeface="+mn-ea"/>
-                <a:cs typeface="Arial" panose="020B0604020202020204" pitchFamily="34" charset="0"/>
-              </a:rPr>
-              <a:t> been compared, in particular we focused on SMO (Sequential </a:t>
-            </a:r>
-            <a:br>
+              <a:t>Text mining steps:</a:t>
+            </a:r>
+          </a:p>
+          <a:p>
+            <a:pPr marL="285750" marR="0" lvl="0" indent="-285750" algn="l" defTabSz="914400" rtl="0" eaLnBrk="1" fontAlgn="auto" latinLnBrk="0" hangingPunct="1">
+              <a:lnSpc>
+                <a:spcPct val="100000"/>
+              </a:lnSpc>
+              <a:spcBef>
+                <a:spcPts val="0"/>
+              </a:spcBef>
+              <a:spcAft>
+                <a:spcPts val="0"/>
+              </a:spcAft>
+              <a:buClrTx/>
+              <a:buSzTx/>
+              <a:buFont typeface="Arial" panose="020B0604020202020204" pitchFamily="34" charset="0"/>
+              <a:buChar char="•"/>
+              <a:tabLst/>
+              <a:defRPr/>
+            </a:pPr>
+            <a:r>
               <a:rPr lang="en-US" dirty="0">
                 <a:solidFill>
                   <a:prstClr val="black"/>
@@ -9845,7 +11322,27 @@
                 <a:latin typeface="Arial" panose="020B0604020202020204" pitchFamily="34" charset="0"/>
                 <a:cs typeface="Arial" panose="020B0604020202020204" pitchFamily="34" charset="0"/>
               </a:rPr>
-            </a:br>
+              <a:t>Tokenization</a:t>
+            </a:r>
+          </a:p>
+          <a:p>
+            <a:pPr marL="285750" marR="0" lvl="0" indent="-285750" algn="l" defTabSz="914400" rtl="0" eaLnBrk="1" fontAlgn="auto" latinLnBrk="0" hangingPunct="1">
+              <a:lnSpc>
+                <a:spcPct val="100000"/>
+              </a:lnSpc>
+              <a:spcBef>
+                <a:spcPts val="0"/>
+              </a:spcBef>
+              <a:spcAft>
+                <a:spcPts val="0"/>
+              </a:spcAft>
+              <a:buClrTx/>
+              <a:buSzTx/>
+              <a:buFont typeface="Arial" panose="020B0604020202020204" pitchFamily="34" charset="0"/>
+              <a:buChar char="•"/>
+              <a:tabLst/>
+              <a:defRPr/>
+            </a:pPr>
             <a:r>
               <a:rPr lang="en-US" dirty="0">
                 <a:solidFill>
@@ -9854,18 +11351,27 @@
                 <a:latin typeface="Arial" panose="020B0604020202020204" pitchFamily="34" charset="0"/>
                 <a:cs typeface="Arial" panose="020B0604020202020204" pitchFamily="34" charset="0"/>
               </a:rPr>
-              <a:t>Minimal Optimization), J48 (</a:t>
-            </a:r>
-            <a:r>
-              <a:rPr lang="en-US" dirty="0" err="1">
-                <a:solidFill>
-                  <a:prstClr val="black"/>
-                </a:solidFill>
-                <a:latin typeface="Arial" panose="020B0604020202020204" pitchFamily="34" charset="0"/>
-                <a:cs typeface="Arial" panose="020B0604020202020204" pitchFamily="34" charset="0"/>
-              </a:rPr>
-              <a:t>weka’s</a:t>
-            </a:r>
+              <a:t>Stop-word filtering</a:t>
+            </a:r>
+          </a:p>
+          <a:p>
+            <a:pPr marL="285750" marR="0" lvl="0" indent="-285750" algn="l" defTabSz="914400" rtl="0" eaLnBrk="1" fontAlgn="auto" latinLnBrk="0" hangingPunct="1">
+              <a:lnSpc>
+                <a:spcPct val="100000"/>
+              </a:lnSpc>
+              <a:spcBef>
+                <a:spcPts val="0"/>
+              </a:spcBef>
+              <a:spcAft>
+                <a:spcPts val="0"/>
+              </a:spcAft>
+              <a:buClrTx/>
+              <a:buSzTx/>
+              <a:buFont typeface="Arial" panose="020B0604020202020204" pitchFamily="34" charset="0"/>
+              <a:buChar char="•"/>
+              <a:tabLst/>
+              <a:defRPr/>
+            </a:pPr>
             <a:r>
               <a:rPr lang="en-US" dirty="0">
                 <a:solidFill>
@@ -9874,18 +11380,27 @@
                 <a:latin typeface="Arial" panose="020B0604020202020204" pitchFamily="34" charset="0"/>
                 <a:cs typeface="Arial" panose="020B0604020202020204" pitchFamily="34" charset="0"/>
               </a:rPr>
-              <a:t> implementation of the C4.5 algorithm), </a:t>
-            </a:r>
-            <a:r>
-              <a:rPr lang="en-US" dirty="0" err="1">
-                <a:solidFill>
-                  <a:prstClr val="black"/>
-                </a:solidFill>
-                <a:latin typeface="Arial" panose="020B0604020202020204" pitchFamily="34" charset="0"/>
-                <a:cs typeface="Arial" panose="020B0604020202020204" pitchFamily="34" charset="0"/>
-              </a:rPr>
-              <a:t>kNN</a:t>
-            </a:r>
+              <a:t>Stemming</a:t>
+            </a:r>
+          </a:p>
+          <a:p>
+            <a:pPr marL="285750" marR="0" lvl="0" indent="-285750" algn="l" defTabSz="914400" rtl="0" eaLnBrk="1" fontAlgn="auto" latinLnBrk="0" hangingPunct="1">
+              <a:lnSpc>
+                <a:spcPct val="100000"/>
+              </a:lnSpc>
+              <a:spcBef>
+                <a:spcPts val="0"/>
+              </a:spcBef>
+              <a:spcAft>
+                <a:spcPts val="0"/>
+              </a:spcAft>
+              <a:buClrTx/>
+              <a:buSzTx/>
+              <a:buFont typeface="Arial" panose="020B0604020202020204" pitchFamily="34" charset="0"/>
+              <a:buChar char="•"/>
+              <a:tabLst/>
+              <a:defRPr/>
+            </a:pPr>
             <a:r>
               <a:rPr lang="en-US" dirty="0">
                 <a:solidFill>
@@ -9894,9 +11409,28 @@
                 <a:latin typeface="Arial" panose="020B0604020202020204" pitchFamily="34" charset="0"/>
                 <a:cs typeface="Arial" panose="020B0604020202020204" pitchFamily="34" charset="0"/>
               </a:rPr>
-              <a:t> (k-Nearest Neighbors, </a:t>
-            </a:r>
-            <a:br>
+              <a:t>Stem-filtering</a:t>
+            </a:r>
+          </a:p>
+          <a:p>
+            <a:pPr marL="285750" marR="0" lvl="0" indent="-285750" algn="l" defTabSz="914400" rtl="0" eaLnBrk="1" fontAlgn="auto" latinLnBrk="0" hangingPunct="1">
+              <a:lnSpc>
+                <a:spcPct val="100000"/>
+              </a:lnSpc>
+              <a:spcBef>
+                <a:spcPts val="0"/>
+              </a:spcBef>
+              <a:spcAft>
+                <a:spcPts val="0"/>
+              </a:spcAft>
+              <a:buClrTx/>
+              <a:buSzTx/>
+              <a:buFont typeface="Arial" panose="020B0604020202020204" pitchFamily="34" charset="0"/>
+              <a:buChar char="•"/>
+              <a:tabLst/>
+              <a:defRPr/>
+            </a:pPr>
+            <a:r>
               <a:rPr lang="en-US" dirty="0">
                 <a:solidFill>
                   <a:prstClr val="black"/>
@@ -9904,77 +11438,15 @@
                 <a:latin typeface="Arial" panose="020B0604020202020204" pitchFamily="34" charset="0"/>
                 <a:cs typeface="Arial" panose="020B0604020202020204" pitchFamily="34" charset="0"/>
               </a:rPr>
-            </a:br>
-            <a:r>
-              <a:rPr lang="en-US" dirty="0">
-                <a:solidFill>
-                  <a:prstClr val="black"/>
-                </a:solidFill>
-                <a:latin typeface="Arial" panose="020B0604020202020204" pitchFamily="34" charset="0"/>
-                <a:cs typeface="Arial" panose="020B0604020202020204" pitchFamily="34" charset="0"/>
-              </a:rPr>
-              <a:t>we focused on two </a:t>
-            </a:r>
-            <a:r>
-              <a:rPr lang="en-US" dirty="0" err="1">
-                <a:solidFill>
-                  <a:prstClr val="black"/>
-                </a:solidFill>
-                <a:latin typeface="Arial" panose="020B0604020202020204" pitchFamily="34" charset="0"/>
-                <a:cs typeface="Arial" panose="020B0604020202020204" pitchFamily="34" charset="0"/>
-              </a:rPr>
-              <a:t>kNN</a:t>
-            </a:r>
-            <a:r>
-              <a:rPr lang="en-US" dirty="0">
-                <a:solidFill>
-                  <a:prstClr val="black"/>
-                </a:solidFill>
-                <a:latin typeface="Arial" panose="020B0604020202020204" pitchFamily="34" charset="0"/>
-                <a:cs typeface="Arial" panose="020B0604020202020204" pitchFamily="34" charset="0"/>
-              </a:rPr>
-              <a:t> models, with k equal to 1 and 3) an the NB (the naïve Bayesian classifier, </a:t>
-            </a:r>
-            <a:br>
-              <a:rPr lang="en-US" dirty="0">
-                <a:solidFill>
-                  <a:prstClr val="black"/>
-                </a:solidFill>
-                <a:latin typeface="Arial" panose="020B0604020202020204" pitchFamily="34" charset="0"/>
-                <a:cs typeface="Arial" panose="020B0604020202020204" pitchFamily="34" charset="0"/>
-              </a:rPr>
-            </a:br>
-            <a:r>
-              <a:rPr lang="en-US" dirty="0">
-                <a:solidFill>
-                  <a:prstClr val="black"/>
-                </a:solidFill>
-                <a:latin typeface="Arial" panose="020B0604020202020204" pitchFamily="34" charset="0"/>
-                <a:cs typeface="Arial" panose="020B0604020202020204" pitchFamily="34" charset="0"/>
-              </a:rPr>
-              <a:t>based on the Bayes’ s theorem).</a:t>
-            </a:r>
-            <a:endParaRPr kumimoji="0" lang="en-US" sz="1800" b="0" i="0" u="none" strike="noStrike" kern="1200" cap="none" spc="0" normalizeH="0" noProof="0" dirty="0">
-              <a:ln>
-                <a:noFill/>
-              </a:ln>
-              <a:solidFill>
-                <a:prstClr val="black"/>
-              </a:solidFill>
-              <a:effectLst/>
-              <a:uLnTx/>
-              <a:uFillTx/>
-              <a:latin typeface="Arial" panose="020B0604020202020204" pitchFamily="34" charset="0"/>
-              <a:ea typeface="+mn-ea"/>
-              <a:cs typeface="Arial" panose="020B0604020202020204" pitchFamily="34" charset="0"/>
-            </a:endParaRPr>
+              <a:t>Feature representation</a:t>
+            </a:r>
           </a:p>
         </p:txBody>
       </p:sp>
     </p:spTree>
     <p:extLst>
       <p:ext uri="{BB962C8B-B14F-4D97-AF65-F5344CB8AC3E}">
-        <p14:creationId xmlns:p14="http://schemas.microsoft.com/office/powerpoint/2010/main" val="4205415046"/>
+        <p14:creationId xmlns:p14="http://schemas.microsoft.com/office/powerpoint/2010/main" val="2570497334"/>
       </p:ext>
     </p:extLst>
   </p:cSld>
@@ -10033,7 +11505,7 @@
             </a:pPr>
             <a:r>
               <a:rPr lang="en-US" sz="3809" dirty="0"/>
-              <a:t>Classification model (I)</a:t>
+              <a:t>Classification</a:t>
             </a:r>
             <a:endParaRPr sz="3809" dirty="0"/>
           </a:p>
@@ -10041,14 +11513,14 @@
       </p:sp>
       <p:sp>
         <p:nvSpPr>
-          <p:cNvPr id="5" name="CasellaDiTesto 4"/>
+          <p:cNvPr id="4" name="CasellaDiTesto 3"/>
           <p:cNvSpPr txBox="1"/>
           <p:nvPr/>
         </p:nvSpPr>
         <p:spPr>
           <a:xfrm>
-            <a:off x="1237129" y="2294965"/>
-            <a:ext cx="998991" cy="369332"/>
+            <a:off x="1102657" y="2330823"/>
+            <a:ext cx="10619254" cy="2031325"/>
           </a:xfrm>
           <a:prstGeom prst="rect">
             <a:avLst/>
@@ -10061,180 +11533,310 @@
           </a:bodyPr>
           <a:lstStyle/>
           <a:p>
-            <a:pPr marL="285750" indent="-285750">
-              <a:buFont typeface="Arial" panose="020B0604020202020204" pitchFamily="34" charset="0"/>
-              <a:buChar char="•"/>
+            <a:pPr marL="0" marR="0" lvl="0" indent="0" algn="l" defTabSz="914400" rtl="0" eaLnBrk="1" fontAlgn="auto" latinLnBrk="0" hangingPunct="1">
+              <a:lnSpc>
+                <a:spcPct val="100000"/>
+              </a:lnSpc>
+              <a:spcBef>
+                <a:spcPts val="0"/>
+              </a:spcBef>
+              <a:spcAft>
+                <a:spcPts val="0"/>
+              </a:spcAft>
+              <a:buClrTx/>
+              <a:buSzTx/>
+              <a:buFontTx/>
+              <a:buNone/>
+              <a:tabLst/>
+              <a:defRPr/>
             </a:pPr>
             <a:r>
               <a:rPr lang="en-US" dirty="0">
-                <a:latin typeface="Arial" panose="020B0604020202020204" pitchFamily="34" charset="0"/>
-                <a:cs typeface="Arial" panose="020B0604020202020204" pitchFamily="34" charset="0"/>
-              </a:rPr>
-              <a:t>SMO</a:t>
-            </a:r>
-          </a:p>
-        </p:txBody>
-      </p:sp>
-      <p:sp>
-        <p:nvSpPr>
-          <p:cNvPr id="7" name="CasellaDiTesto 6"/>
-          <p:cNvSpPr txBox="1"/>
-          <p:nvPr/>
-        </p:nvSpPr>
-        <p:spPr>
-          <a:xfrm>
-            <a:off x="1335741" y="4392706"/>
-            <a:ext cx="845103" cy="369332"/>
-          </a:xfrm>
-          <a:prstGeom prst="rect">
-            <a:avLst/>
-          </a:prstGeom>
-          <a:noFill/>
-        </p:spPr>
-        <p:txBody>
-          <a:bodyPr wrap="none" rtlCol="0">
-            <a:spAutoFit/>
-          </a:bodyPr>
-          <a:lstStyle/>
-          <a:p>
-            <a:pPr marL="285750" indent="-285750">
-              <a:buFont typeface="Arial" panose="020B0604020202020204" pitchFamily="34" charset="0"/>
-              <a:buChar char="•"/>
+                <a:solidFill>
+                  <a:prstClr val="black"/>
+                </a:solidFill>
+                <a:latin typeface="Arial" panose="020B0604020202020204" pitchFamily="34" charset="0"/>
+                <a:cs typeface="Arial" panose="020B0604020202020204" pitchFamily="34" charset="0"/>
+              </a:rPr>
+              <a:t>Once the raw tweets have been elaborated during text mining steps, we used a classification model </a:t>
+            </a:r>
+          </a:p>
+          <a:p>
+            <a:pPr marL="0" marR="0" lvl="0" indent="0" algn="l" defTabSz="914400" rtl="0" eaLnBrk="1" fontAlgn="auto" latinLnBrk="0" hangingPunct="1">
+              <a:lnSpc>
+                <a:spcPct val="100000"/>
+              </a:lnSpc>
+              <a:spcBef>
+                <a:spcPts val="0"/>
+              </a:spcBef>
+              <a:spcAft>
+                <a:spcPts val="0"/>
+              </a:spcAft>
+              <a:buClrTx/>
+              <a:buSzTx/>
+              <a:buFontTx/>
+              <a:buNone/>
+              <a:tabLst/>
+              <a:defRPr/>
             </a:pPr>
             <a:r>
               <a:rPr lang="en-US" dirty="0">
-                <a:latin typeface="Arial" panose="020B0604020202020204" pitchFamily="34" charset="0"/>
-                <a:cs typeface="Arial" panose="020B0604020202020204" pitchFamily="34" charset="0"/>
-              </a:rPr>
-              <a:t>J48</a:t>
-            </a:r>
-          </a:p>
-        </p:txBody>
-      </p:sp>
-      <p:pic>
-        <p:nvPicPr>
-          <p:cNvPr id="3" name="Immagine 2"/>
-          <p:cNvPicPr>
-            <a:picLocks noChangeAspect="1"/>
-          </p:cNvPicPr>
-          <p:nvPr/>
-        </p:nvPicPr>
-        <p:blipFill>
-          <a:blip r:embed="rId2">
-            <a:extLst>
-              <a:ext uri="{28A0092B-C50C-407E-A947-70E740481C1C}">
-                <a14:useLocalDpi xmlns:a14="http://schemas.microsoft.com/office/drawing/2010/main" val="0"/>
-              </a:ext>
-            </a:extLst>
-          </a:blip>
-          <a:stretch>
-            <a:fillRect/>
-          </a:stretch>
-        </p:blipFill>
-        <p:spPr>
-          <a:xfrm>
-            <a:off x="2912223" y="2174831"/>
-            <a:ext cx="4448175" cy="342900"/>
-          </a:xfrm>
-          <a:prstGeom prst="rect">
-            <a:avLst/>
-          </a:prstGeom>
-        </p:spPr>
-      </p:pic>
-      <p:pic>
-        <p:nvPicPr>
-          <p:cNvPr id="4" name="Immagine 3"/>
-          <p:cNvPicPr>
-            <a:picLocks noChangeAspect="1"/>
-          </p:cNvPicPr>
-          <p:nvPr/>
-        </p:nvPicPr>
-        <p:blipFill>
-          <a:blip r:embed="rId3">
-            <a:extLst>
-              <a:ext uri="{28A0092B-C50C-407E-A947-70E740481C1C}">
-                <a14:useLocalDpi xmlns:a14="http://schemas.microsoft.com/office/drawing/2010/main" val="0"/>
-              </a:ext>
-            </a:extLst>
-          </a:blip>
-          <a:stretch>
-            <a:fillRect/>
-          </a:stretch>
-        </p:blipFill>
-        <p:spPr>
-          <a:xfrm>
-            <a:off x="2912223" y="2577803"/>
-            <a:ext cx="7248525" cy="1047750"/>
-          </a:xfrm>
-          <a:prstGeom prst="rect">
-            <a:avLst/>
-          </a:prstGeom>
-        </p:spPr>
-      </p:pic>
-      <p:pic>
-        <p:nvPicPr>
-          <p:cNvPr id="9" name="Immagine 8"/>
-          <p:cNvPicPr>
-            <a:picLocks noChangeAspect="1"/>
-          </p:cNvPicPr>
-          <p:nvPr/>
-        </p:nvPicPr>
-        <p:blipFill>
-          <a:blip r:embed="rId4">
-            <a:extLst>
-              <a:ext uri="{28A0092B-C50C-407E-A947-70E740481C1C}">
-                <a14:useLocalDpi xmlns:a14="http://schemas.microsoft.com/office/drawing/2010/main" val="0"/>
-              </a:ext>
-            </a:extLst>
-          </a:blip>
-          <a:stretch>
-            <a:fillRect/>
-          </a:stretch>
-        </p:blipFill>
-        <p:spPr>
-          <a:xfrm>
-            <a:off x="2912223" y="3910293"/>
-            <a:ext cx="5286375" cy="428625"/>
-          </a:xfrm>
-          <a:prstGeom prst="rect">
-            <a:avLst/>
-          </a:prstGeom>
-        </p:spPr>
-      </p:pic>
-      <p:pic>
-        <p:nvPicPr>
-          <p:cNvPr id="10" name="Immagine 9"/>
-          <p:cNvPicPr>
-            <a:picLocks noChangeAspect="1"/>
-          </p:cNvPicPr>
-          <p:nvPr/>
-        </p:nvPicPr>
-        <p:blipFill>
-          <a:blip r:embed="rId5">
-            <a:extLst>
-              <a:ext uri="{28A0092B-C50C-407E-A947-70E740481C1C}">
-                <a14:useLocalDpi xmlns:a14="http://schemas.microsoft.com/office/drawing/2010/main" val="0"/>
-              </a:ext>
-            </a:extLst>
-          </a:blip>
-          <a:stretch>
-            <a:fillRect/>
-          </a:stretch>
-        </p:blipFill>
-        <p:spPr>
-          <a:xfrm>
-            <a:off x="2912223" y="4300483"/>
-            <a:ext cx="8410575" cy="1247775"/>
-          </a:xfrm>
-          <a:prstGeom prst="rect">
-            <a:avLst/>
-          </a:prstGeom>
-        </p:spPr>
-      </p:pic>
+                <a:solidFill>
+                  <a:prstClr val="black"/>
+                </a:solidFill>
+                <a:latin typeface="Arial" panose="020B0604020202020204" pitchFamily="34" charset="0"/>
+                <a:cs typeface="Arial" panose="020B0604020202020204" pitchFamily="34" charset="0"/>
+              </a:rPr>
+              <a:t>to obtain a label for each tweet</a:t>
+            </a:r>
+            <a:r>
+              <a:rPr kumimoji="0" lang="en-US" sz="1800" b="0" i="0" u="none" strike="noStrike" kern="1200" cap="none" spc="0" normalizeH="0" baseline="0" noProof="0" dirty="0">
+                <a:ln>
+                  <a:noFill/>
+                </a:ln>
+                <a:solidFill>
+                  <a:prstClr val="black"/>
+                </a:solidFill>
+                <a:effectLst/>
+                <a:uLnTx/>
+                <a:uFillTx/>
+                <a:latin typeface="Arial" panose="020B0604020202020204" pitchFamily="34" charset="0"/>
+                <a:ea typeface="+mn-ea"/>
+                <a:cs typeface="Arial" panose="020B0604020202020204" pitchFamily="34" charset="0"/>
+              </a:rPr>
+              <a:t>.</a:t>
+            </a:r>
+            <a:br>
+              <a:rPr kumimoji="0" lang="en-US" sz="1800" b="0" i="0" u="none" strike="noStrike" kern="1200" cap="none" spc="0" normalizeH="0" baseline="0" noProof="0" dirty="0">
+                <a:ln>
+                  <a:noFill/>
+                </a:ln>
+                <a:solidFill>
+                  <a:prstClr val="black"/>
+                </a:solidFill>
+                <a:effectLst/>
+                <a:uLnTx/>
+                <a:uFillTx/>
+                <a:latin typeface="Arial" panose="020B0604020202020204" pitchFamily="34" charset="0"/>
+                <a:ea typeface="+mn-ea"/>
+                <a:cs typeface="Arial" panose="020B0604020202020204" pitchFamily="34" charset="0"/>
+              </a:rPr>
+            </a:br>
+            <a:r>
+              <a:rPr kumimoji="0" lang="en-US" sz="1800" b="0" i="0" u="none" strike="noStrike" kern="1200" cap="none" spc="0" normalizeH="0" baseline="0" noProof="0" dirty="0">
+                <a:ln>
+                  <a:noFill/>
+                </a:ln>
+                <a:solidFill>
+                  <a:prstClr val="black"/>
+                </a:solidFill>
+                <a:effectLst/>
+                <a:uLnTx/>
+                <a:uFillTx/>
+                <a:latin typeface="Arial" panose="020B0604020202020204" pitchFamily="34" charset="0"/>
+                <a:ea typeface="+mn-ea"/>
+                <a:cs typeface="Arial" panose="020B0604020202020204" pitchFamily="34" charset="0"/>
+              </a:rPr>
+              <a:t/>
+            </a:r>
+            <a:br>
+              <a:rPr kumimoji="0" lang="en-US" sz="1800" b="0" i="0" u="none" strike="noStrike" kern="1200" cap="none" spc="0" normalizeH="0" baseline="0" noProof="0" dirty="0">
+                <a:ln>
+                  <a:noFill/>
+                </a:ln>
+                <a:solidFill>
+                  <a:prstClr val="black"/>
+                </a:solidFill>
+                <a:effectLst/>
+                <a:uLnTx/>
+                <a:uFillTx/>
+                <a:latin typeface="Arial" panose="020B0604020202020204" pitchFamily="34" charset="0"/>
+                <a:ea typeface="+mn-ea"/>
+                <a:cs typeface="Arial" panose="020B0604020202020204" pitchFamily="34" charset="0"/>
+              </a:rPr>
+            </a:br>
+            <a:r>
+              <a:rPr kumimoji="0" lang="en-US" sz="1800" b="0" i="0" u="none" strike="noStrike" kern="1200" cap="none" spc="0" normalizeH="0" baseline="0" noProof="0" dirty="0">
+                <a:ln>
+                  <a:noFill/>
+                </a:ln>
+                <a:solidFill>
+                  <a:prstClr val="black"/>
+                </a:solidFill>
+                <a:effectLst/>
+                <a:uLnTx/>
+                <a:uFillTx/>
+                <a:latin typeface="Arial" panose="020B0604020202020204" pitchFamily="34" charset="0"/>
+                <a:ea typeface="+mn-ea"/>
+                <a:cs typeface="Arial" panose="020B0604020202020204" pitchFamily="34" charset="0"/>
+              </a:rPr>
+              <a:t>Different classifiers have</a:t>
+            </a:r>
+            <a:r>
+              <a:rPr kumimoji="0" lang="en-US" sz="1800" b="0" i="0" u="none" strike="noStrike" kern="1200" cap="none" spc="0" normalizeH="0" noProof="0" dirty="0">
+                <a:ln>
+                  <a:noFill/>
+                </a:ln>
+                <a:solidFill>
+                  <a:prstClr val="black"/>
+                </a:solidFill>
+                <a:effectLst/>
+                <a:uLnTx/>
+                <a:uFillTx/>
+                <a:latin typeface="Arial" panose="020B0604020202020204" pitchFamily="34" charset="0"/>
+                <a:ea typeface="+mn-ea"/>
+                <a:cs typeface="Arial" panose="020B0604020202020204" pitchFamily="34" charset="0"/>
+              </a:rPr>
+              <a:t> been compared, in particular we focused on SMO (Sequential </a:t>
+            </a:r>
+            <a:r>
+              <a:rPr lang="en-US" dirty="0">
+                <a:solidFill>
+                  <a:prstClr val="black"/>
+                </a:solidFill>
+                <a:latin typeface="Arial" panose="020B0604020202020204" pitchFamily="34" charset="0"/>
+                <a:cs typeface="Arial" panose="020B0604020202020204" pitchFamily="34" charset="0"/>
+              </a:rPr>
+              <a:t/>
+            </a:r>
+            <a:br>
+              <a:rPr lang="en-US" dirty="0">
+                <a:solidFill>
+                  <a:prstClr val="black"/>
+                </a:solidFill>
+                <a:latin typeface="Arial" panose="020B0604020202020204" pitchFamily="34" charset="0"/>
+                <a:cs typeface="Arial" panose="020B0604020202020204" pitchFamily="34" charset="0"/>
+              </a:rPr>
+            </a:br>
+            <a:r>
+              <a:rPr lang="en-US" dirty="0">
+                <a:solidFill>
+                  <a:prstClr val="black"/>
+                </a:solidFill>
+                <a:latin typeface="Arial" panose="020B0604020202020204" pitchFamily="34" charset="0"/>
+                <a:cs typeface="Arial" panose="020B0604020202020204" pitchFamily="34" charset="0"/>
+              </a:rPr>
+              <a:t>Minimal Optimization), J48 (</a:t>
+            </a:r>
+            <a:r>
+              <a:rPr lang="en-US" dirty="0" err="1">
+                <a:solidFill>
+                  <a:prstClr val="black"/>
+                </a:solidFill>
+                <a:latin typeface="Arial" panose="020B0604020202020204" pitchFamily="34" charset="0"/>
+                <a:cs typeface="Arial" panose="020B0604020202020204" pitchFamily="34" charset="0"/>
+              </a:rPr>
+              <a:t>weka’s</a:t>
+            </a:r>
+            <a:r>
+              <a:rPr lang="en-US" dirty="0">
+                <a:solidFill>
+                  <a:prstClr val="black"/>
+                </a:solidFill>
+                <a:latin typeface="Arial" panose="020B0604020202020204" pitchFamily="34" charset="0"/>
+                <a:cs typeface="Arial" panose="020B0604020202020204" pitchFamily="34" charset="0"/>
+              </a:rPr>
+              <a:t> implementation of the C4.5 algorithm), </a:t>
+            </a:r>
+            <a:r>
+              <a:rPr lang="en-US" dirty="0" err="1">
+                <a:solidFill>
+                  <a:prstClr val="black"/>
+                </a:solidFill>
+                <a:latin typeface="Arial" panose="020B0604020202020204" pitchFamily="34" charset="0"/>
+                <a:cs typeface="Arial" panose="020B0604020202020204" pitchFamily="34" charset="0"/>
+              </a:rPr>
+              <a:t>kNN</a:t>
+            </a:r>
+            <a:r>
+              <a:rPr lang="en-US" dirty="0">
+                <a:solidFill>
+                  <a:prstClr val="black"/>
+                </a:solidFill>
+                <a:latin typeface="Arial" panose="020B0604020202020204" pitchFamily="34" charset="0"/>
+                <a:cs typeface="Arial" panose="020B0604020202020204" pitchFamily="34" charset="0"/>
+              </a:rPr>
+              <a:t> (k-Nearest Neighbors, </a:t>
+            </a:r>
+            <a:br>
+              <a:rPr lang="en-US" dirty="0">
+                <a:solidFill>
+                  <a:prstClr val="black"/>
+                </a:solidFill>
+                <a:latin typeface="Arial" panose="020B0604020202020204" pitchFamily="34" charset="0"/>
+                <a:cs typeface="Arial" panose="020B0604020202020204" pitchFamily="34" charset="0"/>
+              </a:rPr>
+            </a:br>
+            <a:r>
+              <a:rPr lang="en-US" dirty="0">
+                <a:solidFill>
+                  <a:prstClr val="black"/>
+                </a:solidFill>
+                <a:latin typeface="Arial" panose="020B0604020202020204" pitchFamily="34" charset="0"/>
+                <a:cs typeface="Arial" panose="020B0604020202020204" pitchFamily="34" charset="0"/>
+              </a:rPr>
+              <a:t>we focused on two </a:t>
+            </a:r>
+            <a:r>
+              <a:rPr lang="en-US" dirty="0" err="1">
+                <a:solidFill>
+                  <a:prstClr val="black"/>
+                </a:solidFill>
+                <a:latin typeface="Arial" panose="020B0604020202020204" pitchFamily="34" charset="0"/>
+                <a:cs typeface="Arial" panose="020B0604020202020204" pitchFamily="34" charset="0"/>
+              </a:rPr>
+              <a:t>kNN</a:t>
+            </a:r>
+            <a:r>
+              <a:rPr lang="en-US" dirty="0">
+                <a:solidFill>
+                  <a:prstClr val="black"/>
+                </a:solidFill>
+                <a:latin typeface="Arial" panose="020B0604020202020204" pitchFamily="34" charset="0"/>
+                <a:cs typeface="Arial" panose="020B0604020202020204" pitchFamily="34" charset="0"/>
+              </a:rPr>
+              <a:t> models, with k equal to 1 and 3) an the NB (the naïve Bayesian classifier, </a:t>
+            </a:r>
+            <a:br>
+              <a:rPr lang="en-US" dirty="0">
+                <a:solidFill>
+                  <a:prstClr val="black"/>
+                </a:solidFill>
+                <a:latin typeface="Arial" panose="020B0604020202020204" pitchFamily="34" charset="0"/>
+                <a:cs typeface="Arial" panose="020B0604020202020204" pitchFamily="34" charset="0"/>
+              </a:rPr>
+            </a:br>
+            <a:r>
+              <a:rPr lang="en-US" dirty="0">
+                <a:solidFill>
+                  <a:prstClr val="black"/>
+                </a:solidFill>
+                <a:latin typeface="Arial" panose="020B0604020202020204" pitchFamily="34" charset="0"/>
+                <a:cs typeface="Arial" panose="020B0604020202020204" pitchFamily="34" charset="0"/>
+              </a:rPr>
+              <a:t>based on the Bayes’ s theorem).</a:t>
+            </a:r>
+            <a:endParaRPr kumimoji="0" lang="en-US" sz="1800" b="0" i="0" u="none" strike="noStrike" kern="1200" cap="none" spc="0" normalizeH="0" noProof="0" dirty="0">
+              <a:ln>
+                <a:noFill/>
+              </a:ln>
+              <a:solidFill>
+                <a:prstClr val="black"/>
+              </a:solidFill>
+              <a:effectLst/>
+              <a:uLnTx/>
+              <a:uFillTx/>
+              <a:latin typeface="Arial" panose="020B0604020202020204" pitchFamily="34" charset="0"/>
+              <a:ea typeface="+mn-ea"/>
+              <a:cs typeface="Arial" panose="020B0604020202020204" pitchFamily="34" charset="0"/>
+            </a:endParaRPr>
+          </a:p>
+        </p:txBody>
+      </p:sp>
     </p:spTree>
     <p:extLst>
       <p:ext uri="{BB962C8B-B14F-4D97-AF65-F5344CB8AC3E}">
-        <p14:creationId xmlns:p14="http://schemas.microsoft.com/office/powerpoint/2010/main" val="2956771798"/>
+        <p14:creationId xmlns:p14="http://schemas.microsoft.com/office/powerpoint/2010/main" val="4205415046"/>
       </p:ext>
     </p:extLst>
   </p:cSld>
